--- a/other/model_pipeline.pptx
+++ b/other/model_pipeline.pptx
@@ -104,6 +104,11 @@
       </a:defRPr>
     </a:lvl9pPr>
   </p:defaultTextStyle>
+  <p:extLst>
+    <p:ext uri="{EFAFB233-063F-42B5-8137-9DF3F51BA10A}">
+      <p15:sldGuideLst xmlns:p15="http://schemas.microsoft.com/office/powerpoint/2012/main"/>
+    </p:ext>
+  </p:extLst>
 </p:presentation>
 </file>
 
@@ -336,7 +341,7 @@
           <a:p>
             <a:fld id="{9DE54781-CC08-F748-B430-B9DF1903D26D}" type="datetimeFigureOut">
               <a:rPr kumimoji="1" lang="ja-JP" altLang="en-US" smtClean="0"/>
-              <a:t>2018/12/13</a:t>
+              <a:t>2018/12/14</a:t>
             </a:fld>
             <a:endParaRPr kumimoji="1" lang="ja-JP" altLang="en-US"/>
           </a:p>
@@ -670,7 +675,7 @@
           <a:p>
             <a:fld id="{9DE54781-CC08-F748-B430-B9DF1903D26D}" type="datetimeFigureOut">
               <a:rPr kumimoji="1" lang="ja-JP" altLang="en-US" smtClean="0"/>
-              <a:t>2018/12/13</a:t>
+              <a:t>2018/12/14</a:t>
             </a:fld>
             <a:endParaRPr kumimoji="1" lang="ja-JP" altLang="en-US"/>
           </a:p>
@@ -948,7 +953,7 @@
           <a:p>
             <a:fld id="{9DE54781-CC08-F748-B430-B9DF1903D26D}" type="datetimeFigureOut">
               <a:rPr kumimoji="1" lang="ja-JP" altLang="en-US" smtClean="0"/>
-              <a:t>2018/12/13</a:t>
+              <a:t>2018/12/14</a:t>
             </a:fld>
             <a:endParaRPr kumimoji="1" lang="ja-JP" altLang="en-US"/>
           </a:p>
@@ -1516,7 +1521,7 @@
           <a:p>
             <a:fld id="{9DE54781-CC08-F748-B430-B9DF1903D26D}" type="datetimeFigureOut">
               <a:rPr kumimoji="1" lang="ja-JP" altLang="en-US" smtClean="0"/>
-              <a:t>2018/12/13</a:t>
+              <a:t>2018/12/14</a:t>
             </a:fld>
             <a:endParaRPr kumimoji="1" lang="ja-JP" altLang="en-US"/>
           </a:p>
@@ -1794,7 +1799,7 @@
           <a:p>
             <a:fld id="{9DE54781-CC08-F748-B430-B9DF1903D26D}" type="datetimeFigureOut">
               <a:rPr kumimoji="1" lang="ja-JP" altLang="en-US" smtClean="0"/>
-              <a:t>2018/12/13</a:t>
+              <a:t>2018/12/14</a:t>
             </a:fld>
             <a:endParaRPr kumimoji="1" lang="ja-JP" altLang="en-US"/>
           </a:p>
@@ -2356,7 +2361,7 @@
           <a:p>
             <a:fld id="{9DE54781-CC08-F748-B430-B9DF1903D26D}" type="datetimeFigureOut">
               <a:rPr kumimoji="1" lang="ja-JP" altLang="en-US" smtClean="0"/>
-              <a:t>2018/12/13</a:t>
+              <a:t>2018/12/14</a:t>
             </a:fld>
             <a:endParaRPr kumimoji="1" lang="ja-JP" altLang="en-US"/>
           </a:p>
@@ -2683,7 +2688,7 @@
           <a:p>
             <a:fld id="{9DE54781-CC08-F748-B430-B9DF1903D26D}" type="datetimeFigureOut">
               <a:rPr kumimoji="1" lang="ja-JP" altLang="en-US" smtClean="0"/>
-              <a:t>2018/12/13</a:t>
+              <a:t>2018/12/14</a:t>
             </a:fld>
             <a:endParaRPr kumimoji="1" lang="ja-JP" altLang="en-US"/>
           </a:p>
@@ -2892,7 +2897,7 @@
           <a:p>
             <a:fld id="{9DE54781-CC08-F748-B430-B9DF1903D26D}" type="datetimeFigureOut">
               <a:rPr kumimoji="1" lang="ja-JP" altLang="en-US" smtClean="0"/>
-              <a:t>2018/12/13</a:t>
+              <a:t>2018/12/14</a:t>
             </a:fld>
             <a:endParaRPr kumimoji="1" lang="ja-JP" altLang="en-US"/>
           </a:p>
@@ -3162,7 +3167,7 @@
           <a:p>
             <a:fld id="{9DE54781-CC08-F748-B430-B9DF1903D26D}" type="datetimeFigureOut">
               <a:rPr kumimoji="1" lang="ja-JP" altLang="en-US" smtClean="0"/>
-              <a:t>2018/12/13</a:t>
+              <a:t>2018/12/14</a:t>
             </a:fld>
             <a:endParaRPr kumimoji="1" lang="ja-JP" altLang="en-US"/>
           </a:p>
@@ -3394,7 +3399,7 @@
           <a:p>
             <a:fld id="{9DE54781-CC08-F748-B430-B9DF1903D26D}" type="datetimeFigureOut">
               <a:rPr kumimoji="1" lang="ja-JP" altLang="en-US" smtClean="0"/>
-              <a:t>2018/12/13</a:t>
+              <a:t>2018/12/14</a:t>
             </a:fld>
             <a:endParaRPr kumimoji="1" lang="ja-JP" altLang="en-US"/>
           </a:p>
@@ -3670,7 +3675,7 @@
           <a:p>
             <a:fld id="{9DE54781-CC08-F748-B430-B9DF1903D26D}" type="datetimeFigureOut">
               <a:rPr kumimoji="1" lang="ja-JP" altLang="en-US" smtClean="0"/>
-              <a:t>2018/12/13</a:t>
+              <a:t>2018/12/14</a:t>
             </a:fld>
             <a:endParaRPr kumimoji="1" lang="ja-JP" altLang="en-US"/>
           </a:p>
@@ -4000,7 +4005,7 @@
           <a:p>
             <a:fld id="{9DE54781-CC08-F748-B430-B9DF1903D26D}" type="datetimeFigureOut">
               <a:rPr kumimoji="1" lang="ja-JP" altLang="en-US" smtClean="0"/>
-              <a:t>2018/12/13</a:t>
+              <a:t>2018/12/14</a:t>
             </a:fld>
             <a:endParaRPr kumimoji="1" lang="ja-JP" altLang="en-US"/>
           </a:p>
@@ -4438,7 +4443,7 @@
           <a:p>
             <a:fld id="{9DE54781-CC08-F748-B430-B9DF1903D26D}" type="datetimeFigureOut">
               <a:rPr kumimoji="1" lang="ja-JP" altLang="en-US" smtClean="0"/>
-              <a:t>2018/12/13</a:t>
+              <a:t>2018/12/14</a:t>
             </a:fld>
             <a:endParaRPr kumimoji="1" lang="ja-JP" altLang="en-US"/>
           </a:p>
@@ -4586,7 +4591,7 @@
           <a:p>
             <a:fld id="{9DE54781-CC08-F748-B430-B9DF1903D26D}" type="datetimeFigureOut">
               <a:rPr kumimoji="1" lang="ja-JP" altLang="en-US" smtClean="0"/>
-              <a:t>2018/12/13</a:t>
+              <a:t>2018/12/14</a:t>
             </a:fld>
             <a:endParaRPr kumimoji="1" lang="ja-JP" altLang="en-US"/>
           </a:p>
@@ -4711,7 +4716,7 @@
           <a:p>
             <a:fld id="{9DE54781-CC08-F748-B430-B9DF1903D26D}" type="datetimeFigureOut">
               <a:rPr kumimoji="1" lang="ja-JP" altLang="en-US" smtClean="0"/>
-              <a:t>2018/12/13</a:t>
+              <a:t>2018/12/14</a:t>
             </a:fld>
             <a:endParaRPr kumimoji="1" lang="ja-JP" altLang="en-US"/>
           </a:p>
@@ -5028,7 +5033,7 @@
           <a:p>
             <a:fld id="{9DE54781-CC08-F748-B430-B9DF1903D26D}" type="datetimeFigureOut">
               <a:rPr kumimoji="1" lang="ja-JP" altLang="en-US" smtClean="0"/>
-              <a:t>2018/12/13</a:t>
+              <a:t>2018/12/14</a:t>
             </a:fld>
             <a:endParaRPr kumimoji="1" lang="ja-JP" altLang="en-US"/>
           </a:p>
@@ -5352,7 +5357,7 @@
           <a:p>
             <a:fld id="{9DE54781-CC08-F748-B430-B9DF1903D26D}" type="datetimeFigureOut">
               <a:rPr kumimoji="1" lang="ja-JP" altLang="en-US" smtClean="0"/>
-              <a:t>2018/12/13</a:t>
+              <a:t>2018/12/14</a:t>
             </a:fld>
             <a:endParaRPr kumimoji="1" lang="ja-JP" altLang="en-US"/>
           </a:p>
@@ -5598,7 +5603,7 @@
           <a:p>
             <a:fld id="{9DE54781-CC08-F748-B430-B9DF1903D26D}" type="datetimeFigureOut">
               <a:rPr kumimoji="1" lang="ja-JP" altLang="en-US" smtClean="0"/>
-              <a:t>2018/12/13</a:t>
+              <a:t>2018/12/14</a:t>
             </a:fld>
             <a:endParaRPr kumimoji="1" lang="ja-JP" altLang="en-US"/>
           </a:p>
@@ -6411,6 +6416,2629 @@
           </a:prstGeom>
         </p:spPr>
       </p:pic>
+      <p:sp>
+        <p:nvSpPr>
+          <p:cNvPr id="2" name="テキスト ボックス 1">
+            <a:extLst>
+              <a:ext uri="{FF2B5EF4-FFF2-40B4-BE49-F238E27FC236}">
+                <a16:creationId xmlns:a16="http://schemas.microsoft.com/office/drawing/2014/main" id="{AD78E44E-FF91-9B41-B2ED-D900B358DD2A}"/>
+              </a:ext>
+            </a:extLst>
+          </p:cNvPr>
+          <p:cNvSpPr txBox="1"/>
+          <p:nvPr/>
+        </p:nvSpPr>
+        <p:spPr>
+          <a:xfrm>
+            <a:off x="968277" y="190295"/>
+            <a:ext cx="391454" cy="338554"/>
+          </a:xfrm>
+          <a:prstGeom prst="rect">
+            <a:avLst/>
+          </a:prstGeom>
+          <a:noFill/>
+        </p:spPr>
+        <p:txBody>
+          <a:bodyPr wrap="none" rtlCol="0">
+            <a:spAutoFit/>
+          </a:bodyPr>
+          <a:lstStyle/>
+          <a:p>
+            <a:r>
+              <a:rPr lang="ja-JP" altLang="en-US" sz="1600" b="1">
+                <a:solidFill>
+                  <a:srgbClr val="FFFF00"/>
+                </a:solidFill>
+              </a:rPr>
+              <a:t>①</a:t>
+            </a:r>
+            <a:endParaRPr kumimoji="1" lang="ja-JP" altLang="en-US" sz="1600" b="1">
+              <a:solidFill>
+                <a:srgbClr val="FFFF00"/>
+              </a:solidFill>
+            </a:endParaRPr>
+          </a:p>
+        </p:txBody>
+      </p:sp>
+      <p:sp>
+        <p:nvSpPr>
+          <p:cNvPr id="21" name="テキスト ボックス 20">
+            <a:extLst>
+              <a:ext uri="{FF2B5EF4-FFF2-40B4-BE49-F238E27FC236}">
+                <a16:creationId xmlns:a16="http://schemas.microsoft.com/office/drawing/2014/main" id="{543C9008-5176-E042-A6EE-C2576E9D0951}"/>
+              </a:ext>
+            </a:extLst>
+          </p:cNvPr>
+          <p:cNvSpPr txBox="1"/>
+          <p:nvPr/>
+        </p:nvSpPr>
+        <p:spPr>
+          <a:xfrm>
+            <a:off x="968277" y="1496735"/>
+            <a:ext cx="391454" cy="338554"/>
+          </a:xfrm>
+          <a:prstGeom prst="rect">
+            <a:avLst/>
+          </a:prstGeom>
+          <a:noFill/>
+        </p:spPr>
+        <p:txBody>
+          <a:bodyPr wrap="none" rtlCol="0">
+            <a:spAutoFit/>
+          </a:bodyPr>
+          <a:lstStyle/>
+          <a:p>
+            <a:r>
+              <a:rPr lang="ja-JP" altLang="en-US" sz="1600" b="1">
+                <a:solidFill>
+                  <a:srgbClr val="FFFF00"/>
+                </a:solidFill>
+              </a:rPr>
+              <a:t>②</a:t>
+            </a:r>
+            <a:endParaRPr kumimoji="1" lang="ja-JP" altLang="en-US" sz="1600" b="1">
+              <a:solidFill>
+                <a:srgbClr val="FFFF00"/>
+              </a:solidFill>
+            </a:endParaRPr>
+          </a:p>
+        </p:txBody>
+      </p:sp>
+      <p:sp>
+        <p:nvSpPr>
+          <p:cNvPr id="22" name="テキスト ボックス 21">
+            <a:extLst>
+              <a:ext uri="{FF2B5EF4-FFF2-40B4-BE49-F238E27FC236}">
+                <a16:creationId xmlns:a16="http://schemas.microsoft.com/office/drawing/2014/main" id="{0038F218-D561-4E42-8CD3-C6B483C7DCD7}"/>
+              </a:ext>
+            </a:extLst>
+          </p:cNvPr>
+          <p:cNvSpPr txBox="1"/>
+          <p:nvPr/>
+        </p:nvSpPr>
+        <p:spPr>
+          <a:xfrm>
+            <a:off x="968277" y="2813958"/>
+            <a:ext cx="391454" cy="338554"/>
+          </a:xfrm>
+          <a:prstGeom prst="rect">
+            <a:avLst/>
+          </a:prstGeom>
+          <a:noFill/>
+        </p:spPr>
+        <p:txBody>
+          <a:bodyPr wrap="none" rtlCol="0">
+            <a:spAutoFit/>
+          </a:bodyPr>
+          <a:lstStyle/>
+          <a:p>
+            <a:r>
+              <a:rPr lang="ja-JP" altLang="en-US" sz="1600" b="1">
+                <a:solidFill>
+                  <a:srgbClr val="FFFF00"/>
+                </a:solidFill>
+              </a:rPr>
+              <a:t>③</a:t>
+            </a:r>
+            <a:endParaRPr kumimoji="1" lang="ja-JP" altLang="en-US" sz="1600" b="1">
+              <a:solidFill>
+                <a:srgbClr val="FFFF00"/>
+              </a:solidFill>
+            </a:endParaRPr>
+          </a:p>
+        </p:txBody>
+      </p:sp>
+      <p:sp>
+        <p:nvSpPr>
+          <p:cNvPr id="23" name="テキスト ボックス 22">
+            <a:extLst>
+              <a:ext uri="{FF2B5EF4-FFF2-40B4-BE49-F238E27FC236}">
+                <a16:creationId xmlns:a16="http://schemas.microsoft.com/office/drawing/2014/main" id="{3AB30C13-D4B2-6B4F-A88B-5FFC8F9D4EEB}"/>
+              </a:ext>
+            </a:extLst>
+          </p:cNvPr>
+          <p:cNvSpPr txBox="1"/>
+          <p:nvPr/>
+        </p:nvSpPr>
+        <p:spPr>
+          <a:xfrm>
+            <a:off x="968277" y="4120398"/>
+            <a:ext cx="391454" cy="338554"/>
+          </a:xfrm>
+          <a:prstGeom prst="rect">
+            <a:avLst/>
+          </a:prstGeom>
+          <a:noFill/>
+        </p:spPr>
+        <p:txBody>
+          <a:bodyPr wrap="none" rtlCol="0">
+            <a:spAutoFit/>
+          </a:bodyPr>
+          <a:lstStyle/>
+          <a:p>
+            <a:r>
+              <a:rPr lang="ja-JP" altLang="en-US" sz="1600" b="1">
+                <a:solidFill>
+                  <a:srgbClr val="FFFF00"/>
+                </a:solidFill>
+              </a:rPr>
+              <a:t>④</a:t>
+            </a:r>
+            <a:endParaRPr kumimoji="1" lang="ja-JP" altLang="en-US" sz="1600" b="1">
+              <a:solidFill>
+                <a:srgbClr val="FFFF00"/>
+              </a:solidFill>
+            </a:endParaRPr>
+          </a:p>
+        </p:txBody>
+      </p:sp>
+      <p:sp>
+        <p:nvSpPr>
+          <p:cNvPr id="24" name="テキスト ボックス 23">
+            <a:extLst>
+              <a:ext uri="{FF2B5EF4-FFF2-40B4-BE49-F238E27FC236}">
+                <a16:creationId xmlns:a16="http://schemas.microsoft.com/office/drawing/2014/main" id="{F03CE9BE-C25A-CC43-8A5B-2DF372228509}"/>
+              </a:ext>
+            </a:extLst>
+          </p:cNvPr>
+          <p:cNvSpPr txBox="1"/>
+          <p:nvPr/>
+        </p:nvSpPr>
+        <p:spPr>
+          <a:xfrm>
+            <a:off x="968277" y="5552422"/>
+            <a:ext cx="391454" cy="338554"/>
+          </a:xfrm>
+          <a:prstGeom prst="rect">
+            <a:avLst/>
+          </a:prstGeom>
+          <a:noFill/>
+        </p:spPr>
+        <p:txBody>
+          <a:bodyPr wrap="none" rtlCol="0">
+            <a:spAutoFit/>
+          </a:bodyPr>
+          <a:lstStyle/>
+          <a:p>
+            <a:r>
+              <a:rPr lang="ja-JP" altLang="en-US" sz="1600" b="1">
+                <a:solidFill>
+                  <a:srgbClr val="FFFF00"/>
+                </a:solidFill>
+              </a:rPr>
+              <a:t>⑤</a:t>
+            </a:r>
+            <a:endParaRPr kumimoji="1" lang="ja-JP" altLang="en-US" sz="1600" b="1">
+              <a:solidFill>
+                <a:srgbClr val="FFFF00"/>
+              </a:solidFill>
+            </a:endParaRPr>
+          </a:p>
+        </p:txBody>
+      </p:sp>
+      <p:sp>
+        <p:nvSpPr>
+          <p:cNvPr id="33" name="角丸四角形 32">
+            <a:extLst>
+              <a:ext uri="{FF2B5EF4-FFF2-40B4-BE49-F238E27FC236}">
+                <a16:creationId xmlns:a16="http://schemas.microsoft.com/office/drawing/2014/main" id="{D0C80A31-0582-0546-9241-E0D6D182C40C}"/>
+              </a:ext>
+            </a:extLst>
+          </p:cNvPr>
+          <p:cNvSpPr/>
+          <p:nvPr/>
+        </p:nvSpPr>
+        <p:spPr>
+          <a:xfrm>
+            <a:off x="2879015" y="2589211"/>
+            <a:ext cx="2367144" cy="1949083"/>
+          </a:xfrm>
+          <a:prstGeom prst="roundRect">
+            <a:avLst/>
+          </a:prstGeom>
+          <a:noFill/>
+          <a:ln w="22225">
+            <a:solidFill>
+              <a:schemeClr val="tx1"/>
+            </a:solidFill>
+            <a:prstDash val="sysDot"/>
+          </a:ln>
+        </p:spPr>
+        <p:style>
+          <a:lnRef idx="2">
+            <a:schemeClr val="accent1">
+              <a:shade val="50000"/>
+            </a:schemeClr>
+          </a:lnRef>
+          <a:fillRef idx="1">
+            <a:schemeClr val="accent1"/>
+          </a:fillRef>
+          <a:effectRef idx="0">
+            <a:schemeClr val="accent1"/>
+          </a:effectRef>
+          <a:fontRef idx="minor">
+            <a:schemeClr val="lt1"/>
+          </a:fontRef>
+        </p:style>
+        <p:txBody>
+          <a:bodyPr rtlCol="0" anchor="ctr"/>
+          <a:lstStyle/>
+          <a:p>
+            <a:pPr algn="ctr"/>
+            <a:endParaRPr kumimoji="1" lang="ja-JP" altLang="en-US"/>
+          </a:p>
+        </p:txBody>
+      </p:sp>
+      <p:sp>
+        <p:nvSpPr>
+          <p:cNvPr id="34" name="テキスト ボックス 33">
+            <a:extLst>
+              <a:ext uri="{FF2B5EF4-FFF2-40B4-BE49-F238E27FC236}">
+                <a16:creationId xmlns:a16="http://schemas.microsoft.com/office/drawing/2014/main" id="{F7E9D662-40A5-AD4D-B9AC-97927B33F33F}"/>
+              </a:ext>
+            </a:extLst>
+          </p:cNvPr>
+          <p:cNvSpPr txBox="1"/>
+          <p:nvPr/>
+        </p:nvSpPr>
+        <p:spPr>
+          <a:xfrm>
+            <a:off x="3195989" y="2657851"/>
+            <a:ext cx="1513242" cy="230832"/>
+          </a:xfrm>
+          <a:prstGeom prst="rect">
+            <a:avLst/>
+          </a:prstGeom>
+          <a:noFill/>
+          <a:ln>
+            <a:solidFill>
+              <a:schemeClr val="tx1"/>
+            </a:solidFill>
+            <a:round/>
+          </a:ln>
+        </p:spPr>
+        <p:txBody>
+          <a:bodyPr wrap="square" rtlCol="0">
+            <a:spAutoFit/>
+          </a:bodyPr>
+          <a:lstStyle/>
+          <a:p>
+            <a:r>
+              <a:rPr lang="ja-JP" altLang="en-US" sz="900" b="1">
+                <a:solidFill>
+                  <a:srgbClr val="FFFF00"/>
+                </a:solidFill>
+              </a:rPr>
+              <a:t>①</a:t>
+            </a:r>
+            <a:r>
+              <a:rPr lang="en-US" altLang="ja-JP" sz="900" b="1" dirty="0">
+                <a:solidFill>
+                  <a:srgbClr val="FFFF00"/>
+                </a:solidFill>
+              </a:rPr>
+              <a:t> </a:t>
+            </a:r>
+            <a:r>
+              <a:rPr lang="ja-JP" altLang="en-US" sz="900" b="1">
+                <a:solidFill>
+                  <a:srgbClr val="FFFF00"/>
+                </a:solidFill>
+              </a:rPr>
+              <a:t>④</a:t>
+            </a:r>
+            <a:r>
+              <a:rPr lang="en-US" altLang="ja-JP" sz="900" b="1" dirty="0">
+                <a:solidFill>
+                  <a:srgbClr val="FFFF00"/>
+                </a:solidFill>
+              </a:rPr>
+              <a:t> </a:t>
+            </a:r>
+            <a:r>
+              <a:rPr lang="en-US" altLang="ja-JP" sz="900" b="1" dirty="0"/>
+              <a:t>+ LGB</a:t>
+            </a:r>
+            <a:r>
+              <a:rPr lang="ja-JP" altLang="en-US" sz="900" b="1"/>
+              <a:t>（</a:t>
+            </a:r>
+            <a:r>
+              <a:rPr lang="en-US" altLang="ja-JP" sz="900" b="1" dirty="0">
+                <a:solidFill>
+                  <a:srgbClr val="FFFF00"/>
+                </a:solidFill>
+              </a:rPr>
+              <a:t>wmlogloss</a:t>
+            </a:r>
+            <a:r>
+              <a:rPr lang="en-US" altLang="ja-JP" sz="900" b="1" dirty="0"/>
+              <a:t>)</a:t>
+            </a:r>
+            <a:endParaRPr kumimoji="1" lang="ja-JP" altLang="en-US" sz="900" b="1"/>
+          </a:p>
+        </p:txBody>
+      </p:sp>
+      <p:sp>
+        <p:nvSpPr>
+          <p:cNvPr id="35" name="テキスト ボックス 34">
+            <a:extLst>
+              <a:ext uri="{FF2B5EF4-FFF2-40B4-BE49-F238E27FC236}">
+                <a16:creationId xmlns:a16="http://schemas.microsoft.com/office/drawing/2014/main" id="{6E14D618-7A23-ED42-A25D-42A716DAE6D6}"/>
+              </a:ext>
+            </a:extLst>
+          </p:cNvPr>
+          <p:cNvSpPr txBox="1"/>
+          <p:nvPr/>
+        </p:nvSpPr>
+        <p:spPr>
+          <a:xfrm>
+            <a:off x="3195989" y="2972352"/>
+            <a:ext cx="1513242" cy="230832"/>
+          </a:xfrm>
+          <a:prstGeom prst="rect">
+            <a:avLst/>
+          </a:prstGeom>
+          <a:noFill/>
+          <a:ln>
+            <a:solidFill>
+              <a:schemeClr val="tx1"/>
+            </a:solidFill>
+          </a:ln>
+        </p:spPr>
+        <p:txBody>
+          <a:bodyPr wrap="square" rtlCol="0">
+            <a:spAutoFit/>
+          </a:bodyPr>
+          <a:lstStyle/>
+          <a:p>
+            <a:r>
+              <a:rPr lang="ja-JP" altLang="en-US" sz="900" b="1">
+                <a:solidFill>
+                  <a:srgbClr val="FFFF00"/>
+                </a:solidFill>
+              </a:rPr>
+              <a:t>①</a:t>
+            </a:r>
+            <a:r>
+              <a:rPr lang="en-US" altLang="ja-JP" sz="900" b="1" dirty="0">
+                <a:solidFill>
+                  <a:srgbClr val="FFFF00"/>
+                </a:solidFill>
+              </a:rPr>
+              <a:t> </a:t>
+            </a:r>
+            <a:r>
+              <a:rPr lang="ja-JP" altLang="en-US" sz="900" b="1">
+                <a:solidFill>
+                  <a:srgbClr val="FFFF00"/>
+                </a:solidFill>
+              </a:rPr>
+              <a:t>④</a:t>
+            </a:r>
+            <a:r>
+              <a:rPr lang="en-US" altLang="ja-JP" sz="900" b="1" dirty="0">
+                <a:solidFill>
+                  <a:srgbClr val="FFFF00"/>
+                </a:solidFill>
+              </a:rPr>
+              <a:t> </a:t>
+            </a:r>
+            <a:r>
+              <a:rPr lang="en-US" altLang="ja-JP" sz="900" b="1" dirty="0"/>
+              <a:t>+ LGB</a:t>
+            </a:r>
+            <a:r>
+              <a:rPr lang="ja-JP" altLang="en-US" sz="900" b="1"/>
+              <a:t>（</a:t>
+            </a:r>
+            <a:r>
+              <a:rPr lang="en-US" altLang="ja-JP" sz="900" b="1" dirty="0">
+                <a:solidFill>
+                  <a:srgbClr val="00B0F0"/>
+                </a:solidFill>
+              </a:rPr>
+              <a:t>mlogloss</a:t>
+            </a:r>
+            <a:r>
+              <a:rPr lang="en-US" altLang="ja-JP" sz="900" b="1" dirty="0"/>
+              <a:t>)</a:t>
+            </a:r>
+            <a:endParaRPr kumimoji="1" lang="ja-JP" altLang="en-US" sz="900" b="1"/>
+          </a:p>
+        </p:txBody>
+      </p:sp>
+      <p:pic>
+        <p:nvPicPr>
+          <p:cNvPr id="36" name="図 35">
+            <a:extLst>
+              <a:ext uri="{FF2B5EF4-FFF2-40B4-BE49-F238E27FC236}">
+                <a16:creationId xmlns:a16="http://schemas.microsoft.com/office/drawing/2014/main" id="{4570DEA6-378F-0244-859C-A003B0776D8F}"/>
+              </a:ext>
+            </a:extLst>
+          </p:cNvPr>
+          <p:cNvPicPr>
+            <a:picLocks noChangeAspect="1"/>
+          </p:cNvPicPr>
+          <p:nvPr/>
+        </p:nvPicPr>
+        <p:blipFill>
+          <a:blip r:embed="rId6"/>
+          <a:stretch>
+            <a:fillRect/>
+          </a:stretch>
+        </p:blipFill>
+        <p:spPr>
+          <a:xfrm>
+            <a:off x="2640366" y="2368161"/>
+            <a:ext cx="490795" cy="490795"/>
+          </a:xfrm>
+          <a:prstGeom prst="rect">
+            <a:avLst/>
+          </a:prstGeom>
+        </p:spPr>
+      </p:pic>
+      <p:pic>
+        <p:nvPicPr>
+          <p:cNvPr id="40" name="図 39">
+            <a:extLst>
+              <a:ext uri="{FF2B5EF4-FFF2-40B4-BE49-F238E27FC236}">
+                <a16:creationId xmlns:a16="http://schemas.microsoft.com/office/drawing/2014/main" id="{A18508B5-CC83-3F46-8399-65EF4E21DDA3}"/>
+              </a:ext>
+            </a:extLst>
+          </p:cNvPr>
+          <p:cNvPicPr>
+            <a:picLocks noChangeAspect="1"/>
+          </p:cNvPicPr>
+          <p:nvPr/>
+        </p:nvPicPr>
+        <p:blipFill>
+          <a:blip r:embed="rId7"/>
+          <a:stretch>
+            <a:fillRect/>
+          </a:stretch>
+        </p:blipFill>
+        <p:spPr>
+          <a:xfrm>
+            <a:off x="2652906" y="4583700"/>
+            <a:ext cx="490795" cy="490795"/>
+          </a:xfrm>
+          <a:prstGeom prst="rect">
+            <a:avLst/>
+          </a:prstGeom>
+        </p:spPr>
+      </p:pic>
+      <p:sp>
+        <p:nvSpPr>
+          <p:cNvPr id="41" name="テキスト ボックス 40">
+            <a:extLst>
+              <a:ext uri="{FF2B5EF4-FFF2-40B4-BE49-F238E27FC236}">
+                <a16:creationId xmlns:a16="http://schemas.microsoft.com/office/drawing/2014/main" id="{5EF20A95-A8CD-F649-A7D0-CD63E988F28A}"/>
+              </a:ext>
+            </a:extLst>
+          </p:cNvPr>
+          <p:cNvSpPr txBox="1"/>
+          <p:nvPr/>
+        </p:nvSpPr>
+        <p:spPr>
+          <a:xfrm>
+            <a:off x="3195989" y="3286853"/>
+            <a:ext cx="1513242" cy="230832"/>
+          </a:xfrm>
+          <a:prstGeom prst="rect">
+            <a:avLst/>
+          </a:prstGeom>
+          <a:noFill/>
+          <a:ln>
+            <a:solidFill>
+              <a:schemeClr val="tx1"/>
+            </a:solidFill>
+          </a:ln>
+        </p:spPr>
+        <p:txBody>
+          <a:bodyPr wrap="square" rtlCol="0">
+            <a:spAutoFit/>
+          </a:bodyPr>
+          <a:lstStyle/>
+          <a:p>
+            <a:r>
+              <a:rPr lang="ja-JP" altLang="en-US" sz="900" b="1">
+                <a:solidFill>
+                  <a:srgbClr val="FFFF00"/>
+                </a:solidFill>
+              </a:rPr>
+              <a:t>①</a:t>
+            </a:r>
+            <a:r>
+              <a:rPr lang="en-US" altLang="ja-JP" sz="900" b="1" dirty="0">
+                <a:solidFill>
+                  <a:srgbClr val="FFFF00"/>
+                </a:solidFill>
+              </a:rPr>
+              <a:t> </a:t>
+            </a:r>
+            <a:r>
+              <a:rPr lang="ja-JP" altLang="en-US" sz="900" b="1">
+                <a:solidFill>
+                  <a:srgbClr val="FFFF00"/>
+                </a:solidFill>
+              </a:rPr>
+              <a:t>④</a:t>
+            </a:r>
+            <a:r>
+              <a:rPr lang="en-US" altLang="ja-JP" sz="900" b="1" dirty="0">
+                <a:solidFill>
+                  <a:srgbClr val="FFFF00"/>
+                </a:solidFill>
+              </a:rPr>
+              <a:t> </a:t>
+            </a:r>
+            <a:r>
+              <a:rPr lang="en-US" altLang="ja-JP" sz="900" b="1" dirty="0"/>
+              <a:t>+ NN</a:t>
+            </a:r>
+            <a:r>
+              <a:rPr lang="ja-JP" altLang="en-US" sz="900" b="1"/>
+              <a:t>（</a:t>
+            </a:r>
+            <a:r>
+              <a:rPr lang="en-US" altLang="ja-JP" sz="900" b="1" dirty="0">
+                <a:solidFill>
+                  <a:srgbClr val="FFFF00"/>
+                </a:solidFill>
+              </a:rPr>
+              <a:t>wmlogloss</a:t>
+            </a:r>
+            <a:r>
+              <a:rPr lang="en-US" altLang="ja-JP" sz="900" b="1" dirty="0"/>
+              <a:t>)</a:t>
+            </a:r>
+            <a:endParaRPr kumimoji="1" lang="ja-JP" altLang="en-US" sz="900" b="1"/>
+          </a:p>
+        </p:txBody>
+      </p:sp>
+      <p:sp>
+        <p:nvSpPr>
+          <p:cNvPr id="42" name="テキスト ボックス 41">
+            <a:extLst>
+              <a:ext uri="{FF2B5EF4-FFF2-40B4-BE49-F238E27FC236}">
+                <a16:creationId xmlns:a16="http://schemas.microsoft.com/office/drawing/2014/main" id="{0A00B817-56E5-4248-86CA-EF2BCFF1DAC7}"/>
+              </a:ext>
+            </a:extLst>
+          </p:cNvPr>
+          <p:cNvSpPr txBox="1"/>
+          <p:nvPr/>
+        </p:nvSpPr>
+        <p:spPr>
+          <a:xfrm>
+            <a:off x="3195989" y="3613097"/>
+            <a:ext cx="1513242" cy="230832"/>
+          </a:xfrm>
+          <a:prstGeom prst="rect">
+            <a:avLst/>
+          </a:prstGeom>
+          <a:noFill/>
+          <a:ln>
+            <a:solidFill>
+              <a:schemeClr val="tx1"/>
+            </a:solidFill>
+          </a:ln>
+        </p:spPr>
+        <p:txBody>
+          <a:bodyPr wrap="square" rtlCol="0">
+            <a:spAutoFit/>
+          </a:bodyPr>
+          <a:lstStyle/>
+          <a:p>
+            <a:r>
+              <a:rPr lang="ja-JP" altLang="en-US" sz="900" b="1">
+                <a:solidFill>
+                  <a:srgbClr val="FFFF00"/>
+                </a:solidFill>
+              </a:rPr>
+              <a:t>①</a:t>
+            </a:r>
+            <a:r>
+              <a:rPr lang="en-US" altLang="ja-JP" sz="900" b="1" dirty="0">
+                <a:solidFill>
+                  <a:srgbClr val="FFFF00"/>
+                </a:solidFill>
+              </a:rPr>
+              <a:t> </a:t>
+            </a:r>
+            <a:r>
+              <a:rPr lang="ja-JP" altLang="en-US" sz="900" b="1">
+                <a:solidFill>
+                  <a:srgbClr val="FFFF00"/>
+                </a:solidFill>
+              </a:rPr>
+              <a:t>④</a:t>
+            </a:r>
+            <a:r>
+              <a:rPr lang="en-US" altLang="ja-JP" sz="900" b="1" dirty="0">
+                <a:solidFill>
+                  <a:srgbClr val="FFFF00"/>
+                </a:solidFill>
+              </a:rPr>
+              <a:t> </a:t>
+            </a:r>
+            <a:r>
+              <a:rPr lang="en-US" altLang="ja-JP" sz="900" b="1" dirty="0"/>
+              <a:t>+ NN</a:t>
+            </a:r>
+            <a:r>
+              <a:rPr lang="ja-JP" altLang="en-US" sz="900" b="1"/>
+              <a:t>（</a:t>
+            </a:r>
+            <a:r>
+              <a:rPr lang="en-US" altLang="ja-JP" sz="900" b="1" dirty="0">
+                <a:solidFill>
+                  <a:srgbClr val="00B0F0"/>
+                </a:solidFill>
+              </a:rPr>
+              <a:t>mlogloss</a:t>
+            </a:r>
+            <a:r>
+              <a:rPr lang="en-US" altLang="ja-JP" sz="900" b="1" dirty="0"/>
+              <a:t>)</a:t>
+            </a:r>
+            <a:endParaRPr kumimoji="1" lang="ja-JP" altLang="en-US" sz="900" b="1"/>
+          </a:p>
+        </p:txBody>
+      </p:sp>
+      <p:sp>
+        <p:nvSpPr>
+          <p:cNvPr id="43" name="角丸四角形 42">
+            <a:extLst>
+              <a:ext uri="{FF2B5EF4-FFF2-40B4-BE49-F238E27FC236}">
+                <a16:creationId xmlns:a16="http://schemas.microsoft.com/office/drawing/2014/main" id="{B188D420-F9A2-C648-8ED0-4BB9FFE6189C}"/>
+              </a:ext>
+            </a:extLst>
+          </p:cNvPr>
+          <p:cNvSpPr/>
+          <p:nvPr/>
+        </p:nvSpPr>
+        <p:spPr>
+          <a:xfrm>
+            <a:off x="2879015" y="4773999"/>
+            <a:ext cx="2367144" cy="1969701"/>
+          </a:xfrm>
+          <a:prstGeom prst="roundRect">
+            <a:avLst/>
+          </a:prstGeom>
+          <a:noFill/>
+          <a:ln w="22225">
+            <a:solidFill>
+              <a:schemeClr val="tx1"/>
+            </a:solidFill>
+            <a:prstDash val="sysDot"/>
+          </a:ln>
+        </p:spPr>
+        <p:style>
+          <a:lnRef idx="2">
+            <a:schemeClr val="accent1">
+              <a:shade val="50000"/>
+            </a:schemeClr>
+          </a:lnRef>
+          <a:fillRef idx="1">
+            <a:schemeClr val="accent1"/>
+          </a:fillRef>
+          <a:effectRef idx="0">
+            <a:schemeClr val="accent1"/>
+          </a:effectRef>
+          <a:fontRef idx="minor">
+            <a:schemeClr val="lt1"/>
+          </a:fontRef>
+        </p:style>
+        <p:txBody>
+          <a:bodyPr rtlCol="0" anchor="ctr"/>
+          <a:lstStyle/>
+          <a:p>
+            <a:pPr algn="ctr"/>
+            <a:endParaRPr kumimoji="1" lang="ja-JP" altLang="en-US"/>
+          </a:p>
+        </p:txBody>
+      </p:sp>
+      <p:sp>
+        <p:nvSpPr>
+          <p:cNvPr id="44" name="テキスト ボックス 43">
+            <a:extLst>
+              <a:ext uri="{FF2B5EF4-FFF2-40B4-BE49-F238E27FC236}">
+                <a16:creationId xmlns:a16="http://schemas.microsoft.com/office/drawing/2014/main" id="{929D722B-02D5-E348-B3CF-54B1D6F9401B}"/>
+              </a:ext>
+            </a:extLst>
+          </p:cNvPr>
+          <p:cNvSpPr txBox="1"/>
+          <p:nvPr/>
+        </p:nvSpPr>
+        <p:spPr>
+          <a:xfrm>
+            <a:off x="3195989" y="4899409"/>
+            <a:ext cx="1513242" cy="230832"/>
+          </a:xfrm>
+          <a:prstGeom prst="rect">
+            <a:avLst/>
+          </a:prstGeom>
+          <a:noFill/>
+          <a:ln>
+            <a:solidFill>
+              <a:schemeClr val="tx1"/>
+            </a:solidFill>
+            <a:round/>
+          </a:ln>
+        </p:spPr>
+        <p:txBody>
+          <a:bodyPr wrap="square" rtlCol="0">
+            <a:spAutoFit/>
+          </a:bodyPr>
+          <a:lstStyle/>
+          <a:p>
+            <a:r>
+              <a:rPr lang="ja-JP" altLang="en-US" sz="900" b="1">
+                <a:solidFill>
+                  <a:srgbClr val="FFFF00"/>
+                </a:solidFill>
+              </a:rPr>
+              <a:t>①</a:t>
+            </a:r>
+            <a:r>
+              <a:rPr lang="en-US" altLang="ja-JP" sz="900" b="1" dirty="0">
+                <a:solidFill>
+                  <a:srgbClr val="FFFF00"/>
+                </a:solidFill>
+              </a:rPr>
+              <a:t> </a:t>
+            </a:r>
+            <a:r>
+              <a:rPr lang="ja-JP" altLang="en-US" sz="900" b="1">
+                <a:solidFill>
+                  <a:srgbClr val="FFFF00"/>
+                </a:solidFill>
+              </a:rPr>
+              <a:t>⑤</a:t>
+            </a:r>
+            <a:r>
+              <a:rPr lang="en-US" altLang="ja-JP" sz="900" b="1" dirty="0">
+                <a:solidFill>
+                  <a:srgbClr val="FFFF00"/>
+                </a:solidFill>
+              </a:rPr>
+              <a:t> </a:t>
+            </a:r>
+            <a:r>
+              <a:rPr lang="en-US" altLang="ja-JP" sz="900" b="1" dirty="0"/>
+              <a:t>+ LGB</a:t>
+            </a:r>
+            <a:r>
+              <a:rPr lang="ja-JP" altLang="en-US" sz="900" b="1"/>
+              <a:t>（</a:t>
+            </a:r>
+            <a:r>
+              <a:rPr lang="en-US" altLang="ja-JP" sz="900" b="1" dirty="0">
+                <a:solidFill>
+                  <a:srgbClr val="FFFF00"/>
+                </a:solidFill>
+              </a:rPr>
+              <a:t>wmlogloss</a:t>
+            </a:r>
+            <a:r>
+              <a:rPr lang="en-US" altLang="ja-JP" sz="900" b="1" dirty="0"/>
+              <a:t>)</a:t>
+            </a:r>
+            <a:endParaRPr kumimoji="1" lang="ja-JP" altLang="en-US" sz="900" b="1"/>
+          </a:p>
+        </p:txBody>
+      </p:sp>
+      <p:sp>
+        <p:nvSpPr>
+          <p:cNvPr id="45" name="テキスト ボックス 44">
+            <a:extLst>
+              <a:ext uri="{FF2B5EF4-FFF2-40B4-BE49-F238E27FC236}">
+                <a16:creationId xmlns:a16="http://schemas.microsoft.com/office/drawing/2014/main" id="{76D8B0DC-AA99-A54D-8AB6-9D6AB6E323E4}"/>
+              </a:ext>
+            </a:extLst>
+          </p:cNvPr>
+          <p:cNvSpPr txBox="1"/>
+          <p:nvPr/>
+        </p:nvSpPr>
+        <p:spPr>
+          <a:xfrm>
+            <a:off x="3195989" y="5213910"/>
+            <a:ext cx="1513242" cy="230832"/>
+          </a:xfrm>
+          <a:prstGeom prst="rect">
+            <a:avLst/>
+          </a:prstGeom>
+          <a:noFill/>
+          <a:ln>
+            <a:solidFill>
+              <a:schemeClr val="tx1"/>
+            </a:solidFill>
+          </a:ln>
+        </p:spPr>
+        <p:txBody>
+          <a:bodyPr wrap="square" rtlCol="0">
+            <a:spAutoFit/>
+          </a:bodyPr>
+          <a:lstStyle/>
+          <a:p>
+            <a:r>
+              <a:rPr lang="ja-JP" altLang="en-US" sz="900" b="1">
+                <a:solidFill>
+                  <a:srgbClr val="FFFF00"/>
+                </a:solidFill>
+              </a:rPr>
+              <a:t>①</a:t>
+            </a:r>
+            <a:r>
+              <a:rPr lang="en-US" altLang="ja-JP" sz="900" b="1" dirty="0">
+                <a:solidFill>
+                  <a:srgbClr val="FFFF00"/>
+                </a:solidFill>
+              </a:rPr>
+              <a:t> </a:t>
+            </a:r>
+            <a:r>
+              <a:rPr lang="ja-JP" altLang="en-US" sz="900" b="1">
+                <a:solidFill>
+                  <a:srgbClr val="FFFF00"/>
+                </a:solidFill>
+              </a:rPr>
+              <a:t>⑤</a:t>
+            </a:r>
+            <a:r>
+              <a:rPr lang="en-US" altLang="ja-JP" sz="900" b="1" dirty="0">
+                <a:solidFill>
+                  <a:srgbClr val="FFFF00"/>
+                </a:solidFill>
+              </a:rPr>
+              <a:t> </a:t>
+            </a:r>
+            <a:r>
+              <a:rPr lang="en-US" altLang="ja-JP" sz="900" b="1" dirty="0"/>
+              <a:t>+ LGB</a:t>
+            </a:r>
+            <a:r>
+              <a:rPr lang="ja-JP" altLang="en-US" sz="900" b="1"/>
+              <a:t>（</a:t>
+            </a:r>
+            <a:r>
+              <a:rPr lang="en-US" altLang="ja-JP" sz="900" b="1" dirty="0">
+                <a:solidFill>
+                  <a:srgbClr val="00B0F0"/>
+                </a:solidFill>
+              </a:rPr>
+              <a:t>mlogloss</a:t>
+            </a:r>
+            <a:r>
+              <a:rPr lang="en-US" altLang="ja-JP" sz="900" b="1" dirty="0"/>
+              <a:t>)</a:t>
+            </a:r>
+            <a:endParaRPr kumimoji="1" lang="ja-JP" altLang="en-US" sz="900" b="1"/>
+          </a:p>
+        </p:txBody>
+      </p:sp>
+      <p:sp>
+        <p:nvSpPr>
+          <p:cNvPr id="46" name="テキスト ボックス 45">
+            <a:extLst>
+              <a:ext uri="{FF2B5EF4-FFF2-40B4-BE49-F238E27FC236}">
+                <a16:creationId xmlns:a16="http://schemas.microsoft.com/office/drawing/2014/main" id="{D7683FFA-7FA9-C048-AA72-9E5DC9018BF3}"/>
+              </a:ext>
+            </a:extLst>
+          </p:cNvPr>
+          <p:cNvSpPr txBox="1"/>
+          <p:nvPr/>
+        </p:nvSpPr>
+        <p:spPr>
+          <a:xfrm>
+            <a:off x="3195989" y="5528411"/>
+            <a:ext cx="1513242" cy="230832"/>
+          </a:xfrm>
+          <a:prstGeom prst="rect">
+            <a:avLst/>
+          </a:prstGeom>
+          <a:noFill/>
+          <a:ln>
+            <a:solidFill>
+              <a:schemeClr val="tx1"/>
+            </a:solidFill>
+          </a:ln>
+        </p:spPr>
+        <p:txBody>
+          <a:bodyPr wrap="square" rtlCol="0">
+            <a:spAutoFit/>
+          </a:bodyPr>
+          <a:lstStyle/>
+          <a:p>
+            <a:r>
+              <a:rPr lang="ja-JP" altLang="en-US" sz="900" b="1">
+                <a:solidFill>
+                  <a:srgbClr val="FFFF00"/>
+                </a:solidFill>
+              </a:rPr>
+              <a:t>①</a:t>
+            </a:r>
+            <a:r>
+              <a:rPr lang="en-US" altLang="ja-JP" sz="900" b="1" dirty="0">
+                <a:solidFill>
+                  <a:srgbClr val="FFFF00"/>
+                </a:solidFill>
+              </a:rPr>
+              <a:t> </a:t>
+            </a:r>
+            <a:r>
+              <a:rPr lang="ja-JP" altLang="en-US" sz="900" b="1">
+                <a:solidFill>
+                  <a:srgbClr val="FFFF00"/>
+                </a:solidFill>
+              </a:rPr>
+              <a:t>⑤</a:t>
+            </a:r>
+            <a:r>
+              <a:rPr lang="en-US" altLang="ja-JP" sz="900" b="1" dirty="0">
+                <a:solidFill>
+                  <a:srgbClr val="FFFF00"/>
+                </a:solidFill>
+              </a:rPr>
+              <a:t> </a:t>
+            </a:r>
+            <a:r>
+              <a:rPr lang="en-US" altLang="ja-JP" sz="900" b="1" dirty="0"/>
+              <a:t>+ NN</a:t>
+            </a:r>
+            <a:r>
+              <a:rPr lang="ja-JP" altLang="en-US" sz="900" b="1"/>
+              <a:t>（</a:t>
+            </a:r>
+            <a:r>
+              <a:rPr lang="en-US" altLang="ja-JP" sz="900" b="1" dirty="0">
+                <a:solidFill>
+                  <a:srgbClr val="FFFF00"/>
+                </a:solidFill>
+              </a:rPr>
+              <a:t>wmlogloss</a:t>
+            </a:r>
+            <a:r>
+              <a:rPr lang="en-US" altLang="ja-JP" sz="900" b="1" dirty="0"/>
+              <a:t>)</a:t>
+            </a:r>
+            <a:endParaRPr kumimoji="1" lang="ja-JP" altLang="en-US" sz="900" b="1"/>
+          </a:p>
+        </p:txBody>
+      </p:sp>
+      <p:sp>
+        <p:nvSpPr>
+          <p:cNvPr id="47" name="テキスト ボックス 46">
+            <a:extLst>
+              <a:ext uri="{FF2B5EF4-FFF2-40B4-BE49-F238E27FC236}">
+                <a16:creationId xmlns:a16="http://schemas.microsoft.com/office/drawing/2014/main" id="{C0ABC2E1-E022-5449-9354-78C1F4A66126}"/>
+              </a:ext>
+            </a:extLst>
+          </p:cNvPr>
+          <p:cNvSpPr txBox="1"/>
+          <p:nvPr/>
+        </p:nvSpPr>
+        <p:spPr>
+          <a:xfrm>
+            <a:off x="3195989" y="5854655"/>
+            <a:ext cx="1513242" cy="230832"/>
+          </a:xfrm>
+          <a:prstGeom prst="rect">
+            <a:avLst/>
+          </a:prstGeom>
+          <a:noFill/>
+          <a:ln>
+            <a:solidFill>
+              <a:schemeClr val="tx1"/>
+            </a:solidFill>
+          </a:ln>
+        </p:spPr>
+        <p:txBody>
+          <a:bodyPr wrap="square" rtlCol="0">
+            <a:spAutoFit/>
+          </a:bodyPr>
+          <a:lstStyle/>
+          <a:p>
+            <a:r>
+              <a:rPr lang="ja-JP" altLang="en-US" sz="900" b="1">
+                <a:solidFill>
+                  <a:srgbClr val="FFFF00"/>
+                </a:solidFill>
+              </a:rPr>
+              <a:t>①</a:t>
+            </a:r>
+            <a:r>
+              <a:rPr lang="en-US" altLang="ja-JP" sz="900" b="1" dirty="0">
+                <a:solidFill>
+                  <a:srgbClr val="FFFF00"/>
+                </a:solidFill>
+              </a:rPr>
+              <a:t> </a:t>
+            </a:r>
+            <a:r>
+              <a:rPr lang="ja-JP" altLang="en-US" sz="900" b="1">
+                <a:solidFill>
+                  <a:srgbClr val="FFFF00"/>
+                </a:solidFill>
+              </a:rPr>
+              <a:t>⑤</a:t>
+            </a:r>
+            <a:r>
+              <a:rPr lang="en-US" altLang="ja-JP" sz="900" b="1" dirty="0">
+                <a:solidFill>
+                  <a:srgbClr val="FFFF00"/>
+                </a:solidFill>
+              </a:rPr>
+              <a:t> </a:t>
+            </a:r>
+            <a:r>
+              <a:rPr lang="en-US" altLang="ja-JP" sz="900" b="1" dirty="0"/>
+              <a:t>+ NN</a:t>
+            </a:r>
+            <a:r>
+              <a:rPr lang="ja-JP" altLang="en-US" sz="900" b="1"/>
+              <a:t>（</a:t>
+            </a:r>
+            <a:r>
+              <a:rPr lang="en-US" altLang="ja-JP" sz="900" b="1" dirty="0">
+                <a:solidFill>
+                  <a:srgbClr val="00B0F0"/>
+                </a:solidFill>
+              </a:rPr>
+              <a:t>mlogloss</a:t>
+            </a:r>
+            <a:r>
+              <a:rPr lang="en-US" altLang="ja-JP" sz="900" b="1" dirty="0"/>
+              <a:t>)</a:t>
+            </a:r>
+            <a:endParaRPr kumimoji="1" lang="ja-JP" altLang="en-US" sz="900" b="1"/>
+          </a:p>
+        </p:txBody>
+      </p:sp>
+      <p:sp>
+        <p:nvSpPr>
+          <p:cNvPr id="48" name="角丸四角形 47">
+            <a:extLst>
+              <a:ext uri="{FF2B5EF4-FFF2-40B4-BE49-F238E27FC236}">
+                <a16:creationId xmlns:a16="http://schemas.microsoft.com/office/drawing/2014/main" id="{B9D7EDDC-AB75-574C-B17C-B9491BBC8F00}"/>
+              </a:ext>
+            </a:extLst>
+          </p:cNvPr>
+          <p:cNvSpPr/>
+          <p:nvPr/>
+        </p:nvSpPr>
+        <p:spPr>
+          <a:xfrm>
+            <a:off x="2879015" y="1294133"/>
+            <a:ext cx="2367144" cy="948397"/>
+          </a:xfrm>
+          <a:prstGeom prst="roundRect">
+            <a:avLst/>
+          </a:prstGeom>
+          <a:noFill/>
+          <a:ln w="22225">
+            <a:solidFill>
+              <a:schemeClr val="tx1"/>
+            </a:solidFill>
+            <a:prstDash val="sysDot"/>
+          </a:ln>
+        </p:spPr>
+        <p:style>
+          <a:lnRef idx="2">
+            <a:schemeClr val="accent1">
+              <a:shade val="50000"/>
+            </a:schemeClr>
+          </a:lnRef>
+          <a:fillRef idx="1">
+            <a:schemeClr val="accent1"/>
+          </a:fillRef>
+          <a:effectRef idx="0">
+            <a:schemeClr val="accent1"/>
+          </a:effectRef>
+          <a:fontRef idx="minor">
+            <a:schemeClr val="lt1"/>
+          </a:fontRef>
+        </p:style>
+        <p:txBody>
+          <a:bodyPr rtlCol="0" anchor="ctr"/>
+          <a:lstStyle/>
+          <a:p>
+            <a:pPr algn="ctr"/>
+            <a:endParaRPr kumimoji="1" lang="ja-JP" altLang="en-US"/>
+          </a:p>
+        </p:txBody>
+      </p:sp>
+      <p:sp>
+        <p:nvSpPr>
+          <p:cNvPr id="49" name="テキスト ボックス 48">
+            <a:extLst>
+              <a:ext uri="{FF2B5EF4-FFF2-40B4-BE49-F238E27FC236}">
+                <a16:creationId xmlns:a16="http://schemas.microsoft.com/office/drawing/2014/main" id="{52841485-0D4F-F442-8ACE-31D6627A0540}"/>
+              </a:ext>
+            </a:extLst>
+          </p:cNvPr>
+          <p:cNvSpPr txBox="1"/>
+          <p:nvPr/>
+        </p:nvSpPr>
+        <p:spPr>
+          <a:xfrm>
+            <a:off x="3195989" y="1413762"/>
+            <a:ext cx="1513242" cy="230832"/>
+          </a:xfrm>
+          <a:prstGeom prst="rect">
+            <a:avLst/>
+          </a:prstGeom>
+          <a:noFill/>
+          <a:ln>
+            <a:solidFill>
+              <a:schemeClr val="tx1"/>
+            </a:solidFill>
+            <a:round/>
+          </a:ln>
+        </p:spPr>
+        <p:txBody>
+          <a:bodyPr wrap="square" rtlCol="0">
+            <a:spAutoFit/>
+          </a:bodyPr>
+          <a:lstStyle/>
+          <a:p>
+            <a:r>
+              <a:rPr lang="ja-JP" altLang="en-US" sz="900" b="1">
+                <a:solidFill>
+                  <a:srgbClr val="FFFF00"/>
+                </a:solidFill>
+              </a:rPr>
+              <a:t>①</a:t>
+            </a:r>
+            <a:r>
+              <a:rPr lang="en-US" altLang="ja-JP" sz="900" b="1" dirty="0">
+                <a:solidFill>
+                  <a:srgbClr val="FFFF00"/>
+                </a:solidFill>
+              </a:rPr>
+              <a:t> </a:t>
+            </a:r>
+            <a:r>
+              <a:rPr lang="ja-JP" altLang="en-US" sz="900" b="1">
+                <a:solidFill>
+                  <a:srgbClr val="FFFF00"/>
+                </a:solidFill>
+              </a:rPr>
+              <a:t>③</a:t>
+            </a:r>
+            <a:r>
+              <a:rPr lang="en-US" altLang="ja-JP" sz="900" b="1" dirty="0">
+                <a:solidFill>
+                  <a:srgbClr val="FFFF00"/>
+                </a:solidFill>
+              </a:rPr>
+              <a:t> </a:t>
+            </a:r>
+            <a:r>
+              <a:rPr lang="en-US" altLang="ja-JP" sz="900" b="1" dirty="0"/>
+              <a:t>+ LGB</a:t>
+            </a:r>
+            <a:r>
+              <a:rPr lang="ja-JP" altLang="en-US" sz="900" b="1"/>
+              <a:t>（</a:t>
+            </a:r>
+            <a:r>
+              <a:rPr lang="en-US" altLang="ja-JP" sz="900" b="1" dirty="0">
+                <a:solidFill>
+                  <a:srgbClr val="FFFF00"/>
+                </a:solidFill>
+              </a:rPr>
+              <a:t>wmlogloss</a:t>
+            </a:r>
+            <a:r>
+              <a:rPr lang="en-US" altLang="ja-JP" sz="900" b="1" dirty="0"/>
+              <a:t>)</a:t>
+            </a:r>
+            <a:endParaRPr kumimoji="1" lang="ja-JP" altLang="en-US" sz="900" b="1"/>
+          </a:p>
+        </p:txBody>
+      </p:sp>
+      <p:sp>
+        <p:nvSpPr>
+          <p:cNvPr id="50" name="テキスト ボックス 49">
+            <a:extLst>
+              <a:ext uri="{FF2B5EF4-FFF2-40B4-BE49-F238E27FC236}">
+                <a16:creationId xmlns:a16="http://schemas.microsoft.com/office/drawing/2014/main" id="{A30937D9-D5A9-944F-A0C2-BD4E19FFAC03}"/>
+              </a:ext>
+            </a:extLst>
+          </p:cNvPr>
+          <p:cNvSpPr txBox="1"/>
+          <p:nvPr/>
+        </p:nvSpPr>
+        <p:spPr>
+          <a:xfrm>
+            <a:off x="3195989" y="1812760"/>
+            <a:ext cx="1513242" cy="230832"/>
+          </a:xfrm>
+          <a:prstGeom prst="rect">
+            <a:avLst/>
+          </a:prstGeom>
+          <a:noFill/>
+          <a:ln>
+            <a:solidFill>
+              <a:schemeClr val="tx1"/>
+            </a:solidFill>
+          </a:ln>
+        </p:spPr>
+        <p:txBody>
+          <a:bodyPr wrap="square" rtlCol="0">
+            <a:spAutoFit/>
+          </a:bodyPr>
+          <a:lstStyle/>
+          <a:p>
+            <a:r>
+              <a:rPr lang="ja-JP" altLang="en-US" sz="900" b="1">
+                <a:solidFill>
+                  <a:srgbClr val="FFFF00"/>
+                </a:solidFill>
+              </a:rPr>
+              <a:t>①</a:t>
+            </a:r>
+            <a:r>
+              <a:rPr lang="en-US" altLang="ja-JP" sz="900" b="1" dirty="0">
+                <a:solidFill>
+                  <a:srgbClr val="FFFF00"/>
+                </a:solidFill>
+              </a:rPr>
+              <a:t> </a:t>
+            </a:r>
+            <a:r>
+              <a:rPr lang="ja-JP" altLang="en-US" sz="900" b="1">
+                <a:solidFill>
+                  <a:srgbClr val="FFFF00"/>
+                </a:solidFill>
+              </a:rPr>
+              <a:t>③</a:t>
+            </a:r>
+            <a:r>
+              <a:rPr lang="en-US" altLang="ja-JP" sz="900" b="1" dirty="0">
+                <a:solidFill>
+                  <a:srgbClr val="FFFF00"/>
+                </a:solidFill>
+              </a:rPr>
+              <a:t> </a:t>
+            </a:r>
+            <a:r>
+              <a:rPr lang="en-US" altLang="ja-JP" sz="900" b="1" dirty="0"/>
+              <a:t>+ LGB</a:t>
+            </a:r>
+            <a:r>
+              <a:rPr lang="ja-JP" altLang="en-US" sz="900" b="1"/>
+              <a:t>（</a:t>
+            </a:r>
+            <a:r>
+              <a:rPr lang="en-US" altLang="ja-JP" sz="900" b="1" dirty="0">
+                <a:solidFill>
+                  <a:srgbClr val="00B0F0"/>
+                </a:solidFill>
+              </a:rPr>
+              <a:t>mlogloss</a:t>
+            </a:r>
+            <a:r>
+              <a:rPr lang="en-US" altLang="ja-JP" sz="900" b="1" dirty="0"/>
+              <a:t>)</a:t>
+            </a:r>
+            <a:endParaRPr kumimoji="1" lang="ja-JP" altLang="en-US" sz="900" b="1"/>
+          </a:p>
+        </p:txBody>
+      </p:sp>
+      <p:sp>
+        <p:nvSpPr>
+          <p:cNvPr id="53" name="角丸四角形 52">
+            <a:extLst>
+              <a:ext uri="{FF2B5EF4-FFF2-40B4-BE49-F238E27FC236}">
+                <a16:creationId xmlns:a16="http://schemas.microsoft.com/office/drawing/2014/main" id="{1A0A63B6-AA15-6A45-BB11-0E9A1BD8608A}"/>
+              </a:ext>
+            </a:extLst>
+          </p:cNvPr>
+          <p:cNvSpPr/>
+          <p:nvPr/>
+        </p:nvSpPr>
+        <p:spPr>
+          <a:xfrm>
+            <a:off x="2879015" y="179684"/>
+            <a:ext cx="2367144" cy="849683"/>
+          </a:xfrm>
+          <a:prstGeom prst="roundRect">
+            <a:avLst/>
+          </a:prstGeom>
+          <a:noFill/>
+          <a:ln w="22225">
+            <a:solidFill>
+              <a:schemeClr val="tx1"/>
+            </a:solidFill>
+            <a:prstDash val="sysDot"/>
+          </a:ln>
+        </p:spPr>
+        <p:style>
+          <a:lnRef idx="2">
+            <a:schemeClr val="accent1">
+              <a:shade val="50000"/>
+            </a:schemeClr>
+          </a:lnRef>
+          <a:fillRef idx="1">
+            <a:schemeClr val="accent1"/>
+          </a:fillRef>
+          <a:effectRef idx="0">
+            <a:schemeClr val="accent1"/>
+          </a:effectRef>
+          <a:fontRef idx="minor">
+            <a:schemeClr val="lt1"/>
+          </a:fontRef>
+        </p:style>
+        <p:txBody>
+          <a:bodyPr rtlCol="0" anchor="ctr"/>
+          <a:lstStyle/>
+          <a:p>
+            <a:pPr algn="ctr"/>
+            <a:endParaRPr kumimoji="1" lang="ja-JP" altLang="en-US"/>
+          </a:p>
+        </p:txBody>
+      </p:sp>
+      <p:sp>
+        <p:nvSpPr>
+          <p:cNvPr id="54" name="テキスト ボックス 53">
+            <a:extLst>
+              <a:ext uri="{FF2B5EF4-FFF2-40B4-BE49-F238E27FC236}">
+                <a16:creationId xmlns:a16="http://schemas.microsoft.com/office/drawing/2014/main" id="{087C30F6-B626-BB46-899C-2FD749016440}"/>
+              </a:ext>
+            </a:extLst>
+          </p:cNvPr>
+          <p:cNvSpPr txBox="1"/>
+          <p:nvPr/>
+        </p:nvSpPr>
+        <p:spPr>
+          <a:xfrm>
+            <a:off x="3195989" y="283897"/>
+            <a:ext cx="1513242" cy="230832"/>
+          </a:xfrm>
+          <a:prstGeom prst="rect">
+            <a:avLst/>
+          </a:prstGeom>
+          <a:noFill/>
+          <a:ln>
+            <a:solidFill>
+              <a:schemeClr val="tx1"/>
+            </a:solidFill>
+            <a:round/>
+          </a:ln>
+        </p:spPr>
+        <p:txBody>
+          <a:bodyPr wrap="square" rtlCol="0">
+            <a:spAutoFit/>
+          </a:bodyPr>
+          <a:lstStyle/>
+          <a:p>
+            <a:r>
+              <a:rPr lang="ja-JP" altLang="en-US" sz="900" b="1">
+                <a:solidFill>
+                  <a:srgbClr val="FFFF00"/>
+                </a:solidFill>
+              </a:rPr>
+              <a:t>①</a:t>
+            </a:r>
+            <a:r>
+              <a:rPr lang="en-US" altLang="ja-JP" sz="900" b="1" dirty="0">
+                <a:solidFill>
+                  <a:srgbClr val="FFFF00"/>
+                </a:solidFill>
+              </a:rPr>
+              <a:t> </a:t>
+            </a:r>
+            <a:r>
+              <a:rPr lang="ja-JP" altLang="en-US" sz="900" b="1">
+                <a:solidFill>
+                  <a:srgbClr val="FFFF00"/>
+                </a:solidFill>
+              </a:rPr>
+              <a:t>②</a:t>
+            </a:r>
+            <a:r>
+              <a:rPr lang="en-US" altLang="ja-JP" sz="900" b="1" dirty="0">
+                <a:solidFill>
+                  <a:srgbClr val="FFFF00"/>
+                </a:solidFill>
+              </a:rPr>
+              <a:t> </a:t>
+            </a:r>
+            <a:r>
+              <a:rPr lang="en-US" altLang="ja-JP" sz="900" b="1" dirty="0"/>
+              <a:t>+ LGB</a:t>
+            </a:r>
+            <a:r>
+              <a:rPr lang="ja-JP" altLang="en-US" sz="900" b="1"/>
+              <a:t>（</a:t>
+            </a:r>
+            <a:r>
+              <a:rPr lang="en-US" altLang="ja-JP" sz="900" b="1" dirty="0">
+                <a:solidFill>
+                  <a:srgbClr val="FFFF00"/>
+                </a:solidFill>
+              </a:rPr>
+              <a:t>wmlogloss</a:t>
+            </a:r>
+            <a:r>
+              <a:rPr lang="en-US" altLang="ja-JP" sz="900" b="1" dirty="0"/>
+              <a:t>)</a:t>
+            </a:r>
+            <a:endParaRPr kumimoji="1" lang="ja-JP" altLang="en-US" sz="900" b="1"/>
+          </a:p>
+        </p:txBody>
+      </p:sp>
+      <p:sp>
+        <p:nvSpPr>
+          <p:cNvPr id="55" name="テキスト ボックス 54">
+            <a:extLst>
+              <a:ext uri="{FF2B5EF4-FFF2-40B4-BE49-F238E27FC236}">
+                <a16:creationId xmlns:a16="http://schemas.microsoft.com/office/drawing/2014/main" id="{EF4CCF28-5608-E042-B858-A496738A59DF}"/>
+              </a:ext>
+            </a:extLst>
+          </p:cNvPr>
+          <p:cNvSpPr txBox="1"/>
+          <p:nvPr/>
+        </p:nvSpPr>
+        <p:spPr>
+          <a:xfrm>
+            <a:off x="3195989" y="646476"/>
+            <a:ext cx="1513242" cy="230832"/>
+          </a:xfrm>
+          <a:prstGeom prst="rect">
+            <a:avLst/>
+          </a:prstGeom>
+          <a:noFill/>
+          <a:ln>
+            <a:solidFill>
+              <a:schemeClr val="tx1"/>
+            </a:solidFill>
+          </a:ln>
+        </p:spPr>
+        <p:txBody>
+          <a:bodyPr wrap="square" rtlCol="0">
+            <a:spAutoFit/>
+          </a:bodyPr>
+          <a:lstStyle/>
+          <a:p>
+            <a:r>
+              <a:rPr lang="ja-JP" altLang="en-US" sz="900" b="1">
+                <a:solidFill>
+                  <a:srgbClr val="FFFF00"/>
+                </a:solidFill>
+              </a:rPr>
+              <a:t>①</a:t>
+            </a:r>
+            <a:r>
+              <a:rPr lang="en-US" altLang="ja-JP" sz="900" b="1" dirty="0">
+                <a:solidFill>
+                  <a:srgbClr val="FFFF00"/>
+                </a:solidFill>
+              </a:rPr>
+              <a:t> </a:t>
+            </a:r>
+            <a:r>
+              <a:rPr lang="ja-JP" altLang="en-US" sz="900" b="1">
+                <a:solidFill>
+                  <a:srgbClr val="FFFF00"/>
+                </a:solidFill>
+              </a:rPr>
+              <a:t>②</a:t>
+            </a:r>
+            <a:r>
+              <a:rPr lang="en-US" altLang="ja-JP" sz="900" b="1" dirty="0">
+                <a:solidFill>
+                  <a:srgbClr val="FFFF00"/>
+                </a:solidFill>
+              </a:rPr>
+              <a:t> </a:t>
+            </a:r>
+            <a:r>
+              <a:rPr lang="en-US" altLang="ja-JP" sz="900" b="1" dirty="0"/>
+              <a:t>+ LGB</a:t>
+            </a:r>
+            <a:r>
+              <a:rPr lang="ja-JP" altLang="en-US" sz="900" b="1"/>
+              <a:t>（</a:t>
+            </a:r>
+            <a:r>
+              <a:rPr lang="en-US" altLang="ja-JP" sz="900" b="1" dirty="0">
+                <a:solidFill>
+                  <a:srgbClr val="00B0F0"/>
+                </a:solidFill>
+              </a:rPr>
+              <a:t>mlogloss</a:t>
+            </a:r>
+            <a:r>
+              <a:rPr lang="en-US" altLang="ja-JP" sz="900" b="1" dirty="0"/>
+              <a:t>)</a:t>
+            </a:r>
+            <a:endParaRPr kumimoji="1" lang="ja-JP" altLang="en-US" sz="900" b="1"/>
+          </a:p>
+        </p:txBody>
+      </p:sp>
+      <p:sp>
+        <p:nvSpPr>
+          <p:cNvPr id="56" name="テキスト ボックス 55">
+            <a:extLst>
+              <a:ext uri="{FF2B5EF4-FFF2-40B4-BE49-F238E27FC236}">
+                <a16:creationId xmlns:a16="http://schemas.microsoft.com/office/drawing/2014/main" id="{E39FF524-597B-1549-BD0F-370BAD779412}"/>
+              </a:ext>
+            </a:extLst>
+          </p:cNvPr>
+          <p:cNvSpPr txBox="1"/>
+          <p:nvPr/>
+        </p:nvSpPr>
+        <p:spPr>
+          <a:xfrm>
+            <a:off x="3195989" y="6180899"/>
+            <a:ext cx="1513242" cy="230832"/>
+          </a:xfrm>
+          <a:prstGeom prst="rect">
+            <a:avLst/>
+          </a:prstGeom>
+          <a:noFill/>
+          <a:ln>
+            <a:solidFill>
+              <a:schemeClr val="tx1"/>
+            </a:solidFill>
+          </a:ln>
+        </p:spPr>
+        <p:txBody>
+          <a:bodyPr wrap="square" rtlCol="0">
+            <a:spAutoFit/>
+          </a:bodyPr>
+          <a:lstStyle/>
+          <a:p>
+            <a:r>
+              <a:rPr lang="ja-JP" altLang="en-US" sz="900" b="1">
+                <a:solidFill>
+                  <a:srgbClr val="FFFF00"/>
+                </a:solidFill>
+              </a:rPr>
+              <a:t>①</a:t>
+            </a:r>
+            <a:r>
+              <a:rPr lang="en-US" altLang="ja-JP" sz="900" b="1" dirty="0">
+                <a:solidFill>
+                  <a:srgbClr val="FFFF00"/>
+                </a:solidFill>
+              </a:rPr>
+              <a:t> </a:t>
+            </a:r>
+            <a:r>
+              <a:rPr lang="ja-JP" altLang="en-US" sz="900" b="1">
+                <a:solidFill>
+                  <a:srgbClr val="FFFF00"/>
+                </a:solidFill>
+              </a:rPr>
+              <a:t>②</a:t>
+            </a:r>
+            <a:r>
+              <a:rPr lang="en-US" altLang="ja-JP" sz="900" b="1" dirty="0">
+                <a:solidFill>
+                  <a:srgbClr val="FFFF00"/>
+                </a:solidFill>
+              </a:rPr>
+              <a:t> </a:t>
+            </a:r>
+            <a:r>
+              <a:rPr lang="en-US" altLang="ja-JP" sz="900" b="1" dirty="0"/>
+              <a:t>+ NN</a:t>
+            </a:r>
+            <a:r>
+              <a:rPr lang="ja-JP" altLang="en-US" sz="900" b="1"/>
+              <a:t>（</a:t>
+            </a:r>
+            <a:r>
+              <a:rPr lang="en-US" altLang="ja-JP" sz="900" b="1" dirty="0">
+                <a:solidFill>
+                  <a:srgbClr val="FFFF00"/>
+                </a:solidFill>
+              </a:rPr>
+              <a:t>wmlogloss</a:t>
+            </a:r>
+            <a:r>
+              <a:rPr lang="en-US" altLang="ja-JP" sz="900" b="1" dirty="0"/>
+              <a:t>)</a:t>
+            </a:r>
+            <a:endParaRPr kumimoji="1" lang="ja-JP" altLang="en-US" sz="900" b="1"/>
+          </a:p>
+        </p:txBody>
+      </p:sp>
+      <p:sp>
+        <p:nvSpPr>
+          <p:cNvPr id="57" name="テキスト ボックス 56">
+            <a:extLst>
+              <a:ext uri="{FF2B5EF4-FFF2-40B4-BE49-F238E27FC236}">
+                <a16:creationId xmlns:a16="http://schemas.microsoft.com/office/drawing/2014/main" id="{E58B886D-799A-3148-8AA5-C1841638F333}"/>
+              </a:ext>
+            </a:extLst>
+          </p:cNvPr>
+          <p:cNvSpPr txBox="1"/>
+          <p:nvPr/>
+        </p:nvSpPr>
+        <p:spPr>
+          <a:xfrm>
+            <a:off x="3195989" y="6457136"/>
+            <a:ext cx="1513242" cy="230832"/>
+          </a:xfrm>
+          <a:prstGeom prst="rect">
+            <a:avLst/>
+          </a:prstGeom>
+          <a:noFill/>
+          <a:ln>
+            <a:solidFill>
+              <a:schemeClr val="tx1"/>
+            </a:solidFill>
+          </a:ln>
+        </p:spPr>
+        <p:txBody>
+          <a:bodyPr wrap="square" rtlCol="0">
+            <a:spAutoFit/>
+          </a:bodyPr>
+          <a:lstStyle/>
+          <a:p>
+            <a:r>
+              <a:rPr lang="ja-JP" altLang="en-US" sz="900" b="1">
+                <a:solidFill>
+                  <a:srgbClr val="FFFF00"/>
+                </a:solidFill>
+              </a:rPr>
+              <a:t>①</a:t>
+            </a:r>
+            <a:r>
+              <a:rPr lang="en-US" altLang="ja-JP" sz="900" b="1" dirty="0">
+                <a:solidFill>
+                  <a:srgbClr val="FFFF00"/>
+                </a:solidFill>
+              </a:rPr>
+              <a:t> </a:t>
+            </a:r>
+            <a:r>
+              <a:rPr lang="ja-JP" altLang="en-US" sz="900" b="1">
+                <a:solidFill>
+                  <a:srgbClr val="FFFF00"/>
+                </a:solidFill>
+              </a:rPr>
+              <a:t>②</a:t>
+            </a:r>
+            <a:r>
+              <a:rPr lang="en-US" altLang="ja-JP" sz="900" b="1" dirty="0">
+                <a:solidFill>
+                  <a:srgbClr val="FFFF00"/>
+                </a:solidFill>
+              </a:rPr>
+              <a:t> </a:t>
+            </a:r>
+            <a:r>
+              <a:rPr lang="en-US" altLang="ja-JP" sz="900" b="1" dirty="0"/>
+              <a:t>+ NN</a:t>
+            </a:r>
+            <a:r>
+              <a:rPr lang="ja-JP" altLang="en-US" sz="900" b="1"/>
+              <a:t>（</a:t>
+            </a:r>
+            <a:r>
+              <a:rPr lang="en-US" altLang="ja-JP" sz="900" b="1" dirty="0">
+                <a:solidFill>
+                  <a:srgbClr val="00B0F0"/>
+                </a:solidFill>
+              </a:rPr>
+              <a:t>mlogloss</a:t>
+            </a:r>
+            <a:r>
+              <a:rPr lang="en-US" altLang="ja-JP" sz="900" b="1" dirty="0"/>
+              <a:t>)</a:t>
+            </a:r>
+            <a:endParaRPr kumimoji="1" lang="ja-JP" altLang="en-US" sz="900" b="1"/>
+          </a:p>
+        </p:txBody>
+      </p:sp>
+      <p:pic>
+        <p:nvPicPr>
+          <p:cNvPr id="29" name="図 28">
+            <a:extLst>
+              <a:ext uri="{FF2B5EF4-FFF2-40B4-BE49-F238E27FC236}">
+                <a16:creationId xmlns:a16="http://schemas.microsoft.com/office/drawing/2014/main" id="{942FE2D3-D41D-0C4A-A942-0E987F45C1EE}"/>
+              </a:ext>
+            </a:extLst>
+          </p:cNvPr>
+          <p:cNvPicPr>
+            <a:picLocks noChangeAspect="1"/>
+          </p:cNvPicPr>
+          <p:nvPr/>
+        </p:nvPicPr>
+        <p:blipFill>
+          <a:blip r:embed="rId5"/>
+          <a:stretch>
+            <a:fillRect/>
+          </a:stretch>
+        </p:blipFill>
+        <p:spPr>
+          <a:xfrm>
+            <a:off x="2640185" y="1099636"/>
+            <a:ext cx="488949" cy="488949"/>
+          </a:xfrm>
+          <a:prstGeom prst="rect">
+            <a:avLst/>
+          </a:prstGeom>
+        </p:spPr>
+      </p:pic>
+      <p:pic>
+        <p:nvPicPr>
+          <p:cNvPr id="25" name="図 24">
+            <a:extLst>
+              <a:ext uri="{FF2B5EF4-FFF2-40B4-BE49-F238E27FC236}">
+                <a16:creationId xmlns:a16="http://schemas.microsoft.com/office/drawing/2014/main" id="{A7ADACBD-666E-284A-9EF6-141B02F9DB19}"/>
+              </a:ext>
+            </a:extLst>
+          </p:cNvPr>
+          <p:cNvPicPr>
+            <a:picLocks noChangeAspect="1"/>
+          </p:cNvPicPr>
+          <p:nvPr/>
+        </p:nvPicPr>
+        <p:blipFill>
+          <a:blip r:embed="rId4"/>
+          <a:stretch>
+            <a:fillRect/>
+          </a:stretch>
+        </p:blipFill>
+        <p:spPr>
+          <a:xfrm>
+            <a:off x="2634541" y="38318"/>
+            <a:ext cx="491158" cy="491158"/>
+          </a:xfrm>
+          <a:prstGeom prst="rect">
+            <a:avLst/>
+          </a:prstGeom>
+        </p:spPr>
+      </p:pic>
+      <p:sp>
+        <p:nvSpPr>
+          <p:cNvPr id="61" name="テキスト ボックス 60">
+            <a:extLst>
+              <a:ext uri="{FF2B5EF4-FFF2-40B4-BE49-F238E27FC236}">
+                <a16:creationId xmlns:a16="http://schemas.microsoft.com/office/drawing/2014/main" id="{00F71D8B-47F7-EA47-916E-F23CDF6F0DDC}"/>
+              </a:ext>
+            </a:extLst>
+          </p:cNvPr>
+          <p:cNvSpPr txBox="1"/>
+          <p:nvPr/>
+        </p:nvSpPr>
+        <p:spPr>
+          <a:xfrm>
+            <a:off x="3195989" y="3889334"/>
+            <a:ext cx="1513242" cy="230832"/>
+          </a:xfrm>
+          <a:prstGeom prst="rect">
+            <a:avLst/>
+          </a:prstGeom>
+          <a:noFill/>
+          <a:ln>
+            <a:solidFill>
+              <a:schemeClr val="tx1"/>
+            </a:solidFill>
+            <a:round/>
+          </a:ln>
+        </p:spPr>
+        <p:txBody>
+          <a:bodyPr wrap="square" rtlCol="0">
+            <a:spAutoFit/>
+          </a:bodyPr>
+          <a:lstStyle/>
+          <a:p>
+            <a:r>
+              <a:rPr lang="ja-JP" altLang="en-US" sz="900" b="1">
+                <a:solidFill>
+                  <a:srgbClr val="FFFF00"/>
+                </a:solidFill>
+              </a:rPr>
+              <a:t>①</a:t>
+            </a:r>
+            <a:r>
+              <a:rPr lang="en-US" altLang="ja-JP" sz="900" b="1" dirty="0">
+                <a:solidFill>
+                  <a:srgbClr val="FFFF00"/>
+                </a:solidFill>
+              </a:rPr>
+              <a:t> </a:t>
+            </a:r>
+            <a:r>
+              <a:rPr lang="ja-JP" altLang="en-US" sz="900" b="1">
+                <a:solidFill>
+                  <a:srgbClr val="FFFF00"/>
+                </a:solidFill>
+              </a:rPr>
+              <a:t>③</a:t>
+            </a:r>
+            <a:r>
+              <a:rPr lang="en-US" altLang="ja-JP" sz="900" b="1" dirty="0">
+                <a:solidFill>
+                  <a:srgbClr val="FFFF00"/>
+                </a:solidFill>
+              </a:rPr>
+              <a:t> </a:t>
+            </a:r>
+            <a:r>
+              <a:rPr lang="en-US" altLang="ja-JP" sz="900" b="1" dirty="0"/>
+              <a:t>+ NN</a:t>
+            </a:r>
+            <a:r>
+              <a:rPr lang="ja-JP" altLang="en-US" sz="900" b="1"/>
+              <a:t>（</a:t>
+            </a:r>
+            <a:r>
+              <a:rPr lang="en-US" altLang="ja-JP" sz="900" b="1" dirty="0">
+                <a:solidFill>
+                  <a:srgbClr val="FFFF00"/>
+                </a:solidFill>
+              </a:rPr>
+              <a:t>wmlogloss</a:t>
+            </a:r>
+            <a:r>
+              <a:rPr lang="en-US" altLang="ja-JP" sz="900" b="1" dirty="0"/>
+              <a:t>)</a:t>
+            </a:r>
+            <a:endParaRPr kumimoji="1" lang="ja-JP" altLang="en-US" sz="900" b="1"/>
+          </a:p>
+        </p:txBody>
+      </p:sp>
+      <p:sp>
+        <p:nvSpPr>
+          <p:cNvPr id="62" name="テキスト ボックス 61">
+            <a:extLst>
+              <a:ext uri="{FF2B5EF4-FFF2-40B4-BE49-F238E27FC236}">
+                <a16:creationId xmlns:a16="http://schemas.microsoft.com/office/drawing/2014/main" id="{9F489973-A950-5742-AC2B-A8EF24AF4695}"/>
+              </a:ext>
+            </a:extLst>
+          </p:cNvPr>
+          <p:cNvSpPr txBox="1"/>
+          <p:nvPr/>
+        </p:nvSpPr>
+        <p:spPr>
+          <a:xfrm>
+            <a:off x="3195989" y="4190610"/>
+            <a:ext cx="1513242" cy="230832"/>
+          </a:xfrm>
+          <a:prstGeom prst="rect">
+            <a:avLst/>
+          </a:prstGeom>
+          <a:noFill/>
+          <a:ln>
+            <a:solidFill>
+              <a:schemeClr val="tx1"/>
+            </a:solidFill>
+          </a:ln>
+        </p:spPr>
+        <p:txBody>
+          <a:bodyPr wrap="square" rtlCol="0">
+            <a:spAutoFit/>
+          </a:bodyPr>
+          <a:lstStyle/>
+          <a:p>
+            <a:r>
+              <a:rPr lang="ja-JP" altLang="en-US" sz="900" b="1">
+                <a:solidFill>
+                  <a:srgbClr val="FFFF00"/>
+                </a:solidFill>
+              </a:rPr>
+              <a:t>①</a:t>
+            </a:r>
+            <a:r>
+              <a:rPr lang="en-US" altLang="ja-JP" sz="900" b="1" dirty="0">
+                <a:solidFill>
+                  <a:srgbClr val="FFFF00"/>
+                </a:solidFill>
+              </a:rPr>
+              <a:t> </a:t>
+            </a:r>
+            <a:r>
+              <a:rPr lang="ja-JP" altLang="en-US" sz="900" b="1">
+                <a:solidFill>
+                  <a:srgbClr val="FFFF00"/>
+                </a:solidFill>
+              </a:rPr>
+              <a:t>③</a:t>
+            </a:r>
+            <a:r>
+              <a:rPr lang="en-US" altLang="ja-JP" sz="900" b="1" dirty="0">
+                <a:solidFill>
+                  <a:srgbClr val="FFFF00"/>
+                </a:solidFill>
+              </a:rPr>
+              <a:t> </a:t>
+            </a:r>
+            <a:r>
+              <a:rPr lang="en-US" altLang="ja-JP" sz="900" b="1" dirty="0"/>
+              <a:t>+ NN</a:t>
+            </a:r>
+            <a:r>
+              <a:rPr lang="ja-JP" altLang="en-US" sz="900" b="1"/>
+              <a:t>（</a:t>
+            </a:r>
+            <a:r>
+              <a:rPr lang="en-US" altLang="ja-JP" sz="900" b="1" dirty="0">
+                <a:solidFill>
+                  <a:srgbClr val="00B0F0"/>
+                </a:solidFill>
+              </a:rPr>
+              <a:t>mlogloss</a:t>
+            </a:r>
+            <a:r>
+              <a:rPr lang="en-US" altLang="ja-JP" sz="900" b="1" dirty="0"/>
+              <a:t>)</a:t>
+            </a:r>
+            <a:endParaRPr kumimoji="1" lang="ja-JP" altLang="en-US" sz="900" b="1"/>
+          </a:p>
+        </p:txBody>
+      </p:sp>
+      <p:pic>
+        <p:nvPicPr>
+          <p:cNvPr id="64" name="図 63">
+            <a:extLst>
+              <a:ext uri="{FF2B5EF4-FFF2-40B4-BE49-F238E27FC236}">
+                <a16:creationId xmlns:a16="http://schemas.microsoft.com/office/drawing/2014/main" id="{CCC0EE8F-60A5-2E47-A74F-64210B41D397}"/>
+              </a:ext>
+            </a:extLst>
+          </p:cNvPr>
+          <p:cNvPicPr>
+            <a:picLocks noChangeAspect="1"/>
+          </p:cNvPicPr>
+          <p:nvPr/>
+        </p:nvPicPr>
+        <p:blipFill>
+          <a:blip r:embed="rId8"/>
+          <a:stretch>
+            <a:fillRect/>
+          </a:stretch>
+        </p:blipFill>
+        <p:spPr>
+          <a:xfrm>
+            <a:off x="6162401" y="5808834"/>
+            <a:ext cx="776694" cy="776694"/>
+          </a:xfrm>
+          <a:prstGeom prst="rect">
+            <a:avLst/>
+          </a:prstGeom>
+        </p:spPr>
+      </p:pic>
+      <p:pic>
+        <p:nvPicPr>
+          <p:cNvPr id="78" name="図 77">
+            <a:extLst>
+              <a:ext uri="{FF2B5EF4-FFF2-40B4-BE49-F238E27FC236}">
+                <a16:creationId xmlns:a16="http://schemas.microsoft.com/office/drawing/2014/main" id="{98DA3A20-B808-5040-B746-1DA6EAD42B3B}"/>
+              </a:ext>
+            </a:extLst>
+          </p:cNvPr>
+          <p:cNvPicPr>
+            <a:picLocks noChangeAspect="1"/>
+          </p:cNvPicPr>
+          <p:nvPr/>
+        </p:nvPicPr>
+        <p:blipFill>
+          <a:blip r:embed="rId9"/>
+          <a:stretch>
+            <a:fillRect/>
+          </a:stretch>
+        </p:blipFill>
+        <p:spPr>
+          <a:xfrm>
+            <a:off x="6187555" y="2312422"/>
+            <a:ext cx="751540" cy="751540"/>
+          </a:xfrm>
+          <a:prstGeom prst="rect">
+            <a:avLst/>
+          </a:prstGeom>
+        </p:spPr>
+      </p:pic>
+      <p:sp>
+        <p:nvSpPr>
+          <p:cNvPr id="154" name="角丸四角形 153">
+            <a:extLst>
+              <a:ext uri="{FF2B5EF4-FFF2-40B4-BE49-F238E27FC236}">
+                <a16:creationId xmlns:a16="http://schemas.microsoft.com/office/drawing/2014/main" id="{EC3E4D72-2555-1F46-801A-29130F76A783}"/>
+              </a:ext>
+            </a:extLst>
+          </p:cNvPr>
+          <p:cNvSpPr/>
+          <p:nvPr/>
+        </p:nvSpPr>
+        <p:spPr>
+          <a:xfrm>
+            <a:off x="5563133" y="283502"/>
+            <a:ext cx="2000385" cy="2895875"/>
+          </a:xfrm>
+          <a:prstGeom prst="roundRect">
+            <a:avLst/>
+          </a:prstGeom>
+          <a:noFill/>
+          <a:ln>
+            <a:solidFill>
+              <a:srgbClr val="FFFF00"/>
+            </a:solidFill>
+          </a:ln>
+        </p:spPr>
+        <p:style>
+          <a:lnRef idx="3">
+            <a:schemeClr val="lt1"/>
+          </a:lnRef>
+          <a:fillRef idx="1">
+            <a:schemeClr val="accent4"/>
+          </a:fillRef>
+          <a:effectRef idx="1">
+            <a:schemeClr val="accent4"/>
+          </a:effectRef>
+          <a:fontRef idx="minor">
+            <a:schemeClr val="lt1"/>
+          </a:fontRef>
+        </p:style>
+        <p:txBody>
+          <a:bodyPr rtlCol="0" anchor="ctr"/>
+          <a:lstStyle/>
+          <a:p>
+            <a:pPr algn="ctr"/>
+            <a:endParaRPr kumimoji="1" lang="ja-JP" altLang="en-US"/>
+          </a:p>
+        </p:txBody>
+      </p:sp>
+      <p:sp>
+        <p:nvSpPr>
+          <p:cNvPr id="155" name="テキスト ボックス 154">
+            <a:extLst>
+              <a:ext uri="{FF2B5EF4-FFF2-40B4-BE49-F238E27FC236}">
+                <a16:creationId xmlns:a16="http://schemas.microsoft.com/office/drawing/2014/main" id="{26AEDF4C-B7F6-2B45-8364-E77BD0721594}"/>
+              </a:ext>
+            </a:extLst>
+          </p:cNvPr>
+          <p:cNvSpPr txBox="1"/>
+          <p:nvPr/>
+        </p:nvSpPr>
+        <p:spPr>
+          <a:xfrm>
+            <a:off x="5782502" y="467713"/>
+            <a:ext cx="1561646" cy="307777"/>
+          </a:xfrm>
+          <a:prstGeom prst="rect">
+            <a:avLst/>
+          </a:prstGeom>
+          <a:noFill/>
+        </p:spPr>
+        <p:txBody>
+          <a:bodyPr wrap="none" rtlCol="0">
+            <a:spAutoFit/>
+          </a:bodyPr>
+          <a:lstStyle/>
+          <a:p>
+            <a:r>
+              <a:rPr lang="en-US" altLang="ja-JP" sz="1400" dirty="0">
+                <a:solidFill>
+                  <a:srgbClr val="FFFF00"/>
+                </a:solidFill>
+              </a:rPr>
+              <a:t>wmlogloss blender</a:t>
+            </a:r>
+            <a:endParaRPr kumimoji="1" lang="ja-JP" altLang="en-US" sz="1400">
+              <a:solidFill>
+                <a:srgbClr val="FFFF00"/>
+              </a:solidFill>
+            </a:endParaRPr>
+          </a:p>
+        </p:txBody>
+      </p:sp>
+      <p:sp>
+        <p:nvSpPr>
+          <p:cNvPr id="156" name="角丸四角形 155">
+            <a:extLst>
+              <a:ext uri="{FF2B5EF4-FFF2-40B4-BE49-F238E27FC236}">
+                <a16:creationId xmlns:a16="http://schemas.microsoft.com/office/drawing/2014/main" id="{D5CDBB9D-33C2-9D45-A3DD-4C0FAB9E7719}"/>
+              </a:ext>
+            </a:extLst>
+          </p:cNvPr>
+          <p:cNvSpPr/>
+          <p:nvPr/>
+        </p:nvSpPr>
+        <p:spPr>
+          <a:xfrm>
+            <a:off x="5563134" y="3865528"/>
+            <a:ext cx="2000384" cy="2798634"/>
+          </a:xfrm>
+          <a:prstGeom prst="roundRect">
+            <a:avLst/>
+          </a:prstGeom>
+          <a:noFill/>
+          <a:ln>
+            <a:solidFill>
+              <a:srgbClr val="00B0F0"/>
+            </a:solidFill>
+          </a:ln>
+        </p:spPr>
+        <p:style>
+          <a:lnRef idx="3">
+            <a:schemeClr val="lt1"/>
+          </a:lnRef>
+          <a:fillRef idx="1">
+            <a:schemeClr val="accent4"/>
+          </a:fillRef>
+          <a:effectRef idx="1">
+            <a:schemeClr val="accent4"/>
+          </a:effectRef>
+          <a:fontRef idx="minor">
+            <a:schemeClr val="lt1"/>
+          </a:fontRef>
+        </p:style>
+        <p:txBody>
+          <a:bodyPr rtlCol="0" anchor="ctr"/>
+          <a:lstStyle/>
+          <a:p>
+            <a:pPr algn="ctr"/>
+            <a:endParaRPr kumimoji="1" lang="ja-JP" altLang="en-US"/>
+          </a:p>
+        </p:txBody>
+      </p:sp>
+      <p:sp>
+        <p:nvSpPr>
+          <p:cNvPr id="157" name="テキスト ボックス 156">
+            <a:extLst>
+              <a:ext uri="{FF2B5EF4-FFF2-40B4-BE49-F238E27FC236}">
+                <a16:creationId xmlns:a16="http://schemas.microsoft.com/office/drawing/2014/main" id="{248529FA-8E44-8145-873C-F17BFB7E1E0D}"/>
+              </a:ext>
+            </a:extLst>
+          </p:cNvPr>
+          <p:cNvSpPr txBox="1"/>
+          <p:nvPr/>
+        </p:nvSpPr>
+        <p:spPr>
+          <a:xfrm>
+            <a:off x="5846622" y="3980944"/>
+            <a:ext cx="1433406" cy="307777"/>
+          </a:xfrm>
+          <a:prstGeom prst="rect">
+            <a:avLst/>
+          </a:prstGeom>
+          <a:noFill/>
+          <a:ln>
+            <a:noFill/>
+          </a:ln>
+        </p:spPr>
+        <p:txBody>
+          <a:bodyPr wrap="none" rtlCol="0">
+            <a:spAutoFit/>
+          </a:bodyPr>
+          <a:lstStyle/>
+          <a:p>
+            <a:r>
+              <a:rPr lang="en-US" altLang="ja-JP" sz="1400" dirty="0">
+                <a:solidFill>
+                  <a:srgbClr val="00B0F0"/>
+                </a:solidFill>
+              </a:rPr>
+              <a:t>mlogloss blender</a:t>
+            </a:r>
+            <a:endParaRPr kumimoji="1" lang="ja-JP" altLang="en-US" sz="1400">
+              <a:solidFill>
+                <a:srgbClr val="00B0F0"/>
+              </a:solidFill>
+            </a:endParaRPr>
+          </a:p>
+        </p:txBody>
+      </p:sp>
+      <p:sp>
+        <p:nvSpPr>
+          <p:cNvPr id="158" name="テキスト ボックス 157">
+            <a:extLst>
+              <a:ext uri="{FF2B5EF4-FFF2-40B4-BE49-F238E27FC236}">
+                <a16:creationId xmlns:a16="http://schemas.microsoft.com/office/drawing/2014/main" id="{765651CA-B38A-A64F-8B7C-9F14350FE589}"/>
+              </a:ext>
+            </a:extLst>
+          </p:cNvPr>
+          <p:cNvSpPr txBox="1"/>
+          <p:nvPr/>
+        </p:nvSpPr>
+        <p:spPr>
+          <a:xfrm>
+            <a:off x="5679121" y="992775"/>
+            <a:ext cx="742704" cy="738664"/>
+          </a:xfrm>
+          <a:prstGeom prst="rect">
+            <a:avLst/>
+          </a:prstGeom>
+          <a:noFill/>
+        </p:spPr>
+        <p:txBody>
+          <a:bodyPr wrap="none" rtlCol="0">
+            <a:spAutoFit/>
+          </a:bodyPr>
+          <a:lstStyle/>
+          <a:p>
+            <a:r>
+              <a:rPr kumimoji="1" lang="en-US" altLang="ja-JP" sz="1400" dirty="0">
+                <a:solidFill>
+                  <a:srgbClr val="FFFF00"/>
+                </a:solidFill>
+              </a:rPr>
+              <a:t>CV:</a:t>
+            </a:r>
+          </a:p>
+          <a:p>
+            <a:r>
+              <a:rPr lang="en-US" altLang="ja-JP" sz="1400" dirty="0">
+                <a:solidFill>
+                  <a:srgbClr val="FFFF00"/>
+                </a:solidFill>
+              </a:rPr>
+              <a:t>Public:</a:t>
+            </a:r>
+          </a:p>
+          <a:p>
+            <a:r>
+              <a:rPr kumimoji="1" lang="en-US" altLang="ja-JP" sz="1400" dirty="0">
+                <a:solidFill>
+                  <a:srgbClr val="FFFF00"/>
+                </a:solidFill>
+              </a:rPr>
+              <a:t>Private:</a:t>
+            </a:r>
+            <a:endParaRPr kumimoji="1" lang="ja-JP" altLang="en-US" sz="1400">
+              <a:solidFill>
+                <a:srgbClr val="FFFF00"/>
+              </a:solidFill>
+            </a:endParaRPr>
+          </a:p>
+        </p:txBody>
+      </p:sp>
+      <p:sp>
+        <p:nvSpPr>
+          <p:cNvPr id="159" name="テキスト ボックス 158">
+            <a:extLst>
+              <a:ext uri="{FF2B5EF4-FFF2-40B4-BE49-F238E27FC236}">
+                <a16:creationId xmlns:a16="http://schemas.microsoft.com/office/drawing/2014/main" id="{E0E01411-3AC4-AF43-86CA-CF3C9CB9F7C1}"/>
+              </a:ext>
+            </a:extLst>
+          </p:cNvPr>
+          <p:cNvSpPr txBox="1"/>
+          <p:nvPr/>
+        </p:nvSpPr>
+        <p:spPr>
+          <a:xfrm>
+            <a:off x="5717699" y="4415514"/>
+            <a:ext cx="742704" cy="738664"/>
+          </a:xfrm>
+          <a:prstGeom prst="rect">
+            <a:avLst/>
+          </a:prstGeom>
+          <a:noFill/>
+        </p:spPr>
+        <p:txBody>
+          <a:bodyPr wrap="none" rtlCol="0">
+            <a:spAutoFit/>
+          </a:bodyPr>
+          <a:lstStyle/>
+          <a:p>
+            <a:r>
+              <a:rPr kumimoji="1" lang="en-US" altLang="ja-JP" sz="1400" dirty="0">
+                <a:solidFill>
+                  <a:srgbClr val="00B0F0"/>
+                </a:solidFill>
+              </a:rPr>
+              <a:t>CV:</a:t>
+            </a:r>
+          </a:p>
+          <a:p>
+            <a:r>
+              <a:rPr lang="en-US" altLang="ja-JP" sz="1400" dirty="0">
+                <a:solidFill>
+                  <a:srgbClr val="00B0F0"/>
+                </a:solidFill>
+              </a:rPr>
+              <a:t>Public:</a:t>
+            </a:r>
+          </a:p>
+          <a:p>
+            <a:r>
+              <a:rPr kumimoji="1" lang="en-US" altLang="ja-JP" sz="1400" dirty="0">
+                <a:solidFill>
+                  <a:srgbClr val="00B0F0"/>
+                </a:solidFill>
+              </a:rPr>
+              <a:t>Private:</a:t>
+            </a:r>
+            <a:endParaRPr kumimoji="1" lang="ja-JP" altLang="en-US" sz="1400">
+              <a:solidFill>
+                <a:srgbClr val="00B0F0"/>
+              </a:solidFill>
+            </a:endParaRPr>
+          </a:p>
+        </p:txBody>
+      </p:sp>
+      <p:cxnSp>
+        <p:nvCxnSpPr>
+          <p:cNvPr id="161" name="カギ線コネクタ 160">
+            <a:extLst>
+              <a:ext uri="{FF2B5EF4-FFF2-40B4-BE49-F238E27FC236}">
+                <a16:creationId xmlns:a16="http://schemas.microsoft.com/office/drawing/2014/main" id="{F0DA3548-6508-0D4D-80BE-03E0FC4120F1}"/>
+              </a:ext>
+            </a:extLst>
+          </p:cNvPr>
+          <p:cNvCxnSpPr>
+            <a:cxnSpLocks/>
+            <a:stCxn id="154" idx="3"/>
+          </p:cNvCxnSpPr>
+          <p:nvPr/>
+        </p:nvCxnSpPr>
+        <p:spPr>
+          <a:xfrm>
+            <a:off x="7563518" y="1731440"/>
+            <a:ext cx="1951418" cy="1704703"/>
+          </a:xfrm>
+          <a:prstGeom prst="bentConnector3">
+            <a:avLst>
+              <a:gd name="adj1" fmla="val 43811"/>
+            </a:avLst>
+          </a:prstGeom>
+          <a:ln w="34925">
+            <a:solidFill>
+              <a:schemeClr val="tx1"/>
+            </a:solidFill>
+            <a:tailEnd type="triangle"/>
+          </a:ln>
+        </p:spPr>
+        <p:style>
+          <a:lnRef idx="1">
+            <a:schemeClr val="accent1"/>
+          </a:lnRef>
+          <a:fillRef idx="0">
+            <a:schemeClr val="accent1"/>
+          </a:fillRef>
+          <a:effectRef idx="0">
+            <a:schemeClr val="accent1"/>
+          </a:effectRef>
+          <a:fontRef idx="minor">
+            <a:schemeClr val="tx1"/>
+          </a:fontRef>
+        </p:style>
+      </p:cxnSp>
+      <p:cxnSp>
+        <p:nvCxnSpPr>
+          <p:cNvPr id="166" name="カギ線コネクタ 165">
+            <a:extLst>
+              <a:ext uri="{FF2B5EF4-FFF2-40B4-BE49-F238E27FC236}">
+                <a16:creationId xmlns:a16="http://schemas.microsoft.com/office/drawing/2014/main" id="{6E6DE9AB-38F8-FA4A-B6FE-E3B7B287F901}"/>
+              </a:ext>
+            </a:extLst>
+          </p:cNvPr>
+          <p:cNvCxnSpPr>
+            <a:cxnSpLocks/>
+            <a:stCxn id="156" idx="3"/>
+          </p:cNvCxnSpPr>
+          <p:nvPr/>
+        </p:nvCxnSpPr>
+        <p:spPr>
+          <a:xfrm flipV="1">
+            <a:off x="7563518" y="3436143"/>
+            <a:ext cx="1951418" cy="1828702"/>
+          </a:xfrm>
+          <a:prstGeom prst="bentConnector3">
+            <a:avLst>
+              <a:gd name="adj1" fmla="val 43811"/>
+            </a:avLst>
+          </a:prstGeom>
+          <a:ln w="34925">
+            <a:solidFill>
+              <a:schemeClr val="tx1"/>
+            </a:solidFill>
+            <a:tailEnd type="triangle"/>
+          </a:ln>
+        </p:spPr>
+        <p:style>
+          <a:lnRef idx="1">
+            <a:schemeClr val="accent1"/>
+          </a:lnRef>
+          <a:fillRef idx="0">
+            <a:schemeClr val="accent1"/>
+          </a:fillRef>
+          <a:effectRef idx="0">
+            <a:schemeClr val="accent1"/>
+          </a:effectRef>
+          <a:fontRef idx="minor">
+            <a:schemeClr val="tx1"/>
+          </a:fontRef>
+        </p:style>
+      </p:cxnSp>
+      <p:sp>
+        <p:nvSpPr>
+          <p:cNvPr id="177" name="角丸四角形 176">
+            <a:extLst>
+              <a:ext uri="{FF2B5EF4-FFF2-40B4-BE49-F238E27FC236}">
+                <a16:creationId xmlns:a16="http://schemas.microsoft.com/office/drawing/2014/main" id="{E68416A7-A378-C14B-BED8-D595FEFD6F62}"/>
+              </a:ext>
+            </a:extLst>
+          </p:cNvPr>
+          <p:cNvSpPr/>
+          <p:nvPr/>
+        </p:nvSpPr>
+        <p:spPr>
+          <a:xfrm>
+            <a:off x="9562836" y="2462048"/>
+            <a:ext cx="2012748" cy="1880442"/>
+          </a:xfrm>
+          <a:prstGeom prst="roundRect">
+            <a:avLst/>
+          </a:prstGeom>
+          <a:noFill/>
+          <a:ln w="41275">
+            <a:solidFill>
+              <a:srgbClr val="00B050"/>
+            </a:solidFill>
+          </a:ln>
+        </p:spPr>
+        <p:style>
+          <a:lnRef idx="2">
+            <a:schemeClr val="accent1">
+              <a:shade val="50000"/>
+            </a:schemeClr>
+          </a:lnRef>
+          <a:fillRef idx="1">
+            <a:schemeClr val="accent1"/>
+          </a:fillRef>
+          <a:effectRef idx="0">
+            <a:schemeClr val="accent1"/>
+          </a:effectRef>
+          <a:fontRef idx="minor">
+            <a:schemeClr val="lt1"/>
+          </a:fontRef>
+        </p:style>
+        <p:txBody>
+          <a:bodyPr rtlCol="0" anchor="ctr"/>
+          <a:lstStyle/>
+          <a:p>
+            <a:pPr algn="ctr"/>
+            <a:endParaRPr kumimoji="1" lang="ja-JP" altLang="en-US">
+              <a:solidFill>
+                <a:srgbClr val="92D050"/>
+              </a:solidFill>
+            </a:endParaRPr>
+          </a:p>
+        </p:txBody>
+      </p:sp>
+      <p:sp>
+        <p:nvSpPr>
+          <p:cNvPr id="178" name="テキスト ボックス 177">
+            <a:extLst>
+              <a:ext uri="{FF2B5EF4-FFF2-40B4-BE49-F238E27FC236}">
+                <a16:creationId xmlns:a16="http://schemas.microsoft.com/office/drawing/2014/main" id="{7EBB8916-E182-4F40-8F48-AE4D4585BC2C}"/>
+              </a:ext>
+            </a:extLst>
+          </p:cNvPr>
+          <p:cNvSpPr txBox="1"/>
+          <p:nvPr/>
+        </p:nvSpPr>
+        <p:spPr>
+          <a:xfrm>
+            <a:off x="9768007" y="3069136"/>
+            <a:ext cx="742704" cy="738664"/>
+          </a:xfrm>
+          <a:prstGeom prst="rect">
+            <a:avLst/>
+          </a:prstGeom>
+          <a:noFill/>
+        </p:spPr>
+        <p:txBody>
+          <a:bodyPr wrap="none" rtlCol="0">
+            <a:spAutoFit/>
+          </a:bodyPr>
+          <a:lstStyle/>
+          <a:p>
+            <a:r>
+              <a:rPr kumimoji="1" lang="en-US" altLang="ja-JP" sz="1400" dirty="0">
+                <a:solidFill>
+                  <a:srgbClr val="92D050"/>
+                </a:solidFill>
+              </a:rPr>
+              <a:t>CV:</a:t>
+            </a:r>
+          </a:p>
+          <a:p>
+            <a:r>
+              <a:rPr lang="en-US" altLang="ja-JP" sz="1400" dirty="0">
+                <a:solidFill>
+                  <a:srgbClr val="92D050"/>
+                </a:solidFill>
+              </a:rPr>
+              <a:t>Public:</a:t>
+            </a:r>
+          </a:p>
+          <a:p>
+            <a:r>
+              <a:rPr kumimoji="1" lang="en-US" altLang="ja-JP" sz="1400" dirty="0">
+                <a:solidFill>
+                  <a:srgbClr val="92D050"/>
+                </a:solidFill>
+              </a:rPr>
+              <a:t>Private:</a:t>
+            </a:r>
+            <a:endParaRPr kumimoji="1" lang="ja-JP" altLang="en-US" sz="1400">
+              <a:solidFill>
+                <a:srgbClr val="92D050"/>
+              </a:solidFill>
+            </a:endParaRPr>
+          </a:p>
+        </p:txBody>
+      </p:sp>
+      <p:sp>
+        <p:nvSpPr>
+          <p:cNvPr id="3" name="テキスト ボックス 2">
+            <a:extLst>
+              <a:ext uri="{FF2B5EF4-FFF2-40B4-BE49-F238E27FC236}">
+                <a16:creationId xmlns:a16="http://schemas.microsoft.com/office/drawing/2014/main" id="{27FD0545-D7B7-BB49-A226-53EEF600E939}"/>
+              </a:ext>
+            </a:extLst>
+          </p:cNvPr>
+          <p:cNvSpPr txBox="1"/>
+          <p:nvPr/>
+        </p:nvSpPr>
+        <p:spPr>
+          <a:xfrm>
+            <a:off x="7992807" y="127471"/>
+            <a:ext cx="3582777" cy="954107"/>
+          </a:xfrm>
+          <a:prstGeom prst="rect">
+            <a:avLst/>
+          </a:prstGeom>
+          <a:noFill/>
+        </p:spPr>
+        <p:txBody>
+          <a:bodyPr wrap="none" rtlCol="0">
+            <a:spAutoFit/>
+          </a:bodyPr>
+          <a:lstStyle/>
+          <a:p>
+            <a:pPr algn="ctr"/>
+            <a:r>
+              <a:rPr lang="en" altLang="ja-JP" sz="2800" b="1" dirty="0"/>
+              <a:t>Stardust Crusaders★</a:t>
+            </a:r>
+            <a:r>
+              <a:rPr lang="ja-JP" altLang="en-US" sz="2800" b="1"/>
+              <a:t>ミ</a:t>
+            </a:r>
+            <a:endParaRPr lang="en-US" altLang="ja-JP" sz="2800" b="1" dirty="0"/>
+          </a:p>
+          <a:p>
+            <a:pPr algn="ctr"/>
+            <a:r>
+              <a:rPr kumimoji="1" lang="en-US" altLang="ja-JP" sz="2800" b="1" dirty="0"/>
+              <a:t>Model Pipeline</a:t>
+            </a:r>
+            <a:endParaRPr kumimoji="1" lang="ja-JP" altLang="en-US" sz="2800" b="1"/>
+          </a:p>
+        </p:txBody>
+      </p:sp>
     </p:spTree>
     <p:extLst>
       <p:ext uri="{BB962C8B-B14F-4D97-AF65-F5344CB8AC3E}">

--- a/other/model_pipeline.pptx
+++ b/other/model_pipeline.pptx
@@ -8663,7 +8663,7 @@
         <p:spPr>
           <a:xfrm>
             <a:off x="5679121" y="992775"/>
-            <a:ext cx="742704" cy="738664"/>
+            <a:ext cx="758477" cy="738664"/>
           </a:xfrm>
           <a:prstGeom prst="rect">
             <a:avLst/>
@@ -8677,7 +8677,7 @@
           <a:lstStyle/>
           <a:p>
             <a:r>
-              <a:rPr kumimoji="1" lang="en-US" altLang="ja-JP" sz="1400" dirty="0">
+              <a:rPr kumimoji="1" lang="en-US" altLang="ja-JP" sz="1400" b="1" dirty="0">
                 <a:solidFill>
                   <a:srgbClr val="FFFF00"/>
                 </a:solidFill>
@@ -8687,7 +8687,7 @@
           </a:p>
           <a:p>
             <a:r>
-              <a:rPr lang="en-US" altLang="ja-JP" sz="1400" dirty="0">
+              <a:rPr lang="en-US" altLang="ja-JP" sz="1400" b="1" dirty="0">
                 <a:solidFill>
                   <a:srgbClr val="FFFF00"/>
                 </a:solidFill>
@@ -8697,14 +8697,14 @@
           </a:p>
           <a:p>
             <a:r>
-              <a:rPr kumimoji="1" lang="en-US" altLang="ja-JP" sz="1400" dirty="0">
+              <a:rPr kumimoji="1" lang="en-US" altLang="ja-JP" sz="1400" b="1" dirty="0">
                 <a:solidFill>
                   <a:srgbClr val="FFFF00"/>
                 </a:solidFill>
               </a:rPr>
               <a:t>Private:</a:t>
             </a:r>
-            <a:endParaRPr kumimoji="1" lang="ja-JP" altLang="en-US" sz="1400">
+            <a:endParaRPr kumimoji="1" lang="ja-JP" altLang="en-US" sz="1400" b="1">
               <a:solidFill>
                 <a:srgbClr val="FFFF00"/>
               </a:solidFill>
@@ -8727,7 +8727,7 @@
         <p:spPr>
           <a:xfrm>
             <a:off x="5717699" y="4415514"/>
-            <a:ext cx="742704" cy="738664"/>
+            <a:ext cx="758477" cy="738664"/>
           </a:xfrm>
           <a:prstGeom prst="rect">
             <a:avLst/>
@@ -8741,7 +8741,7 @@
           <a:lstStyle/>
           <a:p>
             <a:r>
-              <a:rPr kumimoji="1" lang="en-US" altLang="ja-JP" sz="1400" dirty="0">
+              <a:rPr kumimoji="1" lang="en-US" altLang="ja-JP" sz="1400" b="1" dirty="0">
                 <a:solidFill>
                   <a:srgbClr val="00B0F0"/>
                 </a:solidFill>
@@ -8751,7 +8751,7 @@
           </a:p>
           <a:p>
             <a:r>
-              <a:rPr lang="en-US" altLang="ja-JP" sz="1400" dirty="0">
+              <a:rPr lang="en-US" altLang="ja-JP" sz="1400" b="1" dirty="0">
                 <a:solidFill>
                   <a:srgbClr val="00B0F0"/>
                 </a:solidFill>
@@ -8761,14 +8761,14 @@
           </a:p>
           <a:p>
             <a:r>
-              <a:rPr kumimoji="1" lang="en-US" altLang="ja-JP" sz="1400" dirty="0">
+              <a:rPr kumimoji="1" lang="en-US" altLang="ja-JP" sz="1400" b="1" dirty="0">
                 <a:solidFill>
                   <a:srgbClr val="00B0F0"/>
                 </a:solidFill>
               </a:rPr>
               <a:t>Private:</a:t>
             </a:r>
-            <a:endParaRPr kumimoji="1" lang="ja-JP" altLang="en-US" sz="1400">
+            <a:endParaRPr kumimoji="1" lang="ja-JP" altLang="en-US" sz="1400" b="1">
               <a:solidFill>
                 <a:srgbClr val="00B0F0"/>
               </a:solidFill>
@@ -8941,7 +8941,7 @@
         <p:spPr>
           <a:xfrm>
             <a:off x="9768007" y="3069136"/>
-            <a:ext cx="742704" cy="738664"/>
+            <a:ext cx="758477" cy="738664"/>
           </a:xfrm>
           <a:prstGeom prst="rect">
             <a:avLst/>
@@ -8955,7 +8955,7 @@
           <a:lstStyle/>
           <a:p>
             <a:r>
-              <a:rPr kumimoji="1" lang="en-US" altLang="ja-JP" sz="1400" dirty="0">
+              <a:rPr kumimoji="1" lang="en-US" altLang="ja-JP" sz="1400" b="1" dirty="0">
                 <a:solidFill>
                   <a:srgbClr val="92D050"/>
                 </a:solidFill>
@@ -8965,7 +8965,7 @@
           </a:p>
           <a:p>
             <a:r>
-              <a:rPr lang="en-US" altLang="ja-JP" sz="1400" dirty="0">
+              <a:rPr lang="en-US" altLang="ja-JP" sz="1400" b="1" dirty="0">
                 <a:solidFill>
                   <a:srgbClr val="92D050"/>
                 </a:solidFill>
@@ -8975,14 +8975,14 @@
           </a:p>
           <a:p>
             <a:r>
-              <a:rPr kumimoji="1" lang="en-US" altLang="ja-JP" sz="1400" dirty="0">
+              <a:rPr kumimoji="1" lang="en-US" altLang="ja-JP" sz="1400" b="1" dirty="0">
                 <a:solidFill>
                   <a:srgbClr val="92D050"/>
                 </a:solidFill>
               </a:rPr>
               <a:t>Private:</a:t>
             </a:r>
-            <a:endParaRPr kumimoji="1" lang="ja-JP" altLang="en-US" sz="1400">
+            <a:endParaRPr kumimoji="1" lang="ja-JP" altLang="en-US" sz="1400" b="1">
               <a:solidFill>
                 <a:srgbClr val="92D050"/>
               </a:solidFill>

--- a/other/model_pipeline.pptx
+++ b/other/model_pipeline.pptx
@@ -106,7 +106,7 @@
   </p:defaultTextStyle>
   <p:extLst>
     <p:ext uri="{EFAFB233-063F-42B5-8137-9DF3F51BA10A}">
-      <p15:sldGuideLst xmlns:p15="http://schemas.microsoft.com/office/powerpoint/2012/main"/>
+      <p15:sldGuideLst xmlns:p15="http://schemas.microsoft.com/office/powerpoint/2012/main" xmlns=""/>
     </p:ext>
   </p:extLst>
 </p:presentation>
@@ -341,7 +341,7 @@
           <a:p>
             <a:fld id="{9DE54781-CC08-F748-B430-B9DF1903D26D}" type="datetimeFigureOut">
               <a:rPr kumimoji="1" lang="ja-JP" altLang="en-US" smtClean="0"/>
-              <a:t>2018/12/14</a:t>
+              <a:t>18/12/15</a:t>
             </a:fld>
             <a:endParaRPr kumimoji="1" lang="ja-JP" altLang="en-US"/>
           </a:p>
@@ -675,7 +675,7 @@
           <a:p>
             <a:fld id="{9DE54781-CC08-F748-B430-B9DF1903D26D}" type="datetimeFigureOut">
               <a:rPr kumimoji="1" lang="ja-JP" altLang="en-US" smtClean="0"/>
-              <a:t>2018/12/14</a:t>
+              <a:t>18/12/15</a:t>
             </a:fld>
             <a:endParaRPr kumimoji="1" lang="ja-JP" altLang="en-US"/>
           </a:p>
@@ -953,7 +953,7 @@
           <a:p>
             <a:fld id="{9DE54781-CC08-F748-B430-B9DF1903D26D}" type="datetimeFigureOut">
               <a:rPr kumimoji="1" lang="ja-JP" altLang="en-US" smtClean="0"/>
-              <a:t>2018/12/14</a:t>
+              <a:t>18/12/15</a:t>
             </a:fld>
             <a:endParaRPr kumimoji="1" lang="ja-JP" altLang="en-US"/>
           </a:p>
@@ -1521,7 +1521,7 @@
           <a:p>
             <a:fld id="{9DE54781-CC08-F748-B430-B9DF1903D26D}" type="datetimeFigureOut">
               <a:rPr kumimoji="1" lang="ja-JP" altLang="en-US" smtClean="0"/>
-              <a:t>2018/12/14</a:t>
+              <a:t>18/12/15</a:t>
             </a:fld>
             <a:endParaRPr kumimoji="1" lang="ja-JP" altLang="en-US"/>
           </a:p>
@@ -1799,7 +1799,7 @@
           <a:p>
             <a:fld id="{9DE54781-CC08-F748-B430-B9DF1903D26D}" type="datetimeFigureOut">
               <a:rPr kumimoji="1" lang="ja-JP" altLang="en-US" smtClean="0"/>
-              <a:t>2018/12/14</a:t>
+              <a:t>18/12/15</a:t>
             </a:fld>
             <a:endParaRPr kumimoji="1" lang="ja-JP" altLang="en-US"/>
           </a:p>
@@ -2361,7 +2361,7 @@
           <a:p>
             <a:fld id="{9DE54781-CC08-F748-B430-B9DF1903D26D}" type="datetimeFigureOut">
               <a:rPr kumimoji="1" lang="ja-JP" altLang="en-US" smtClean="0"/>
-              <a:t>2018/12/14</a:t>
+              <a:t>18/12/15</a:t>
             </a:fld>
             <a:endParaRPr kumimoji="1" lang="ja-JP" altLang="en-US"/>
           </a:p>
@@ -2688,7 +2688,7 @@
           <a:p>
             <a:fld id="{9DE54781-CC08-F748-B430-B9DF1903D26D}" type="datetimeFigureOut">
               <a:rPr kumimoji="1" lang="ja-JP" altLang="en-US" smtClean="0"/>
-              <a:t>2018/12/14</a:t>
+              <a:t>18/12/15</a:t>
             </a:fld>
             <a:endParaRPr kumimoji="1" lang="ja-JP" altLang="en-US"/>
           </a:p>
@@ -2897,7 +2897,7 @@
           <a:p>
             <a:fld id="{9DE54781-CC08-F748-B430-B9DF1903D26D}" type="datetimeFigureOut">
               <a:rPr kumimoji="1" lang="ja-JP" altLang="en-US" smtClean="0"/>
-              <a:t>2018/12/14</a:t>
+              <a:t>18/12/15</a:t>
             </a:fld>
             <a:endParaRPr kumimoji="1" lang="ja-JP" altLang="en-US"/>
           </a:p>
@@ -3167,7 +3167,7 @@
           <a:p>
             <a:fld id="{9DE54781-CC08-F748-B430-B9DF1903D26D}" type="datetimeFigureOut">
               <a:rPr kumimoji="1" lang="ja-JP" altLang="en-US" smtClean="0"/>
-              <a:t>2018/12/14</a:t>
+              <a:t>18/12/15</a:t>
             </a:fld>
             <a:endParaRPr kumimoji="1" lang="ja-JP" altLang="en-US"/>
           </a:p>
@@ -3399,7 +3399,7 @@
           <a:p>
             <a:fld id="{9DE54781-CC08-F748-B430-B9DF1903D26D}" type="datetimeFigureOut">
               <a:rPr kumimoji="1" lang="ja-JP" altLang="en-US" smtClean="0"/>
-              <a:t>2018/12/14</a:t>
+              <a:t>18/12/15</a:t>
             </a:fld>
             <a:endParaRPr kumimoji="1" lang="ja-JP" altLang="en-US"/>
           </a:p>
@@ -3675,7 +3675,7 @@
           <a:p>
             <a:fld id="{9DE54781-CC08-F748-B430-B9DF1903D26D}" type="datetimeFigureOut">
               <a:rPr kumimoji="1" lang="ja-JP" altLang="en-US" smtClean="0"/>
-              <a:t>2018/12/14</a:t>
+              <a:t>18/12/15</a:t>
             </a:fld>
             <a:endParaRPr kumimoji="1" lang="ja-JP" altLang="en-US"/>
           </a:p>
@@ -4005,7 +4005,7 @@
           <a:p>
             <a:fld id="{9DE54781-CC08-F748-B430-B9DF1903D26D}" type="datetimeFigureOut">
               <a:rPr kumimoji="1" lang="ja-JP" altLang="en-US" smtClean="0"/>
-              <a:t>2018/12/14</a:t>
+              <a:t>18/12/15</a:t>
             </a:fld>
             <a:endParaRPr kumimoji="1" lang="ja-JP" altLang="en-US"/>
           </a:p>
@@ -4443,7 +4443,7 @@
           <a:p>
             <a:fld id="{9DE54781-CC08-F748-B430-B9DF1903D26D}" type="datetimeFigureOut">
               <a:rPr kumimoji="1" lang="ja-JP" altLang="en-US" smtClean="0"/>
-              <a:t>2018/12/14</a:t>
+              <a:t>18/12/15</a:t>
             </a:fld>
             <a:endParaRPr kumimoji="1" lang="ja-JP" altLang="en-US"/>
           </a:p>
@@ -4591,7 +4591,7 @@
           <a:p>
             <a:fld id="{9DE54781-CC08-F748-B430-B9DF1903D26D}" type="datetimeFigureOut">
               <a:rPr kumimoji="1" lang="ja-JP" altLang="en-US" smtClean="0"/>
-              <a:t>2018/12/14</a:t>
+              <a:t>18/12/15</a:t>
             </a:fld>
             <a:endParaRPr kumimoji="1" lang="ja-JP" altLang="en-US"/>
           </a:p>
@@ -4716,7 +4716,7 @@
           <a:p>
             <a:fld id="{9DE54781-CC08-F748-B430-B9DF1903D26D}" type="datetimeFigureOut">
               <a:rPr kumimoji="1" lang="ja-JP" altLang="en-US" smtClean="0"/>
-              <a:t>2018/12/14</a:t>
+              <a:t>18/12/15</a:t>
             </a:fld>
             <a:endParaRPr kumimoji="1" lang="ja-JP" altLang="en-US"/>
           </a:p>
@@ -5033,7 +5033,7 @@
           <a:p>
             <a:fld id="{9DE54781-CC08-F748-B430-B9DF1903D26D}" type="datetimeFigureOut">
               <a:rPr kumimoji="1" lang="ja-JP" altLang="en-US" smtClean="0"/>
-              <a:t>2018/12/14</a:t>
+              <a:t>18/12/15</a:t>
             </a:fld>
             <a:endParaRPr kumimoji="1" lang="ja-JP" altLang="en-US"/>
           </a:p>
@@ -5357,7 +5357,7 @@
           <a:p>
             <a:fld id="{9DE54781-CC08-F748-B430-B9DF1903D26D}" type="datetimeFigureOut">
               <a:rPr kumimoji="1" lang="ja-JP" altLang="en-US" smtClean="0"/>
-              <a:t>2018/12/14</a:t>
+              <a:t>18/12/15</a:t>
             </a:fld>
             <a:endParaRPr kumimoji="1" lang="ja-JP" altLang="en-US"/>
           </a:p>
@@ -5603,7 +5603,7 @@
           <a:p>
             <a:fld id="{9DE54781-CC08-F748-B430-B9DF1903D26D}" type="datetimeFigureOut">
               <a:rPr kumimoji="1" lang="ja-JP" altLang="en-US" smtClean="0"/>
-              <a:t>2018/12/14</a:t>
+              <a:t>18/12/15</a:t>
             </a:fld>
             <a:endParaRPr kumimoji="1" lang="ja-JP" altLang="en-US"/>
           </a:p>
@@ -6121,7 +6121,7 @@
           <p:cNvPr id="10" name="図 9">
             <a:extLst>
               <a:ext uri="{FF2B5EF4-FFF2-40B4-BE49-F238E27FC236}">
-                <a16:creationId xmlns:a16="http://schemas.microsoft.com/office/drawing/2014/main" id="{7D81247E-C1DD-8B41-ABE1-3624F8B93B47}"/>
+                <a16:creationId xmlns:a16="http://schemas.microsoft.com/office/drawing/2014/main" xmlns="" id="{7D81247E-C1DD-8B41-ABE1-3624F8B93B47}"/>
               </a:ext>
             </a:extLst>
           </p:cNvPr>
@@ -6138,7 +6138,7 @@
         </p:blipFill>
         <p:spPr>
           <a:xfrm>
-            <a:off x="1359735" y="245031"/>
+            <a:off x="1162789" y="232740"/>
             <a:ext cx="626227" cy="626227"/>
           </a:xfrm>
           <a:prstGeom prst="rect">
@@ -6151,7 +6151,7 @@
           <p:cNvPr id="11" name="図 10">
             <a:extLst>
               <a:ext uri="{FF2B5EF4-FFF2-40B4-BE49-F238E27FC236}">
-                <a16:creationId xmlns:a16="http://schemas.microsoft.com/office/drawing/2014/main" id="{84B42A0D-AD13-8247-A73C-B3F8D1140B49}"/>
+                <a16:creationId xmlns:a16="http://schemas.microsoft.com/office/drawing/2014/main" xmlns="" id="{84B42A0D-AD13-8247-A73C-B3F8D1140B49}"/>
               </a:ext>
             </a:extLst>
           </p:cNvPr>
@@ -6181,7 +6181,7 @@
           <p:cNvPr id="13" name="図 12">
             <a:extLst>
               <a:ext uri="{FF2B5EF4-FFF2-40B4-BE49-F238E27FC236}">
-                <a16:creationId xmlns:a16="http://schemas.microsoft.com/office/drawing/2014/main" id="{02BBE071-BEE5-474D-B192-7A545550DC60}"/>
+                <a16:creationId xmlns:a16="http://schemas.microsoft.com/office/drawing/2014/main" xmlns="" id="{02BBE071-BEE5-474D-B192-7A545550DC60}"/>
               </a:ext>
             </a:extLst>
           </p:cNvPr>
@@ -6211,7 +6211,7 @@
           <p:cNvPr id="14" name="図 13">
             <a:extLst>
               <a:ext uri="{FF2B5EF4-FFF2-40B4-BE49-F238E27FC236}">
-                <a16:creationId xmlns:a16="http://schemas.microsoft.com/office/drawing/2014/main" id="{2E225525-DE25-AC4B-B97A-5C603406488E}"/>
+                <a16:creationId xmlns:a16="http://schemas.microsoft.com/office/drawing/2014/main" xmlns="" id="{2E225525-DE25-AC4B-B97A-5C603406488E}"/>
               </a:ext>
             </a:extLst>
           </p:cNvPr>
@@ -6241,7 +6241,7 @@
           <p:cNvPr id="15" name="図 14">
             <a:extLst>
               <a:ext uri="{FF2B5EF4-FFF2-40B4-BE49-F238E27FC236}">
-                <a16:creationId xmlns:a16="http://schemas.microsoft.com/office/drawing/2014/main" id="{029B13F5-2F0B-C142-9086-B499238E9F32}"/>
+                <a16:creationId xmlns:a16="http://schemas.microsoft.com/office/drawing/2014/main" xmlns="" id="{029B13F5-2F0B-C142-9086-B499238E9F32}"/>
               </a:ext>
             </a:extLst>
           </p:cNvPr>
@@ -6271,7 +6271,7 @@
           <p:cNvPr id="16" name="図 15">
             <a:extLst>
               <a:ext uri="{FF2B5EF4-FFF2-40B4-BE49-F238E27FC236}">
-                <a16:creationId xmlns:a16="http://schemas.microsoft.com/office/drawing/2014/main" id="{44122004-DA01-8C4A-9AA9-F6318E733C01}"/>
+                <a16:creationId xmlns:a16="http://schemas.microsoft.com/office/drawing/2014/main" xmlns="" id="{44122004-DA01-8C4A-9AA9-F6318E733C01}"/>
               </a:ext>
             </a:extLst>
           </p:cNvPr>
@@ -6301,7 +6301,7 @@
           <p:cNvPr id="17" name="図 16">
             <a:extLst>
               <a:ext uri="{FF2B5EF4-FFF2-40B4-BE49-F238E27FC236}">
-                <a16:creationId xmlns:a16="http://schemas.microsoft.com/office/drawing/2014/main" id="{98E3DE65-0A54-E545-B8D1-98EB7BE432D2}"/>
+                <a16:creationId xmlns:a16="http://schemas.microsoft.com/office/drawing/2014/main" xmlns="" id="{98E3DE65-0A54-E545-B8D1-98EB7BE432D2}"/>
               </a:ext>
             </a:extLst>
           </p:cNvPr>
@@ -6318,7 +6318,7 @@
         </p:blipFill>
         <p:spPr>
           <a:xfrm>
-            <a:off x="1359733" y="1541439"/>
+            <a:off x="1162787" y="1529148"/>
             <a:ext cx="626227" cy="626227"/>
           </a:xfrm>
           <a:prstGeom prst="rect">
@@ -6331,7 +6331,7 @@
           <p:cNvPr id="18" name="図 17">
             <a:extLst>
               <a:ext uri="{FF2B5EF4-FFF2-40B4-BE49-F238E27FC236}">
-                <a16:creationId xmlns:a16="http://schemas.microsoft.com/office/drawing/2014/main" id="{825C80A8-3081-6546-955C-6DF07B69F009}"/>
+                <a16:creationId xmlns:a16="http://schemas.microsoft.com/office/drawing/2014/main" xmlns="" id="{825C80A8-3081-6546-955C-6DF07B69F009}"/>
               </a:ext>
             </a:extLst>
           </p:cNvPr>
@@ -6348,7 +6348,7 @@
         </p:blipFill>
         <p:spPr>
           <a:xfrm>
-            <a:off x="1359734" y="2878554"/>
+            <a:off x="1162788" y="2866263"/>
             <a:ext cx="626227" cy="626227"/>
           </a:xfrm>
           <a:prstGeom prst="rect">
@@ -6361,7 +6361,7 @@
           <p:cNvPr id="19" name="図 18">
             <a:extLst>
               <a:ext uri="{FF2B5EF4-FFF2-40B4-BE49-F238E27FC236}">
-                <a16:creationId xmlns:a16="http://schemas.microsoft.com/office/drawing/2014/main" id="{5C80FE2F-1009-B640-861A-583E2074F47A}"/>
+                <a16:creationId xmlns:a16="http://schemas.microsoft.com/office/drawing/2014/main" xmlns="" id="{5C80FE2F-1009-B640-861A-583E2074F47A}"/>
               </a:ext>
             </a:extLst>
           </p:cNvPr>
@@ -6378,7 +6378,7 @@
         </p:blipFill>
         <p:spPr>
           <a:xfrm>
-            <a:off x="1359732" y="4215488"/>
+            <a:off x="1162786" y="4203197"/>
             <a:ext cx="626227" cy="626227"/>
           </a:xfrm>
           <a:prstGeom prst="rect">
@@ -6391,7 +6391,7 @@
           <p:cNvPr id="20" name="図 19">
             <a:extLst>
               <a:ext uri="{FF2B5EF4-FFF2-40B4-BE49-F238E27FC236}">
-                <a16:creationId xmlns:a16="http://schemas.microsoft.com/office/drawing/2014/main" id="{9F75777E-6F0F-9647-BC8A-E251BD5A36B9}"/>
+                <a16:creationId xmlns:a16="http://schemas.microsoft.com/office/drawing/2014/main" xmlns="" id="{9F75777E-6F0F-9647-BC8A-E251BD5A36B9}"/>
               </a:ext>
             </a:extLst>
           </p:cNvPr>
@@ -6408,7 +6408,7 @@
         </p:blipFill>
         <p:spPr>
           <a:xfrm>
-            <a:off x="1359731" y="5694639"/>
+            <a:off x="1162785" y="5682348"/>
             <a:ext cx="626227" cy="626227"/>
           </a:xfrm>
           <a:prstGeom prst="rect">
@@ -6421,7 +6421,7 @@
           <p:cNvPr id="2" name="テキスト ボックス 1">
             <a:extLst>
               <a:ext uri="{FF2B5EF4-FFF2-40B4-BE49-F238E27FC236}">
-                <a16:creationId xmlns:a16="http://schemas.microsoft.com/office/drawing/2014/main" id="{AD78E44E-FF91-9B41-B2ED-D900B358DD2A}"/>
+                <a16:creationId xmlns:a16="http://schemas.microsoft.com/office/drawing/2014/main" xmlns="" id="{AD78E44E-FF91-9B41-B2ED-D900B358DD2A}"/>
               </a:ext>
             </a:extLst>
           </p:cNvPr>
@@ -6430,7 +6430,7 @@
         </p:nvSpPr>
         <p:spPr>
           <a:xfrm>
-            <a:off x="968277" y="190295"/>
+            <a:off x="771331" y="178004"/>
             <a:ext cx="391454" cy="338554"/>
           </a:xfrm>
           <a:prstGeom prst="rect">
@@ -6465,7 +6465,7 @@
           <p:cNvPr id="21" name="テキスト ボックス 20">
             <a:extLst>
               <a:ext uri="{FF2B5EF4-FFF2-40B4-BE49-F238E27FC236}">
-                <a16:creationId xmlns:a16="http://schemas.microsoft.com/office/drawing/2014/main" id="{543C9008-5176-E042-A6EE-C2576E9D0951}"/>
+                <a16:creationId xmlns:a16="http://schemas.microsoft.com/office/drawing/2014/main" xmlns="" id="{543C9008-5176-E042-A6EE-C2576E9D0951}"/>
               </a:ext>
             </a:extLst>
           </p:cNvPr>
@@ -6474,7 +6474,7 @@
         </p:nvSpPr>
         <p:spPr>
           <a:xfrm>
-            <a:off x="968277" y="1496735"/>
+            <a:off x="771331" y="1484444"/>
             <a:ext cx="391454" cy="338554"/>
           </a:xfrm>
           <a:prstGeom prst="rect">
@@ -6509,7 +6509,7 @@
           <p:cNvPr id="22" name="テキスト ボックス 21">
             <a:extLst>
               <a:ext uri="{FF2B5EF4-FFF2-40B4-BE49-F238E27FC236}">
-                <a16:creationId xmlns:a16="http://schemas.microsoft.com/office/drawing/2014/main" id="{0038F218-D561-4E42-8CD3-C6B483C7DCD7}"/>
+                <a16:creationId xmlns:a16="http://schemas.microsoft.com/office/drawing/2014/main" xmlns="" id="{0038F218-D561-4E42-8CD3-C6B483C7DCD7}"/>
               </a:ext>
             </a:extLst>
           </p:cNvPr>
@@ -6518,7 +6518,7 @@
         </p:nvSpPr>
         <p:spPr>
           <a:xfrm>
-            <a:off x="968277" y="2813958"/>
+            <a:off x="771331" y="2801667"/>
             <a:ext cx="391454" cy="338554"/>
           </a:xfrm>
           <a:prstGeom prst="rect">
@@ -6553,7 +6553,7 @@
           <p:cNvPr id="23" name="テキスト ボックス 22">
             <a:extLst>
               <a:ext uri="{FF2B5EF4-FFF2-40B4-BE49-F238E27FC236}">
-                <a16:creationId xmlns:a16="http://schemas.microsoft.com/office/drawing/2014/main" id="{3AB30C13-D4B2-6B4F-A88B-5FFC8F9D4EEB}"/>
+                <a16:creationId xmlns:a16="http://schemas.microsoft.com/office/drawing/2014/main" xmlns="" id="{3AB30C13-D4B2-6B4F-A88B-5FFC8F9D4EEB}"/>
               </a:ext>
             </a:extLst>
           </p:cNvPr>
@@ -6562,7 +6562,7 @@
         </p:nvSpPr>
         <p:spPr>
           <a:xfrm>
-            <a:off x="968277" y="4120398"/>
+            <a:off x="771331" y="4108107"/>
             <a:ext cx="391454" cy="338554"/>
           </a:xfrm>
           <a:prstGeom prst="rect">
@@ -6597,7 +6597,7 @@
           <p:cNvPr id="24" name="テキスト ボックス 23">
             <a:extLst>
               <a:ext uri="{FF2B5EF4-FFF2-40B4-BE49-F238E27FC236}">
-                <a16:creationId xmlns:a16="http://schemas.microsoft.com/office/drawing/2014/main" id="{F03CE9BE-C25A-CC43-8A5B-2DF372228509}"/>
+                <a16:creationId xmlns:a16="http://schemas.microsoft.com/office/drawing/2014/main" xmlns="" id="{F03CE9BE-C25A-CC43-8A5B-2DF372228509}"/>
               </a:ext>
             </a:extLst>
           </p:cNvPr>
@@ -6606,7 +6606,7 @@
         </p:nvSpPr>
         <p:spPr>
           <a:xfrm>
-            <a:off x="968277" y="5552422"/>
+            <a:off x="771331" y="5540131"/>
             <a:ext cx="391454" cy="338554"/>
           </a:xfrm>
           <a:prstGeom prst="rect">
@@ -6641,7 +6641,7 @@
           <p:cNvPr id="33" name="角丸四角形 32">
             <a:extLst>
               <a:ext uri="{FF2B5EF4-FFF2-40B4-BE49-F238E27FC236}">
-                <a16:creationId xmlns:a16="http://schemas.microsoft.com/office/drawing/2014/main" id="{D0C80A31-0582-0546-9241-E0D6D182C40C}"/>
+                <a16:creationId xmlns:a16="http://schemas.microsoft.com/office/drawing/2014/main" xmlns="" id="{D0C80A31-0582-0546-9241-E0D6D182C40C}"/>
               </a:ext>
             </a:extLst>
           </p:cNvPr>
@@ -6650,8 +6650,8 @@
         </p:nvSpPr>
         <p:spPr>
           <a:xfrm>
-            <a:off x="2879015" y="2589211"/>
-            <a:ext cx="2367144" cy="1949083"/>
+            <a:off x="2335714" y="3174628"/>
+            <a:ext cx="2778100" cy="1949083"/>
           </a:xfrm>
           <a:prstGeom prst="roundRect">
             <a:avLst/>
@@ -6694,7 +6694,7 @@
           <p:cNvPr id="34" name="テキスト ボックス 33">
             <a:extLst>
               <a:ext uri="{FF2B5EF4-FFF2-40B4-BE49-F238E27FC236}">
-                <a16:creationId xmlns:a16="http://schemas.microsoft.com/office/drawing/2014/main" id="{F7E9D662-40A5-AD4D-B9AC-97927B33F33F}"/>
+                <a16:creationId xmlns:a16="http://schemas.microsoft.com/office/drawing/2014/main" xmlns="" id="{F7E9D662-40A5-AD4D-B9AC-97927B33F33F}"/>
               </a:ext>
             </a:extLst>
           </p:cNvPr>
@@ -6703,8 +6703,8 @@
         </p:nvSpPr>
         <p:spPr>
           <a:xfrm>
-            <a:off x="3195989" y="2657851"/>
-            <a:ext cx="1513242" cy="230832"/>
+            <a:off x="2538522" y="3243268"/>
+            <a:ext cx="1346075" cy="215444"/>
           </a:xfrm>
           <a:prstGeom prst="rect">
             <a:avLst/>
@@ -6712,7 +6712,10 @@
           <a:noFill/>
           <a:ln>
             <a:solidFill>
-              <a:schemeClr val="tx1"/>
+              <a:schemeClr val="accent1">
+                <a:lumMod val="20000"/>
+                <a:lumOff val="80000"/>
+              </a:schemeClr>
             </a:solidFill>
             <a:round/>
           </a:ln>
@@ -6724,7 +6727,7 @@
           <a:lstStyle/>
           <a:p>
             <a:r>
-              <a:rPr lang="ja-JP" altLang="en-US" sz="900" b="1">
+              <a:rPr lang="ja-JP" altLang="en-US" sz="800" b="1">
                 <a:solidFill>
                   <a:srgbClr val="FFFF00"/>
                 </a:solidFill>
@@ -6732,7 +6735,7 @@
               <a:t>①</a:t>
             </a:r>
             <a:r>
-              <a:rPr lang="en-US" altLang="ja-JP" sz="900" b="1" dirty="0">
+              <a:rPr lang="en-US" altLang="ja-JP" sz="800" b="1" dirty="0">
                 <a:solidFill>
                   <a:srgbClr val="FFFF00"/>
                 </a:solidFill>
@@ -6740,7 +6743,7 @@
               <a:t> </a:t>
             </a:r>
             <a:r>
-              <a:rPr lang="ja-JP" altLang="en-US" sz="900" b="1">
+              <a:rPr lang="ja-JP" altLang="en-US" sz="800" b="1">
                 <a:solidFill>
                   <a:srgbClr val="FFFF00"/>
                 </a:solidFill>
@@ -6748,7 +6751,7 @@
               <a:t>④</a:t>
             </a:r>
             <a:r>
-              <a:rPr lang="en-US" altLang="ja-JP" sz="900" b="1" dirty="0">
+              <a:rPr lang="en-US" altLang="ja-JP" sz="800" b="1" dirty="0">
                 <a:solidFill>
                   <a:srgbClr val="FFFF00"/>
                 </a:solidFill>
@@ -6756,15 +6759,15 @@
               <a:t> </a:t>
             </a:r>
             <a:r>
-              <a:rPr lang="en-US" altLang="ja-JP" sz="900" b="1" dirty="0"/>
+              <a:rPr lang="en-US" altLang="ja-JP" sz="800" b="1" dirty="0"/>
               <a:t>+ LGB</a:t>
             </a:r>
             <a:r>
-              <a:rPr lang="ja-JP" altLang="en-US" sz="900" b="1"/>
+              <a:rPr lang="ja-JP" altLang="en-US" sz="800" b="1"/>
               <a:t>（</a:t>
             </a:r>
             <a:r>
-              <a:rPr lang="en-US" altLang="ja-JP" sz="900" b="1" dirty="0">
+              <a:rPr lang="en-US" altLang="ja-JP" sz="800" b="1" dirty="0">
                 <a:solidFill>
                   <a:srgbClr val="FFFF00"/>
                 </a:solidFill>
@@ -6772,10 +6775,10 @@
               <a:t>wmlogloss</a:t>
             </a:r>
             <a:r>
-              <a:rPr lang="en-US" altLang="ja-JP" sz="900" b="1" dirty="0"/>
+              <a:rPr lang="en-US" altLang="ja-JP" sz="800" b="1" dirty="0"/>
               <a:t>)</a:t>
             </a:r>
-            <a:endParaRPr kumimoji="1" lang="ja-JP" altLang="en-US" sz="900" b="1"/>
+            <a:endParaRPr kumimoji="1" lang="ja-JP" altLang="en-US" sz="800" b="1"/>
           </a:p>
         </p:txBody>
       </p:sp>
@@ -6784,7 +6787,7 @@
           <p:cNvPr id="35" name="テキスト ボックス 34">
             <a:extLst>
               <a:ext uri="{FF2B5EF4-FFF2-40B4-BE49-F238E27FC236}">
-                <a16:creationId xmlns:a16="http://schemas.microsoft.com/office/drawing/2014/main" id="{6E14D618-7A23-ED42-A25D-42A716DAE6D6}"/>
+                <a16:creationId xmlns:a16="http://schemas.microsoft.com/office/drawing/2014/main" xmlns="" id="{6E14D618-7A23-ED42-A25D-42A716DAE6D6}"/>
               </a:ext>
             </a:extLst>
           </p:cNvPr>
@@ -6793,8 +6796,8 @@
         </p:nvSpPr>
         <p:spPr>
           <a:xfrm>
-            <a:off x="3195989" y="2972352"/>
-            <a:ext cx="1513242" cy="230832"/>
+            <a:off x="2538522" y="3557769"/>
+            <a:ext cx="1346075" cy="215444"/>
           </a:xfrm>
           <a:prstGeom prst="rect">
             <a:avLst/>
@@ -6802,7 +6805,10 @@
           <a:noFill/>
           <a:ln>
             <a:solidFill>
-              <a:schemeClr val="tx1"/>
+              <a:schemeClr val="accent1">
+                <a:lumMod val="20000"/>
+                <a:lumOff val="80000"/>
+              </a:schemeClr>
             </a:solidFill>
           </a:ln>
         </p:spPr>
@@ -6813,7 +6819,7 @@
           <a:lstStyle/>
           <a:p>
             <a:r>
-              <a:rPr lang="ja-JP" altLang="en-US" sz="900" b="1">
+              <a:rPr lang="ja-JP" altLang="en-US" sz="800" b="1">
                 <a:solidFill>
                   <a:srgbClr val="FFFF00"/>
                 </a:solidFill>
@@ -6821,7 +6827,7 @@
               <a:t>①</a:t>
             </a:r>
             <a:r>
-              <a:rPr lang="en-US" altLang="ja-JP" sz="900" b="1" dirty="0">
+              <a:rPr lang="en-US" altLang="ja-JP" sz="800" b="1" dirty="0">
                 <a:solidFill>
                   <a:srgbClr val="FFFF00"/>
                 </a:solidFill>
@@ -6829,7 +6835,7 @@
               <a:t> </a:t>
             </a:r>
             <a:r>
-              <a:rPr lang="ja-JP" altLang="en-US" sz="900" b="1">
+              <a:rPr lang="ja-JP" altLang="en-US" sz="800" b="1">
                 <a:solidFill>
                   <a:srgbClr val="FFFF00"/>
                 </a:solidFill>
@@ -6837,7 +6843,7 @@
               <a:t>④</a:t>
             </a:r>
             <a:r>
-              <a:rPr lang="en-US" altLang="ja-JP" sz="900" b="1" dirty="0">
+              <a:rPr lang="en-US" altLang="ja-JP" sz="800" b="1" dirty="0">
                 <a:solidFill>
                   <a:srgbClr val="FFFF00"/>
                 </a:solidFill>
@@ -6845,15 +6851,15 @@
               <a:t> </a:t>
             </a:r>
             <a:r>
-              <a:rPr lang="en-US" altLang="ja-JP" sz="900" b="1" dirty="0"/>
+              <a:rPr lang="en-US" altLang="ja-JP" sz="800" b="1" dirty="0"/>
               <a:t>+ LGB</a:t>
             </a:r>
             <a:r>
-              <a:rPr lang="ja-JP" altLang="en-US" sz="900" b="1"/>
+              <a:rPr lang="ja-JP" altLang="en-US" sz="800" b="1"/>
               <a:t>（</a:t>
             </a:r>
             <a:r>
-              <a:rPr lang="en-US" altLang="ja-JP" sz="900" b="1" dirty="0">
+              <a:rPr lang="en-US" altLang="ja-JP" sz="800" b="1" dirty="0">
                 <a:solidFill>
                   <a:srgbClr val="00B0F0"/>
                 </a:solidFill>
@@ -6861,10 +6867,10 @@
               <a:t>mlogloss</a:t>
             </a:r>
             <a:r>
-              <a:rPr lang="en-US" altLang="ja-JP" sz="900" b="1" dirty="0"/>
+              <a:rPr lang="en-US" altLang="ja-JP" sz="800" b="1" dirty="0"/>
               <a:t>)</a:t>
             </a:r>
-            <a:endParaRPr kumimoji="1" lang="ja-JP" altLang="en-US" sz="900" b="1"/>
+            <a:endParaRPr kumimoji="1" lang="ja-JP" altLang="en-US" sz="800" b="1"/>
           </a:p>
         </p:txBody>
       </p:sp>
@@ -6873,7 +6879,7 @@
           <p:cNvPr id="36" name="図 35">
             <a:extLst>
               <a:ext uri="{FF2B5EF4-FFF2-40B4-BE49-F238E27FC236}">
-                <a16:creationId xmlns:a16="http://schemas.microsoft.com/office/drawing/2014/main" id="{4570DEA6-378F-0244-859C-A003B0776D8F}"/>
+                <a16:creationId xmlns:a16="http://schemas.microsoft.com/office/drawing/2014/main" xmlns="" id="{4570DEA6-378F-0244-859C-A003B0776D8F}"/>
               </a:ext>
             </a:extLst>
           </p:cNvPr>
@@ -6890,8 +6896,8 @@
         </p:blipFill>
         <p:spPr>
           <a:xfrm>
-            <a:off x="2640366" y="2368161"/>
-            <a:ext cx="490795" cy="490795"/>
+            <a:off x="2172926" y="3011167"/>
+            <a:ext cx="300496" cy="300496"/>
           </a:xfrm>
           <a:prstGeom prst="rect">
             <a:avLst/>
@@ -6903,7 +6909,7 @@
           <p:cNvPr id="40" name="図 39">
             <a:extLst>
               <a:ext uri="{FF2B5EF4-FFF2-40B4-BE49-F238E27FC236}">
-                <a16:creationId xmlns:a16="http://schemas.microsoft.com/office/drawing/2014/main" id="{A18508B5-CC83-3F46-8399-65EF4E21DDA3}"/>
+                <a16:creationId xmlns:a16="http://schemas.microsoft.com/office/drawing/2014/main" xmlns="" id="{A18508B5-CC83-3F46-8399-65EF4E21DDA3}"/>
               </a:ext>
             </a:extLst>
           </p:cNvPr>
@@ -6920,8 +6926,8 @@
         </p:blipFill>
         <p:spPr>
           <a:xfrm>
-            <a:off x="2652906" y="4583700"/>
-            <a:ext cx="490795" cy="490795"/>
+            <a:off x="2185466" y="5226706"/>
+            <a:ext cx="300496" cy="300496"/>
           </a:xfrm>
           <a:prstGeom prst="rect">
             <a:avLst/>
@@ -6933,7 +6939,7 @@
           <p:cNvPr id="41" name="テキスト ボックス 40">
             <a:extLst>
               <a:ext uri="{FF2B5EF4-FFF2-40B4-BE49-F238E27FC236}">
-                <a16:creationId xmlns:a16="http://schemas.microsoft.com/office/drawing/2014/main" id="{5EF20A95-A8CD-F649-A7D0-CD63E988F28A}"/>
+                <a16:creationId xmlns:a16="http://schemas.microsoft.com/office/drawing/2014/main" xmlns="" id="{5EF20A95-A8CD-F649-A7D0-CD63E988F28A}"/>
               </a:ext>
             </a:extLst>
           </p:cNvPr>
@@ -6942,8 +6948,8 @@
         </p:nvSpPr>
         <p:spPr>
           <a:xfrm>
-            <a:off x="3195989" y="3286853"/>
-            <a:ext cx="1513242" cy="230832"/>
+            <a:off x="2538522" y="3872270"/>
+            <a:ext cx="1346075" cy="215444"/>
           </a:xfrm>
           <a:prstGeom prst="rect">
             <a:avLst/>
@@ -6951,7 +6957,10 @@
           <a:noFill/>
           <a:ln>
             <a:solidFill>
-              <a:schemeClr val="tx1"/>
+              <a:schemeClr val="accent1">
+                <a:lumMod val="20000"/>
+                <a:lumOff val="80000"/>
+              </a:schemeClr>
             </a:solidFill>
           </a:ln>
         </p:spPr>
@@ -6962,7 +6971,7 @@
           <a:lstStyle/>
           <a:p>
             <a:r>
-              <a:rPr lang="ja-JP" altLang="en-US" sz="900" b="1">
+              <a:rPr lang="ja-JP" altLang="en-US" sz="800" b="1">
                 <a:solidFill>
                   <a:srgbClr val="FFFF00"/>
                 </a:solidFill>
@@ -6970,7 +6979,7 @@
               <a:t>①</a:t>
             </a:r>
             <a:r>
-              <a:rPr lang="en-US" altLang="ja-JP" sz="900" b="1" dirty="0">
+              <a:rPr lang="en-US" altLang="ja-JP" sz="800" b="1" dirty="0">
                 <a:solidFill>
                   <a:srgbClr val="FFFF00"/>
                 </a:solidFill>
@@ -6978,7 +6987,7 @@
               <a:t> </a:t>
             </a:r>
             <a:r>
-              <a:rPr lang="ja-JP" altLang="en-US" sz="900" b="1">
+              <a:rPr lang="ja-JP" altLang="en-US" sz="800" b="1">
                 <a:solidFill>
                   <a:srgbClr val="FFFF00"/>
                 </a:solidFill>
@@ -6986,7 +6995,7 @@
               <a:t>④</a:t>
             </a:r>
             <a:r>
-              <a:rPr lang="en-US" altLang="ja-JP" sz="900" b="1" dirty="0">
+              <a:rPr lang="en-US" altLang="ja-JP" sz="800" b="1" dirty="0">
                 <a:solidFill>
                   <a:srgbClr val="FFFF00"/>
                 </a:solidFill>
@@ -6994,15 +7003,15 @@
               <a:t> </a:t>
             </a:r>
             <a:r>
-              <a:rPr lang="en-US" altLang="ja-JP" sz="900" b="1" dirty="0"/>
+              <a:rPr lang="en-US" altLang="ja-JP" sz="800" b="1" dirty="0"/>
               <a:t>+ NN</a:t>
             </a:r>
             <a:r>
-              <a:rPr lang="ja-JP" altLang="en-US" sz="900" b="1"/>
+              <a:rPr lang="ja-JP" altLang="en-US" sz="800" b="1"/>
               <a:t>（</a:t>
             </a:r>
             <a:r>
-              <a:rPr lang="en-US" altLang="ja-JP" sz="900" b="1" dirty="0">
+              <a:rPr lang="en-US" altLang="ja-JP" sz="800" b="1" dirty="0">
                 <a:solidFill>
                   <a:srgbClr val="FFFF00"/>
                 </a:solidFill>
@@ -7010,10 +7019,10 @@
               <a:t>wmlogloss</a:t>
             </a:r>
             <a:r>
-              <a:rPr lang="en-US" altLang="ja-JP" sz="900" b="1" dirty="0"/>
+              <a:rPr lang="en-US" altLang="ja-JP" sz="800" b="1" dirty="0"/>
               <a:t>)</a:t>
             </a:r>
-            <a:endParaRPr kumimoji="1" lang="ja-JP" altLang="en-US" sz="900" b="1"/>
+            <a:endParaRPr kumimoji="1" lang="ja-JP" altLang="en-US" sz="800" b="1"/>
           </a:p>
         </p:txBody>
       </p:sp>
@@ -7022,7 +7031,7 @@
           <p:cNvPr id="42" name="テキスト ボックス 41">
             <a:extLst>
               <a:ext uri="{FF2B5EF4-FFF2-40B4-BE49-F238E27FC236}">
-                <a16:creationId xmlns:a16="http://schemas.microsoft.com/office/drawing/2014/main" id="{0A00B817-56E5-4248-86CA-EF2BCFF1DAC7}"/>
+                <a16:creationId xmlns:a16="http://schemas.microsoft.com/office/drawing/2014/main" xmlns="" id="{0A00B817-56E5-4248-86CA-EF2BCFF1DAC7}"/>
               </a:ext>
             </a:extLst>
           </p:cNvPr>
@@ -7031,8 +7040,8 @@
         </p:nvSpPr>
         <p:spPr>
           <a:xfrm>
-            <a:off x="3195989" y="3613097"/>
-            <a:ext cx="1513242" cy="230832"/>
+            <a:off x="2538522" y="4198514"/>
+            <a:ext cx="1346075" cy="215444"/>
           </a:xfrm>
           <a:prstGeom prst="rect">
             <a:avLst/>
@@ -7040,7 +7049,10 @@
           <a:noFill/>
           <a:ln>
             <a:solidFill>
-              <a:schemeClr val="tx1"/>
+              <a:schemeClr val="accent1">
+                <a:lumMod val="20000"/>
+                <a:lumOff val="80000"/>
+              </a:schemeClr>
             </a:solidFill>
           </a:ln>
         </p:spPr>
@@ -7051,7 +7063,7 @@
           <a:lstStyle/>
           <a:p>
             <a:r>
-              <a:rPr lang="ja-JP" altLang="en-US" sz="900" b="1">
+              <a:rPr lang="ja-JP" altLang="en-US" sz="800" b="1">
                 <a:solidFill>
                   <a:srgbClr val="FFFF00"/>
                 </a:solidFill>
@@ -7059,7 +7071,7 @@
               <a:t>①</a:t>
             </a:r>
             <a:r>
-              <a:rPr lang="en-US" altLang="ja-JP" sz="900" b="1" dirty="0">
+              <a:rPr lang="en-US" altLang="ja-JP" sz="800" b="1" dirty="0">
                 <a:solidFill>
                   <a:srgbClr val="FFFF00"/>
                 </a:solidFill>
@@ -7067,7 +7079,7 @@
               <a:t> </a:t>
             </a:r>
             <a:r>
-              <a:rPr lang="ja-JP" altLang="en-US" sz="900" b="1">
+              <a:rPr lang="ja-JP" altLang="en-US" sz="800" b="1">
                 <a:solidFill>
                   <a:srgbClr val="FFFF00"/>
                 </a:solidFill>
@@ -7075,7 +7087,7 @@
               <a:t>④</a:t>
             </a:r>
             <a:r>
-              <a:rPr lang="en-US" altLang="ja-JP" sz="900" b="1" dirty="0">
+              <a:rPr lang="en-US" altLang="ja-JP" sz="800" b="1" dirty="0">
                 <a:solidFill>
                   <a:srgbClr val="FFFF00"/>
                 </a:solidFill>
@@ -7083,15 +7095,15 @@
               <a:t> </a:t>
             </a:r>
             <a:r>
-              <a:rPr lang="en-US" altLang="ja-JP" sz="900" b="1" dirty="0"/>
+              <a:rPr lang="en-US" altLang="ja-JP" sz="800" b="1" dirty="0"/>
               <a:t>+ NN</a:t>
             </a:r>
             <a:r>
-              <a:rPr lang="ja-JP" altLang="en-US" sz="900" b="1"/>
+              <a:rPr lang="ja-JP" altLang="en-US" sz="800" b="1"/>
               <a:t>（</a:t>
             </a:r>
             <a:r>
-              <a:rPr lang="en-US" altLang="ja-JP" sz="900" b="1" dirty="0">
+              <a:rPr lang="en-US" altLang="ja-JP" sz="800" b="1" dirty="0">
                 <a:solidFill>
                   <a:srgbClr val="00B0F0"/>
                 </a:solidFill>
@@ -7099,10 +7111,10 @@
               <a:t>mlogloss</a:t>
             </a:r>
             <a:r>
-              <a:rPr lang="en-US" altLang="ja-JP" sz="900" b="1" dirty="0"/>
+              <a:rPr lang="en-US" altLang="ja-JP" sz="800" b="1" dirty="0"/>
               <a:t>)</a:t>
             </a:r>
-            <a:endParaRPr kumimoji="1" lang="ja-JP" altLang="en-US" sz="900" b="1"/>
+            <a:endParaRPr kumimoji="1" lang="ja-JP" altLang="en-US" sz="800" b="1"/>
           </a:p>
         </p:txBody>
       </p:sp>
@@ -7111,7 +7123,7 @@
           <p:cNvPr id="43" name="角丸四角形 42">
             <a:extLst>
               <a:ext uri="{FF2B5EF4-FFF2-40B4-BE49-F238E27FC236}">
-                <a16:creationId xmlns:a16="http://schemas.microsoft.com/office/drawing/2014/main" id="{B188D420-F9A2-C648-8ED0-4BB9FFE6189C}"/>
+                <a16:creationId xmlns:a16="http://schemas.microsoft.com/office/drawing/2014/main" xmlns="" id="{B188D420-F9A2-C648-8ED0-4BB9FFE6189C}"/>
               </a:ext>
             </a:extLst>
           </p:cNvPr>
@@ -7120,8 +7132,8 @@
         </p:nvSpPr>
         <p:spPr>
           <a:xfrm>
-            <a:off x="2879015" y="4773999"/>
-            <a:ext cx="2367144" cy="1969701"/>
+            <a:off x="2335714" y="5359417"/>
+            <a:ext cx="2778100" cy="1371238"/>
           </a:xfrm>
           <a:prstGeom prst="roundRect">
             <a:avLst/>
@@ -7164,7 +7176,7 @@
           <p:cNvPr id="44" name="テキスト ボックス 43">
             <a:extLst>
               <a:ext uri="{FF2B5EF4-FFF2-40B4-BE49-F238E27FC236}">
-                <a16:creationId xmlns:a16="http://schemas.microsoft.com/office/drawing/2014/main" id="{929D722B-02D5-E348-B3CF-54B1D6F9401B}"/>
+                <a16:creationId xmlns:a16="http://schemas.microsoft.com/office/drawing/2014/main" xmlns="" id="{929D722B-02D5-E348-B3CF-54B1D6F9401B}"/>
               </a:ext>
             </a:extLst>
           </p:cNvPr>
@@ -7173,8 +7185,8 @@
         </p:nvSpPr>
         <p:spPr>
           <a:xfrm>
-            <a:off x="3195989" y="4899409"/>
-            <a:ext cx="1513242" cy="230832"/>
+            <a:off x="2538522" y="5484826"/>
+            <a:ext cx="1346075" cy="215444"/>
           </a:xfrm>
           <a:prstGeom prst="rect">
             <a:avLst/>
@@ -7182,7 +7194,10 @@
           <a:noFill/>
           <a:ln>
             <a:solidFill>
-              <a:schemeClr val="tx1"/>
+              <a:schemeClr val="accent1">
+                <a:lumMod val="20000"/>
+                <a:lumOff val="80000"/>
+              </a:schemeClr>
             </a:solidFill>
             <a:round/>
           </a:ln>
@@ -7194,7 +7209,7 @@
           <a:lstStyle/>
           <a:p>
             <a:r>
-              <a:rPr lang="ja-JP" altLang="en-US" sz="900" b="1">
+              <a:rPr lang="ja-JP" altLang="en-US" sz="800" b="1">
                 <a:solidFill>
                   <a:srgbClr val="FFFF00"/>
                 </a:solidFill>
@@ -7202,7 +7217,7 @@
               <a:t>①</a:t>
             </a:r>
             <a:r>
-              <a:rPr lang="en-US" altLang="ja-JP" sz="900" b="1" dirty="0">
+              <a:rPr lang="en-US" altLang="ja-JP" sz="800" b="1" dirty="0">
                 <a:solidFill>
                   <a:srgbClr val="FFFF00"/>
                 </a:solidFill>
@@ -7210,7 +7225,7 @@
               <a:t> </a:t>
             </a:r>
             <a:r>
-              <a:rPr lang="ja-JP" altLang="en-US" sz="900" b="1">
+              <a:rPr lang="ja-JP" altLang="en-US" sz="800" b="1">
                 <a:solidFill>
                   <a:srgbClr val="FFFF00"/>
                 </a:solidFill>
@@ -7218,7 +7233,7 @@
               <a:t>⑤</a:t>
             </a:r>
             <a:r>
-              <a:rPr lang="en-US" altLang="ja-JP" sz="900" b="1" dirty="0">
+              <a:rPr lang="en-US" altLang="ja-JP" sz="800" b="1" dirty="0">
                 <a:solidFill>
                   <a:srgbClr val="FFFF00"/>
                 </a:solidFill>
@@ -7226,15 +7241,15 @@
               <a:t> </a:t>
             </a:r>
             <a:r>
-              <a:rPr lang="en-US" altLang="ja-JP" sz="900" b="1" dirty="0"/>
+              <a:rPr lang="en-US" altLang="ja-JP" sz="800" b="1" dirty="0"/>
               <a:t>+ LGB</a:t>
             </a:r>
             <a:r>
-              <a:rPr lang="ja-JP" altLang="en-US" sz="900" b="1"/>
+              <a:rPr lang="ja-JP" altLang="en-US" sz="800" b="1"/>
               <a:t>（</a:t>
             </a:r>
             <a:r>
-              <a:rPr lang="en-US" altLang="ja-JP" sz="900" b="1" dirty="0">
+              <a:rPr lang="en-US" altLang="ja-JP" sz="800" b="1" dirty="0">
                 <a:solidFill>
                   <a:srgbClr val="FFFF00"/>
                 </a:solidFill>
@@ -7242,10 +7257,10 @@
               <a:t>wmlogloss</a:t>
             </a:r>
             <a:r>
-              <a:rPr lang="en-US" altLang="ja-JP" sz="900" b="1" dirty="0"/>
+              <a:rPr lang="en-US" altLang="ja-JP" sz="800" b="1" dirty="0"/>
               <a:t>)</a:t>
             </a:r>
-            <a:endParaRPr kumimoji="1" lang="ja-JP" altLang="en-US" sz="900" b="1"/>
+            <a:endParaRPr kumimoji="1" lang="ja-JP" altLang="en-US" sz="800" b="1"/>
           </a:p>
         </p:txBody>
       </p:sp>
@@ -7254,7 +7269,7 @@
           <p:cNvPr id="45" name="テキスト ボックス 44">
             <a:extLst>
               <a:ext uri="{FF2B5EF4-FFF2-40B4-BE49-F238E27FC236}">
-                <a16:creationId xmlns:a16="http://schemas.microsoft.com/office/drawing/2014/main" id="{76D8B0DC-AA99-A54D-8AB6-9D6AB6E323E4}"/>
+                <a16:creationId xmlns:a16="http://schemas.microsoft.com/office/drawing/2014/main" xmlns="" id="{76D8B0DC-AA99-A54D-8AB6-9D6AB6E323E4}"/>
               </a:ext>
             </a:extLst>
           </p:cNvPr>
@@ -7263,8 +7278,8 @@
         </p:nvSpPr>
         <p:spPr>
           <a:xfrm>
-            <a:off x="3195989" y="5213910"/>
-            <a:ext cx="1513242" cy="230832"/>
+            <a:off x="2538522" y="5799327"/>
+            <a:ext cx="1346075" cy="215444"/>
           </a:xfrm>
           <a:prstGeom prst="rect">
             <a:avLst/>
@@ -7272,7 +7287,10 @@
           <a:noFill/>
           <a:ln>
             <a:solidFill>
-              <a:schemeClr val="tx1"/>
+              <a:schemeClr val="accent1">
+                <a:lumMod val="20000"/>
+                <a:lumOff val="80000"/>
+              </a:schemeClr>
             </a:solidFill>
           </a:ln>
         </p:spPr>
@@ -7283,7 +7301,7 @@
           <a:lstStyle/>
           <a:p>
             <a:r>
-              <a:rPr lang="ja-JP" altLang="en-US" sz="900" b="1">
+              <a:rPr lang="ja-JP" altLang="en-US" sz="800" b="1">
                 <a:solidFill>
                   <a:srgbClr val="FFFF00"/>
                 </a:solidFill>
@@ -7291,7 +7309,7 @@
               <a:t>①</a:t>
             </a:r>
             <a:r>
-              <a:rPr lang="en-US" altLang="ja-JP" sz="900" b="1" dirty="0">
+              <a:rPr lang="en-US" altLang="ja-JP" sz="800" b="1" dirty="0">
                 <a:solidFill>
                   <a:srgbClr val="FFFF00"/>
                 </a:solidFill>
@@ -7299,7 +7317,7 @@
               <a:t> </a:t>
             </a:r>
             <a:r>
-              <a:rPr lang="ja-JP" altLang="en-US" sz="900" b="1">
+              <a:rPr lang="ja-JP" altLang="en-US" sz="800" b="1">
                 <a:solidFill>
                   <a:srgbClr val="FFFF00"/>
                 </a:solidFill>
@@ -7307,7 +7325,7 @@
               <a:t>⑤</a:t>
             </a:r>
             <a:r>
-              <a:rPr lang="en-US" altLang="ja-JP" sz="900" b="1" dirty="0">
+              <a:rPr lang="en-US" altLang="ja-JP" sz="800" b="1" dirty="0">
                 <a:solidFill>
                   <a:srgbClr val="FFFF00"/>
                 </a:solidFill>
@@ -7315,15 +7333,15 @@
               <a:t> </a:t>
             </a:r>
             <a:r>
-              <a:rPr lang="en-US" altLang="ja-JP" sz="900" b="1" dirty="0"/>
+              <a:rPr lang="en-US" altLang="ja-JP" sz="800" b="1" dirty="0"/>
               <a:t>+ LGB</a:t>
             </a:r>
             <a:r>
-              <a:rPr lang="ja-JP" altLang="en-US" sz="900" b="1"/>
+              <a:rPr lang="ja-JP" altLang="en-US" sz="800" b="1"/>
               <a:t>（</a:t>
             </a:r>
             <a:r>
-              <a:rPr lang="en-US" altLang="ja-JP" sz="900" b="1" dirty="0">
+              <a:rPr lang="en-US" altLang="ja-JP" sz="800" b="1" dirty="0">
                 <a:solidFill>
                   <a:srgbClr val="00B0F0"/>
                 </a:solidFill>
@@ -7331,10 +7349,10 @@
               <a:t>mlogloss</a:t>
             </a:r>
             <a:r>
-              <a:rPr lang="en-US" altLang="ja-JP" sz="900" b="1" dirty="0"/>
+              <a:rPr lang="en-US" altLang="ja-JP" sz="800" b="1" dirty="0"/>
               <a:t>)</a:t>
             </a:r>
-            <a:endParaRPr kumimoji="1" lang="ja-JP" altLang="en-US" sz="900" b="1"/>
+            <a:endParaRPr kumimoji="1" lang="ja-JP" altLang="en-US" sz="800" b="1"/>
           </a:p>
         </p:txBody>
       </p:sp>
@@ -7343,7 +7361,7 @@
           <p:cNvPr id="46" name="テキスト ボックス 45">
             <a:extLst>
               <a:ext uri="{FF2B5EF4-FFF2-40B4-BE49-F238E27FC236}">
-                <a16:creationId xmlns:a16="http://schemas.microsoft.com/office/drawing/2014/main" id="{D7683FFA-7FA9-C048-AA72-9E5DC9018BF3}"/>
+                <a16:creationId xmlns:a16="http://schemas.microsoft.com/office/drawing/2014/main" xmlns="" id="{D7683FFA-7FA9-C048-AA72-9E5DC9018BF3}"/>
               </a:ext>
             </a:extLst>
           </p:cNvPr>
@@ -7352,8 +7370,8 @@
         </p:nvSpPr>
         <p:spPr>
           <a:xfrm>
-            <a:off x="3195989" y="5528411"/>
-            <a:ext cx="1513242" cy="230832"/>
+            <a:off x="2538522" y="6113828"/>
+            <a:ext cx="1346075" cy="215444"/>
           </a:xfrm>
           <a:prstGeom prst="rect">
             <a:avLst/>
@@ -7361,7 +7379,10 @@
           <a:noFill/>
           <a:ln>
             <a:solidFill>
-              <a:schemeClr val="tx1"/>
+              <a:schemeClr val="accent1">
+                <a:lumMod val="20000"/>
+                <a:lumOff val="80000"/>
+              </a:schemeClr>
             </a:solidFill>
           </a:ln>
         </p:spPr>
@@ -7372,7 +7393,7 @@
           <a:lstStyle/>
           <a:p>
             <a:r>
-              <a:rPr lang="ja-JP" altLang="en-US" sz="900" b="1">
+              <a:rPr lang="ja-JP" altLang="en-US" sz="800" b="1">
                 <a:solidFill>
                   <a:srgbClr val="FFFF00"/>
                 </a:solidFill>
@@ -7380,7 +7401,7 @@
               <a:t>①</a:t>
             </a:r>
             <a:r>
-              <a:rPr lang="en-US" altLang="ja-JP" sz="900" b="1" dirty="0">
+              <a:rPr lang="en-US" altLang="ja-JP" sz="800" b="1" dirty="0">
                 <a:solidFill>
                   <a:srgbClr val="FFFF00"/>
                 </a:solidFill>
@@ -7388,7 +7409,7 @@
               <a:t> </a:t>
             </a:r>
             <a:r>
-              <a:rPr lang="ja-JP" altLang="en-US" sz="900" b="1">
+              <a:rPr lang="ja-JP" altLang="en-US" sz="800" b="1">
                 <a:solidFill>
                   <a:srgbClr val="FFFF00"/>
                 </a:solidFill>
@@ -7396,7 +7417,7 @@
               <a:t>⑤</a:t>
             </a:r>
             <a:r>
-              <a:rPr lang="en-US" altLang="ja-JP" sz="900" b="1" dirty="0">
+              <a:rPr lang="en-US" altLang="ja-JP" sz="800" b="1" dirty="0">
                 <a:solidFill>
                   <a:srgbClr val="FFFF00"/>
                 </a:solidFill>
@@ -7404,15 +7425,15 @@
               <a:t> </a:t>
             </a:r>
             <a:r>
-              <a:rPr lang="en-US" altLang="ja-JP" sz="900" b="1" dirty="0"/>
+              <a:rPr lang="en-US" altLang="ja-JP" sz="800" b="1" dirty="0"/>
               <a:t>+ NN</a:t>
             </a:r>
             <a:r>
-              <a:rPr lang="ja-JP" altLang="en-US" sz="900" b="1"/>
+              <a:rPr lang="ja-JP" altLang="en-US" sz="800" b="1"/>
               <a:t>（</a:t>
             </a:r>
             <a:r>
-              <a:rPr lang="en-US" altLang="ja-JP" sz="900" b="1" dirty="0">
+              <a:rPr lang="en-US" altLang="ja-JP" sz="800" b="1" dirty="0">
                 <a:solidFill>
                   <a:srgbClr val="FFFF00"/>
                 </a:solidFill>
@@ -7420,10 +7441,10 @@
               <a:t>wmlogloss</a:t>
             </a:r>
             <a:r>
-              <a:rPr lang="en-US" altLang="ja-JP" sz="900" b="1" dirty="0"/>
+              <a:rPr lang="en-US" altLang="ja-JP" sz="800" b="1" dirty="0"/>
               <a:t>)</a:t>
             </a:r>
-            <a:endParaRPr kumimoji="1" lang="ja-JP" altLang="en-US" sz="900" b="1"/>
+            <a:endParaRPr kumimoji="1" lang="ja-JP" altLang="en-US" sz="800" b="1"/>
           </a:p>
         </p:txBody>
       </p:sp>
@@ -7432,7 +7453,7 @@
           <p:cNvPr id="47" name="テキスト ボックス 46">
             <a:extLst>
               <a:ext uri="{FF2B5EF4-FFF2-40B4-BE49-F238E27FC236}">
-                <a16:creationId xmlns:a16="http://schemas.microsoft.com/office/drawing/2014/main" id="{C0ABC2E1-E022-5449-9354-78C1F4A66126}"/>
+                <a16:creationId xmlns:a16="http://schemas.microsoft.com/office/drawing/2014/main" xmlns="" id="{C0ABC2E1-E022-5449-9354-78C1F4A66126}"/>
               </a:ext>
             </a:extLst>
           </p:cNvPr>
@@ -7441,8 +7462,8 @@
         </p:nvSpPr>
         <p:spPr>
           <a:xfrm>
-            <a:off x="3195989" y="5854655"/>
-            <a:ext cx="1513242" cy="230832"/>
+            <a:off x="2538522" y="6440072"/>
+            <a:ext cx="1346075" cy="215444"/>
           </a:xfrm>
           <a:prstGeom prst="rect">
             <a:avLst/>
@@ -7450,7 +7471,10 @@
           <a:noFill/>
           <a:ln>
             <a:solidFill>
-              <a:schemeClr val="tx1"/>
+              <a:schemeClr val="accent1">
+                <a:lumMod val="20000"/>
+                <a:lumOff val="80000"/>
+              </a:schemeClr>
             </a:solidFill>
           </a:ln>
         </p:spPr>
@@ -7461,7 +7485,7 @@
           <a:lstStyle/>
           <a:p>
             <a:r>
-              <a:rPr lang="ja-JP" altLang="en-US" sz="900" b="1">
+              <a:rPr lang="ja-JP" altLang="en-US" sz="800" b="1">
                 <a:solidFill>
                   <a:srgbClr val="FFFF00"/>
                 </a:solidFill>
@@ -7469,7 +7493,7 @@
               <a:t>①</a:t>
             </a:r>
             <a:r>
-              <a:rPr lang="en-US" altLang="ja-JP" sz="900" b="1" dirty="0">
+              <a:rPr lang="en-US" altLang="ja-JP" sz="800" b="1" dirty="0">
                 <a:solidFill>
                   <a:srgbClr val="FFFF00"/>
                 </a:solidFill>
@@ -7477,7 +7501,7 @@
               <a:t> </a:t>
             </a:r>
             <a:r>
-              <a:rPr lang="ja-JP" altLang="en-US" sz="900" b="1">
+              <a:rPr lang="ja-JP" altLang="en-US" sz="800" b="1">
                 <a:solidFill>
                   <a:srgbClr val="FFFF00"/>
                 </a:solidFill>
@@ -7485,7 +7509,7 @@
               <a:t>⑤</a:t>
             </a:r>
             <a:r>
-              <a:rPr lang="en-US" altLang="ja-JP" sz="900" b="1" dirty="0">
+              <a:rPr lang="en-US" altLang="ja-JP" sz="800" b="1" dirty="0">
                 <a:solidFill>
                   <a:srgbClr val="FFFF00"/>
                 </a:solidFill>
@@ -7493,15 +7517,15 @@
               <a:t> </a:t>
             </a:r>
             <a:r>
-              <a:rPr lang="en-US" altLang="ja-JP" sz="900" b="1" dirty="0"/>
+              <a:rPr lang="en-US" altLang="ja-JP" sz="800" b="1" dirty="0"/>
               <a:t>+ NN</a:t>
             </a:r>
             <a:r>
-              <a:rPr lang="ja-JP" altLang="en-US" sz="900" b="1"/>
+              <a:rPr lang="ja-JP" altLang="en-US" sz="800" b="1"/>
               <a:t>（</a:t>
             </a:r>
             <a:r>
-              <a:rPr lang="en-US" altLang="ja-JP" sz="900" b="1" dirty="0">
+              <a:rPr lang="en-US" altLang="ja-JP" sz="800" b="1" dirty="0">
                 <a:solidFill>
                   <a:srgbClr val="00B0F0"/>
                 </a:solidFill>
@@ -7509,10 +7533,10 @@
               <a:t>mlogloss</a:t>
             </a:r>
             <a:r>
-              <a:rPr lang="en-US" altLang="ja-JP" sz="900" b="1" dirty="0"/>
+              <a:rPr lang="en-US" altLang="ja-JP" sz="800" b="1" dirty="0"/>
               <a:t>)</a:t>
             </a:r>
-            <a:endParaRPr kumimoji="1" lang="ja-JP" altLang="en-US" sz="900" b="1"/>
+            <a:endParaRPr kumimoji="1" lang="ja-JP" altLang="en-US" sz="800" b="1"/>
           </a:p>
         </p:txBody>
       </p:sp>
@@ -7521,7 +7545,7 @@
           <p:cNvPr id="48" name="角丸四角形 47">
             <a:extLst>
               <a:ext uri="{FF2B5EF4-FFF2-40B4-BE49-F238E27FC236}">
-                <a16:creationId xmlns:a16="http://schemas.microsoft.com/office/drawing/2014/main" id="{B9D7EDDC-AB75-574C-B17C-B9491BBC8F00}"/>
+                <a16:creationId xmlns:a16="http://schemas.microsoft.com/office/drawing/2014/main" xmlns="" id="{B9D7EDDC-AB75-574C-B17C-B9491BBC8F00}"/>
               </a:ext>
             </a:extLst>
           </p:cNvPr>
@@ -7530,8 +7554,8 @@
         </p:nvSpPr>
         <p:spPr>
           <a:xfrm>
-            <a:off x="2879015" y="1294133"/>
-            <a:ext cx="2367144" cy="948397"/>
+            <a:off x="2335714" y="1879550"/>
+            <a:ext cx="2778100" cy="948397"/>
           </a:xfrm>
           <a:prstGeom prst="roundRect">
             <a:avLst/>
@@ -7574,7 +7598,7 @@
           <p:cNvPr id="49" name="テキスト ボックス 48">
             <a:extLst>
               <a:ext uri="{FF2B5EF4-FFF2-40B4-BE49-F238E27FC236}">
-                <a16:creationId xmlns:a16="http://schemas.microsoft.com/office/drawing/2014/main" id="{52841485-0D4F-F442-8ACE-31D6627A0540}"/>
+                <a16:creationId xmlns:a16="http://schemas.microsoft.com/office/drawing/2014/main" xmlns="" id="{52841485-0D4F-F442-8ACE-31D6627A0540}"/>
               </a:ext>
             </a:extLst>
           </p:cNvPr>
@@ -7583,8 +7607,8 @@
         </p:nvSpPr>
         <p:spPr>
           <a:xfrm>
-            <a:off x="3195989" y="1413762"/>
-            <a:ext cx="1513242" cy="230832"/>
+            <a:off x="2538522" y="2088479"/>
+            <a:ext cx="1346075" cy="215444"/>
           </a:xfrm>
           <a:prstGeom prst="rect">
             <a:avLst/>
@@ -7592,7 +7616,10 @@
           <a:noFill/>
           <a:ln>
             <a:solidFill>
-              <a:schemeClr val="tx1"/>
+              <a:schemeClr val="accent1">
+                <a:lumMod val="20000"/>
+                <a:lumOff val="80000"/>
+              </a:schemeClr>
             </a:solidFill>
             <a:round/>
           </a:ln>
@@ -7604,7 +7631,7 @@
           <a:lstStyle/>
           <a:p>
             <a:r>
-              <a:rPr lang="ja-JP" altLang="en-US" sz="900" b="1">
+              <a:rPr lang="ja-JP" altLang="en-US" sz="800" b="1" dirty="0">
                 <a:solidFill>
                   <a:srgbClr val="FFFF00"/>
                 </a:solidFill>
@@ -7612,7 +7639,7 @@
               <a:t>①</a:t>
             </a:r>
             <a:r>
-              <a:rPr lang="en-US" altLang="ja-JP" sz="900" b="1" dirty="0">
+              <a:rPr lang="en-US" altLang="ja-JP" sz="800" b="1" dirty="0">
                 <a:solidFill>
                   <a:srgbClr val="FFFF00"/>
                 </a:solidFill>
@@ -7620,7 +7647,7 @@
               <a:t> </a:t>
             </a:r>
             <a:r>
-              <a:rPr lang="ja-JP" altLang="en-US" sz="900" b="1">
+              <a:rPr lang="ja-JP" altLang="en-US" sz="800" b="1" dirty="0">
                 <a:solidFill>
                   <a:srgbClr val="FFFF00"/>
                 </a:solidFill>
@@ -7628,7 +7655,7 @@
               <a:t>③</a:t>
             </a:r>
             <a:r>
-              <a:rPr lang="en-US" altLang="ja-JP" sz="900" b="1" dirty="0">
+              <a:rPr lang="en-US" altLang="ja-JP" sz="800" b="1" dirty="0">
                 <a:solidFill>
                   <a:srgbClr val="FFFF00"/>
                 </a:solidFill>
@@ -7636,15 +7663,15 @@
               <a:t> </a:t>
             </a:r>
             <a:r>
-              <a:rPr lang="en-US" altLang="ja-JP" sz="900" b="1" dirty="0"/>
+              <a:rPr lang="en-US" altLang="ja-JP" sz="800" b="1" dirty="0"/>
               <a:t>+ LGB</a:t>
             </a:r>
             <a:r>
-              <a:rPr lang="ja-JP" altLang="en-US" sz="900" b="1"/>
+              <a:rPr lang="ja-JP" altLang="en-US" sz="800" b="1" dirty="0"/>
               <a:t>（</a:t>
             </a:r>
             <a:r>
-              <a:rPr lang="en-US" altLang="ja-JP" sz="900" b="1" dirty="0">
+              <a:rPr lang="en-US" altLang="ja-JP" sz="800" b="1" dirty="0" err="1">
                 <a:solidFill>
                   <a:srgbClr val="FFFF00"/>
                 </a:solidFill>
@@ -7652,10 +7679,14 @@
               <a:t>wmlogloss</a:t>
             </a:r>
             <a:r>
-              <a:rPr lang="en-US" altLang="ja-JP" sz="900" b="1" dirty="0"/>
+              <a:rPr lang="en-US" altLang="ja-JP" sz="800" b="1" dirty="0" smtClean="0"/>
               <a:t>)</a:t>
             </a:r>
-            <a:endParaRPr kumimoji="1" lang="ja-JP" altLang="en-US" sz="900" b="1"/>
+            <a:r>
+              <a:rPr lang="en-US" altLang="ja-JP" sz="800" b="1" dirty="0" smtClean="0"/>
+              <a:t> </a:t>
+            </a:r>
+            <a:endParaRPr kumimoji="1" lang="ja-JP" altLang="en-US" sz="800" b="1" dirty="0"/>
           </a:p>
         </p:txBody>
       </p:sp>
@@ -7664,7 +7695,7 @@
           <p:cNvPr id="50" name="テキスト ボックス 49">
             <a:extLst>
               <a:ext uri="{FF2B5EF4-FFF2-40B4-BE49-F238E27FC236}">
-                <a16:creationId xmlns:a16="http://schemas.microsoft.com/office/drawing/2014/main" id="{A30937D9-D5A9-944F-A0C2-BD4E19FFAC03}"/>
+                <a16:creationId xmlns:a16="http://schemas.microsoft.com/office/drawing/2014/main" xmlns="" id="{A30937D9-D5A9-944F-A0C2-BD4E19FFAC03}"/>
               </a:ext>
             </a:extLst>
           </p:cNvPr>
@@ -7673,8 +7704,8 @@
         </p:nvSpPr>
         <p:spPr>
           <a:xfrm>
-            <a:off x="3195989" y="1812760"/>
-            <a:ext cx="1513242" cy="230832"/>
+            <a:off x="2538522" y="2427298"/>
+            <a:ext cx="1346075" cy="215444"/>
           </a:xfrm>
           <a:prstGeom prst="rect">
             <a:avLst/>
@@ -7682,7 +7713,10 @@
           <a:noFill/>
           <a:ln>
             <a:solidFill>
-              <a:schemeClr val="tx1"/>
+              <a:schemeClr val="accent1">
+                <a:lumMod val="20000"/>
+                <a:lumOff val="80000"/>
+              </a:schemeClr>
             </a:solidFill>
           </a:ln>
         </p:spPr>
@@ -7693,7 +7727,7 @@
           <a:lstStyle/>
           <a:p>
             <a:r>
-              <a:rPr lang="ja-JP" altLang="en-US" sz="900" b="1">
+              <a:rPr lang="ja-JP" altLang="en-US" sz="800" b="1">
                 <a:solidFill>
                   <a:srgbClr val="FFFF00"/>
                 </a:solidFill>
@@ -7701,7 +7735,7 @@
               <a:t>①</a:t>
             </a:r>
             <a:r>
-              <a:rPr lang="en-US" altLang="ja-JP" sz="900" b="1" dirty="0">
+              <a:rPr lang="en-US" altLang="ja-JP" sz="800" b="1" dirty="0">
                 <a:solidFill>
                   <a:srgbClr val="FFFF00"/>
                 </a:solidFill>
@@ -7709,7 +7743,7 @@
               <a:t> </a:t>
             </a:r>
             <a:r>
-              <a:rPr lang="ja-JP" altLang="en-US" sz="900" b="1">
+              <a:rPr lang="ja-JP" altLang="en-US" sz="800" b="1">
                 <a:solidFill>
                   <a:srgbClr val="FFFF00"/>
                 </a:solidFill>
@@ -7717,7 +7751,7 @@
               <a:t>③</a:t>
             </a:r>
             <a:r>
-              <a:rPr lang="en-US" altLang="ja-JP" sz="900" b="1" dirty="0">
+              <a:rPr lang="en-US" altLang="ja-JP" sz="800" b="1" dirty="0">
                 <a:solidFill>
                   <a:srgbClr val="FFFF00"/>
                 </a:solidFill>
@@ -7725,15 +7759,15 @@
               <a:t> </a:t>
             </a:r>
             <a:r>
-              <a:rPr lang="en-US" altLang="ja-JP" sz="900" b="1" dirty="0"/>
+              <a:rPr lang="en-US" altLang="ja-JP" sz="800" b="1" dirty="0"/>
               <a:t>+ LGB</a:t>
             </a:r>
             <a:r>
-              <a:rPr lang="ja-JP" altLang="en-US" sz="900" b="1"/>
+              <a:rPr lang="ja-JP" altLang="en-US" sz="800" b="1"/>
               <a:t>（</a:t>
             </a:r>
             <a:r>
-              <a:rPr lang="en-US" altLang="ja-JP" sz="900" b="1" dirty="0">
+              <a:rPr lang="en-US" altLang="ja-JP" sz="800" b="1" dirty="0">
                 <a:solidFill>
                   <a:srgbClr val="00B0F0"/>
                 </a:solidFill>
@@ -7741,10 +7775,10 @@
               <a:t>mlogloss</a:t>
             </a:r>
             <a:r>
-              <a:rPr lang="en-US" altLang="ja-JP" sz="900" b="1" dirty="0"/>
+              <a:rPr lang="en-US" altLang="ja-JP" sz="800" b="1" dirty="0"/>
               <a:t>)</a:t>
             </a:r>
-            <a:endParaRPr kumimoji="1" lang="ja-JP" altLang="en-US" sz="900" b="1"/>
+            <a:endParaRPr kumimoji="1" lang="ja-JP" altLang="en-US" sz="800" b="1"/>
           </a:p>
         </p:txBody>
       </p:sp>
@@ -7753,7 +7787,7 @@
           <p:cNvPr id="53" name="角丸四角形 52">
             <a:extLst>
               <a:ext uri="{FF2B5EF4-FFF2-40B4-BE49-F238E27FC236}">
-                <a16:creationId xmlns:a16="http://schemas.microsoft.com/office/drawing/2014/main" id="{1A0A63B6-AA15-6A45-BB11-0E9A1BD8608A}"/>
+                <a16:creationId xmlns:a16="http://schemas.microsoft.com/office/drawing/2014/main" xmlns="" id="{1A0A63B6-AA15-6A45-BB11-0E9A1BD8608A}"/>
               </a:ext>
             </a:extLst>
           </p:cNvPr>
@@ -7762,8 +7796,8 @@
         </p:nvSpPr>
         <p:spPr>
           <a:xfrm>
-            <a:off x="2879015" y="179684"/>
-            <a:ext cx="2367144" cy="849683"/>
+            <a:off x="2417210" y="179684"/>
+            <a:ext cx="2778100" cy="1429290"/>
           </a:xfrm>
           <a:prstGeom prst="roundRect">
             <a:avLst/>
@@ -7806,7 +7840,7 @@
           <p:cNvPr id="54" name="テキスト ボックス 53">
             <a:extLst>
               <a:ext uri="{FF2B5EF4-FFF2-40B4-BE49-F238E27FC236}">
-                <a16:creationId xmlns:a16="http://schemas.microsoft.com/office/drawing/2014/main" id="{087C30F6-B626-BB46-899C-2FD749016440}"/>
+                <a16:creationId xmlns:a16="http://schemas.microsoft.com/office/drawing/2014/main" xmlns="" id="{087C30F6-B626-BB46-899C-2FD749016440}"/>
               </a:ext>
             </a:extLst>
           </p:cNvPr>
@@ -7815,8 +7849,8 @@
         </p:nvSpPr>
         <p:spPr>
           <a:xfrm>
-            <a:off x="3195989" y="283897"/>
-            <a:ext cx="1513242" cy="230832"/>
+            <a:off x="2620018" y="283897"/>
+            <a:ext cx="1346075" cy="215444"/>
           </a:xfrm>
           <a:prstGeom prst="rect">
             <a:avLst/>
@@ -7824,7 +7858,10 @@
           <a:noFill/>
           <a:ln>
             <a:solidFill>
-              <a:schemeClr val="tx1"/>
+              <a:schemeClr val="accent1">
+                <a:lumMod val="20000"/>
+                <a:lumOff val="80000"/>
+              </a:schemeClr>
             </a:solidFill>
             <a:round/>
           </a:ln>
@@ -7836,7 +7873,7 @@
           <a:lstStyle/>
           <a:p>
             <a:r>
-              <a:rPr lang="ja-JP" altLang="en-US" sz="900" b="1">
+              <a:rPr lang="ja-JP" altLang="en-US" sz="800" b="1" dirty="0">
                 <a:solidFill>
                   <a:srgbClr val="FFFF00"/>
                 </a:solidFill>
@@ -7844,7 +7881,7 @@
               <a:t>①</a:t>
             </a:r>
             <a:r>
-              <a:rPr lang="en-US" altLang="ja-JP" sz="900" b="1" dirty="0">
+              <a:rPr lang="en-US" altLang="ja-JP" sz="800" b="1" dirty="0">
                 <a:solidFill>
                   <a:srgbClr val="FFFF00"/>
                 </a:solidFill>
@@ -7852,7 +7889,7 @@
               <a:t> </a:t>
             </a:r>
             <a:r>
-              <a:rPr lang="ja-JP" altLang="en-US" sz="900" b="1">
+              <a:rPr lang="ja-JP" altLang="en-US" sz="800" b="1" dirty="0">
                 <a:solidFill>
                   <a:srgbClr val="FFFF00"/>
                 </a:solidFill>
@@ -7860,7 +7897,7 @@
               <a:t>②</a:t>
             </a:r>
             <a:r>
-              <a:rPr lang="en-US" altLang="ja-JP" sz="900" b="1" dirty="0">
+              <a:rPr lang="en-US" altLang="ja-JP" sz="800" b="1" dirty="0">
                 <a:solidFill>
                   <a:srgbClr val="FFFF00"/>
                 </a:solidFill>
@@ -7868,15 +7905,15 @@
               <a:t> </a:t>
             </a:r>
             <a:r>
-              <a:rPr lang="en-US" altLang="ja-JP" sz="900" b="1" dirty="0"/>
+              <a:rPr lang="en-US" altLang="ja-JP" sz="800" b="1" dirty="0"/>
               <a:t>+ LGB</a:t>
             </a:r>
             <a:r>
-              <a:rPr lang="ja-JP" altLang="en-US" sz="900" b="1"/>
+              <a:rPr lang="ja-JP" altLang="en-US" sz="800" b="1" dirty="0"/>
               <a:t>（</a:t>
             </a:r>
             <a:r>
-              <a:rPr lang="en-US" altLang="ja-JP" sz="900" b="1" dirty="0">
+              <a:rPr lang="en-US" altLang="ja-JP" sz="800" b="1" dirty="0">
                 <a:solidFill>
                   <a:srgbClr val="FFFF00"/>
                 </a:solidFill>
@@ -7884,10 +7921,10 @@
               <a:t>wmlogloss</a:t>
             </a:r>
             <a:r>
-              <a:rPr lang="en-US" altLang="ja-JP" sz="900" b="1" dirty="0"/>
+              <a:rPr lang="en-US" altLang="ja-JP" sz="800" b="1" dirty="0"/>
               <a:t>)</a:t>
             </a:r>
-            <a:endParaRPr kumimoji="1" lang="ja-JP" altLang="en-US" sz="900" b="1"/>
+            <a:endParaRPr kumimoji="1" lang="ja-JP" altLang="en-US" sz="800" b="1" dirty="0"/>
           </a:p>
         </p:txBody>
       </p:sp>
@@ -7896,7 +7933,7 @@
           <p:cNvPr id="55" name="テキスト ボックス 54">
             <a:extLst>
               <a:ext uri="{FF2B5EF4-FFF2-40B4-BE49-F238E27FC236}">
-                <a16:creationId xmlns:a16="http://schemas.microsoft.com/office/drawing/2014/main" id="{EF4CCF28-5608-E042-B858-A496738A59DF}"/>
+                <a16:creationId xmlns:a16="http://schemas.microsoft.com/office/drawing/2014/main" xmlns="" id="{EF4CCF28-5608-E042-B858-A496738A59DF}"/>
               </a:ext>
             </a:extLst>
           </p:cNvPr>
@@ -7905,8 +7942,8 @@
         </p:nvSpPr>
         <p:spPr>
           <a:xfrm>
-            <a:off x="3195989" y="646476"/>
-            <a:ext cx="1513242" cy="230832"/>
+            <a:off x="2620018" y="646476"/>
+            <a:ext cx="1346075" cy="215444"/>
           </a:xfrm>
           <a:prstGeom prst="rect">
             <a:avLst/>
@@ -7914,7 +7951,10 @@
           <a:noFill/>
           <a:ln>
             <a:solidFill>
-              <a:schemeClr val="tx1"/>
+              <a:schemeClr val="accent1">
+                <a:lumMod val="20000"/>
+                <a:lumOff val="80000"/>
+              </a:schemeClr>
             </a:solidFill>
           </a:ln>
         </p:spPr>
@@ -7925,7 +7965,7 @@
           <a:lstStyle/>
           <a:p>
             <a:r>
-              <a:rPr lang="ja-JP" altLang="en-US" sz="900" b="1">
+              <a:rPr lang="ja-JP" altLang="en-US" sz="800" b="1">
                 <a:solidFill>
                   <a:srgbClr val="FFFF00"/>
                 </a:solidFill>
@@ -7933,7 +7973,7 @@
               <a:t>①</a:t>
             </a:r>
             <a:r>
-              <a:rPr lang="en-US" altLang="ja-JP" sz="900" b="1" dirty="0">
+              <a:rPr lang="en-US" altLang="ja-JP" sz="800" b="1" dirty="0">
                 <a:solidFill>
                   <a:srgbClr val="FFFF00"/>
                 </a:solidFill>
@@ -7941,7 +7981,7 @@
               <a:t> </a:t>
             </a:r>
             <a:r>
-              <a:rPr lang="ja-JP" altLang="en-US" sz="900" b="1">
+              <a:rPr lang="ja-JP" altLang="en-US" sz="800" b="1">
                 <a:solidFill>
                   <a:srgbClr val="FFFF00"/>
                 </a:solidFill>
@@ -7949,7 +7989,7 @@
               <a:t>②</a:t>
             </a:r>
             <a:r>
-              <a:rPr lang="en-US" altLang="ja-JP" sz="900" b="1" dirty="0">
+              <a:rPr lang="en-US" altLang="ja-JP" sz="800" b="1" dirty="0">
                 <a:solidFill>
                   <a:srgbClr val="FFFF00"/>
                 </a:solidFill>
@@ -7957,15 +7997,15 @@
               <a:t> </a:t>
             </a:r>
             <a:r>
-              <a:rPr lang="en-US" altLang="ja-JP" sz="900" b="1" dirty="0"/>
+              <a:rPr lang="en-US" altLang="ja-JP" sz="800" b="1" dirty="0"/>
               <a:t>+ LGB</a:t>
             </a:r>
             <a:r>
-              <a:rPr lang="ja-JP" altLang="en-US" sz="900" b="1"/>
+              <a:rPr lang="ja-JP" altLang="en-US" sz="800" b="1"/>
               <a:t>（</a:t>
             </a:r>
             <a:r>
-              <a:rPr lang="en-US" altLang="ja-JP" sz="900" b="1" dirty="0">
+              <a:rPr lang="en-US" altLang="ja-JP" sz="800" b="1" dirty="0">
                 <a:solidFill>
                   <a:srgbClr val="00B0F0"/>
                 </a:solidFill>
@@ -7973,10 +8013,10 @@
               <a:t>mlogloss</a:t>
             </a:r>
             <a:r>
-              <a:rPr lang="en-US" altLang="ja-JP" sz="900" b="1" dirty="0"/>
+              <a:rPr lang="en-US" altLang="ja-JP" sz="800" b="1" dirty="0"/>
               <a:t>)</a:t>
             </a:r>
-            <a:endParaRPr kumimoji="1" lang="ja-JP" altLang="en-US" sz="900" b="1"/>
+            <a:endParaRPr kumimoji="1" lang="ja-JP" altLang="en-US" sz="800" b="1"/>
           </a:p>
         </p:txBody>
       </p:sp>
@@ -7985,7 +8025,7 @@
           <p:cNvPr id="56" name="テキスト ボックス 55">
             <a:extLst>
               <a:ext uri="{FF2B5EF4-FFF2-40B4-BE49-F238E27FC236}">
-                <a16:creationId xmlns:a16="http://schemas.microsoft.com/office/drawing/2014/main" id="{E39FF524-597B-1549-BD0F-370BAD779412}"/>
+                <a16:creationId xmlns:a16="http://schemas.microsoft.com/office/drawing/2014/main" xmlns="" id="{E39FF524-597B-1549-BD0F-370BAD779412}"/>
               </a:ext>
             </a:extLst>
           </p:cNvPr>
@@ -7994,8 +8034,8 @@
         </p:nvSpPr>
         <p:spPr>
           <a:xfrm>
-            <a:off x="3195989" y="6180899"/>
-            <a:ext cx="1513242" cy="230832"/>
+            <a:off x="2620018" y="991855"/>
+            <a:ext cx="1346075" cy="215444"/>
           </a:xfrm>
           <a:prstGeom prst="rect">
             <a:avLst/>
@@ -8003,7 +8043,10 @@
           <a:noFill/>
           <a:ln>
             <a:solidFill>
-              <a:schemeClr val="tx1"/>
+              <a:schemeClr val="accent1">
+                <a:lumMod val="20000"/>
+                <a:lumOff val="80000"/>
+              </a:schemeClr>
             </a:solidFill>
           </a:ln>
         </p:spPr>
@@ -8014,7 +8057,7 @@
           <a:lstStyle/>
           <a:p>
             <a:r>
-              <a:rPr lang="ja-JP" altLang="en-US" sz="900" b="1">
+              <a:rPr lang="ja-JP" altLang="en-US" sz="800" b="1">
                 <a:solidFill>
                   <a:srgbClr val="FFFF00"/>
                 </a:solidFill>
@@ -8022,7 +8065,7 @@
               <a:t>①</a:t>
             </a:r>
             <a:r>
-              <a:rPr lang="en-US" altLang="ja-JP" sz="900" b="1" dirty="0">
+              <a:rPr lang="en-US" altLang="ja-JP" sz="800" b="1" dirty="0">
                 <a:solidFill>
                   <a:srgbClr val="FFFF00"/>
                 </a:solidFill>
@@ -8030,7 +8073,7 @@
               <a:t> </a:t>
             </a:r>
             <a:r>
-              <a:rPr lang="ja-JP" altLang="en-US" sz="900" b="1">
+              <a:rPr lang="ja-JP" altLang="en-US" sz="800" b="1">
                 <a:solidFill>
                   <a:srgbClr val="FFFF00"/>
                 </a:solidFill>
@@ -8038,7 +8081,7 @@
               <a:t>②</a:t>
             </a:r>
             <a:r>
-              <a:rPr lang="en-US" altLang="ja-JP" sz="900" b="1" dirty="0">
+              <a:rPr lang="en-US" altLang="ja-JP" sz="800" b="1" dirty="0">
                 <a:solidFill>
                   <a:srgbClr val="FFFF00"/>
                 </a:solidFill>
@@ -8046,15 +8089,15 @@
               <a:t> </a:t>
             </a:r>
             <a:r>
-              <a:rPr lang="en-US" altLang="ja-JP" sz="900" b="1" dirty="0"/>
+              <a:rPr lang="en-US" altLang="ja-JP" sz="800" b="1" dirty="0"/>
               <a:t>+ NN</a:t>
             </a:r>
             <a:r>
-              <a:rPr lang="ja-JP" altLang="en-US" sz="900" b="1"/>
+              <a:rPr lang="ja-JP" altLang="en-US" sz="800" b="1"/>
               <a:t>（</a:t>
             </a:r>
             <a:r>
-              <a:rPr lang="en-US" altLang="ja-JP" sz="900" b="1" dirty="0">
+              <a:rPr lang="en-US" altLang="ja-JP" sz="800" b="1" dirty="0">
                 <a:solidFill>
                   <a:srgbClr val="FFFF00"/>
                 </a:solidFill>
@@ -8062,10 +8105,10 @@
               <a:t>wmlogloss</a:t>
             </a:r>
             <a:r>
-              <a:rPr lang="en-US" altLang="ja-JP" sz="900" b="1" dirty="0"/>
+              <a:rPr lang="en-US" altLang="ja-JP" sz="800" b="1" dirty="0"/>
               <a:t>)</a:t>
             </a:r>
-            <a:endParaRPr kumimoji="1" lang="ja-JP" altLang="en-US" sz="900" b="1"/>
+            <a:endParaRPr kumimoji="1" lang="ja-JP" altLang="en-US" sz="800" b="1"/>
           </a:p>
         </p:txBody>
       </p:sp>
@@ -8074,7 +8117,7 @@
           <p:cNvPr id="57" name="テキスト ボックス 56">
             <a:extLst>
               <a:ext uri="{FF2B5EF4-FFF2-40B4-BE49-F238E27FC236}">
-                <a16:creationId xmlns:a16="http://schemas.microsoft.com/office/drawing/2014/main" id="{E58B886D-799A-3148-8AA5-C1841638F333}"/>
+                <a16:creationId xmlns:a16="http://schemas.microsoft.com/office/drawing/2014/main" xmlns="" id="{E58B886D-799A-3148-8AA5-C1841638F333}"/>
               </a:ext>
             </a:extLst>
           </p:cNvPr>
@@ -8083,8 +8126,8 @@
         </p:nvSpPr>
         <p:spPr>
           <a:xfrm>
-            <a:off x="3195989" y="6457136"/>
-            <a:ext cx="1513242" cy="230832"/>
+            <a:off x="2620018" y="1268092"/>
+            <a:ext cx="1346075" cy="215444"/>
           </a:xfrm>
           <a:prstGeom prst="rect">
             <a:avLst/>
@@ -8092,7 +8135,10 @@
           <a:noFill/>
           <a:ln>
             <a:solidFill>
-              <a:schemeClr val="tx1"/>
+              <a:schemeClr val="accent1">
+                <a:lumMod val="20000"/>
+                <a:lumOff val="80000"/>
+              </a:schemeClr>
             </a:solidFill>
           </a:ln>
         </p:spPr>
@@ -8103,7 +8149,7 @@
           <a:lstStyle/>
           <a:p>
             <a:r>
-              <a:rPr lang="ja-JP" altLang="en-US" sz="900" b="1">
+              <a:rPr lang="ja-JP" altLang="en-US" sz="800" b="1">
                 <a:solidFill>
                   <a:srgbClr val="FFFF00"/>
                 </a:solidFill>
@@ -8111,7 +8157,7 @@
               <a:t>①</a:t>
             </a:r>
             <a:r>
-              <a:rPr lang="en-US" altLang="ja-JP" sz="900" b="1" dirty="0">
+              <a:rPr lang="en-US" altLang="ja-JP" sz="800" b="1" dirty="0">
                 <a:solidFill>
                   <a:srgbClr val="FFFF00"/>
                 </a:solidFill>
@@ -8119,7 +8165,7 @@
               <a:t> </a:t>
             </a:r>
             <a:r>
-              <a:rPr lang="ja-JP" altLang="en-US" sz="900" b="1">
+              <a:rPr lang="ja-JP" altLang="en-US" sz="800" b="1">
                 <a:solidFill>
                   <a:srgbClr val="FFFF00"/>
                 </a:solidFill>
@@ -8127,7 +8173,7 @@
               <a:t>②</a:t>
             </a:r>
             <a:r>
-              <a:rPr lang="en-US" altLang="ja-JP" sz="900" b="1" dirty="0">
+              <a:rPr lang="en-US" altLang="ja-JP" sz="800" b="1" dirty="0">
                 <a:solidFill>
                   <a:srgbClr val="FFFF00"/>
                 </a:solidFill>
@@ -8135,15 +8181,15 @@
               <a:t> </a:t>
             </a:r>
             <a:r>
-              <a:rPr lang="en-US" altLang="ja-JP" sz="900" b="1" dirty="0"/>
+              <a:rPr lang="en-US" altLang="ja-JP" sz="800" b="1" dirty="0"/>
               <a:t>+ NN</a:t>
             </a:r>
             <a:r>
-              <a:rPr lang="ja-JP" altLang="en-US" sz="900" b="1"/>
+              <a:rPr lang="ja-JP" altLang="en-US" sz="800" b="1"/>
               <a:t>（</a:t>
             </a:r>
             <a:r>
-              <a:rPr lang="en-US" altLang="ja-JP" sz="900" b="1" dirty="0">
+              <a:rPr lang="en-US" altLang="ja-JP" sz="800" b="1" dirty="0">
                 <a:solidFill>
                   <a:srgbClr val="00B0F0"/>
                 </a:solidFill>
@@ -8151,10 +8197,10 @@
               <a:t>mlogloss</a:t>
             </a:r>
             <a:r>
-              <a:rPr lang="en-US" altLang="ja-JP" sz="900" b="1" dirty="0"/>
+              <a:rPr lang="en-US" altLang="ja-JP" sz="800" b="1" dirty="0"/>
               <a:t>)</a:t>
             </a:r>
-            <a:endParaRPr kumimoji="1" lang="ja-JP" altLang="en-US" sz="900" b="1"/>
+            <a:endParaRPr kumimoji="1" lang="ja-JP" altLang="en-US" sz="800" b="1"/>
           </a:p>
         </p:txBody>
       </p:sp>
@@ -8163,7 +8209,7 @@
           <p:cNvPr id="29" name="図 28">
             <a:extLst>
               <a:ext uri="{FF2B5EF4-FFF2-40B4-BE49-F238E27FC236}">
-                <a16:creationId xmlns:a16="http://schemas.microsoft.com/office/drawing/2014/main" id="{942FE2D3-D41D-0C4A-A942-0E987F45C1EE}"/>
+                <a16:creationId xmlns:a16="http://schemas.microsoft.com/office/drawing/2014/main" xmlns="" id="{942FE2D3-D41D-0C4A-A942-0E987F45C1EE}"/>
               </a:ext>
             </a:extLst>
           </p:cNvPr>
@@ -8180,8 +8226,8 @@
         </p:blipFill>
         <p:spPr>
           <a:xfrm>
-            <a:off x="2640185" y="1099636"/>
-            <a:ext cx="488949" cy="488949"/>
+            <a:off x="2172745" y="1741926"/>
+            <a:ext cx="299366" cy="299366"/>
           </a:xfrm>
           <a:prstGeom prst="rect">
             <a:avLst/>
@@ -8193,7 +8239,7 @@
           <p:cNvPr id="25" name="図 24">
             <a:extLst>
               <a:ext uri="{FF2B5EF4-FFF2-40B4-BE49-F238E27FC236}">
-                <a16:creationId xmlns:a16="http://schemas.microsoft.com/office/drawing/2014/main" id="{A7ADACBD-666E-284A-9EF6-141B02F9DB19}"/>
+                <a16:creationId xmlns:a16="http://schemas.microsoft.com/office/drawing/2014/main" xmlns="" id="{A7ADACBD-666E-284A-9EF6-141B02F9DB19}"/>
               </a:ext>
             </a:extLst>
           </p:cNvPr>
@@ -8210,8 +8256,8 @@
         </p:blipFill>
         <p:spPr>
           <a:xfrm>
-            <a:off x="2634541" y="38318"/>
-            <a:ext cx="491158" cy="491158"/>
+            <a:off x="2248596" y="96048"/>
+            <a:ext cx="300718" cy="300718"/>
           </a:xfrm>
           <a:prstGeom prst="rect">
             <a:avLst/>
@@ -8223,7 +8269,7 @@
           <p:cNvPr id="61" name="テキスト ボックス 60">
             <a:extLst>
               <a:ext uri="{FF2B5EF4-FFF2-40B4-BE49-F238E27FC236}">
-                <a16:creationId xmlns:a16="http://schemas.microsoft.com/office/drawing/2014/main" id="{00F71D8B-47F7-EA47-916E-F23CDF6F0DDC}"/>
+                <a16:creationId xmlns:a16="http://schemas.microsoft.com/office/drawing/2014/main" xmlns="" id="{00F71D8B-47F7-EA47-916E-F23CDF6F0DDC}"/>
               </a:ext>
             </a:extLst>
           </p:cNvPr>
@@ -8232,8 +8278,8 @@
         </p:nvSpPr>
         <p:spPr>
           <a:xfrm>
-            <a:off x="3195989" y="3889334"/>
-            <a:ext cx="1513242" cy="230832"/>
+            <a:off x="2538522" y="4474751"/>
+            <a:ext cx="1346075" cy="215444"/>
           </a:xfrm>
           <a:prstGeom prst="rect">
             <a:avLst/>
@@ -8241,7 +8287,10 @@
           <a:noFill/>
           <a:ln>
             <a:solidFill>
-              <a:schemeClr val="tx1"/>
+              <a:schemeClr val="accent1">
+                <a:lumMod val="20000"/>
+                <a:lumOff val="80000"/>
+              </a:schemeClr>
             </a:solidFill>
             <a:round/>
           </a:ln>
@@ -8253,7 +8302,7 @@
           <a:lstStyle/>
           <a:p>
             <a:r>
-              <a:rPr lang="ja-JP" altLang="en-US" sz="900" b="1">
+              <a:rPr lang="ja-JP" altLang="en-US" sz="800" b="1">
                 <a:solidFill>
                   <a:srgbClr val="FFFF00"/>
                 </a:solidFill>
@@ -8261,7 +8310,7 @@
               <a:t>①</a:t>
             </a:r>
             <a:r>
-              <a:rPr lang="en-US" altLang="ja-JP" sz="900" b="1" dirty="0">
+              <a:rPr lang="en-US" altLang="ja-JP" sz="800" b="1" dirty="0">
                 <a:solidFill>
                   <a:srgbClr val="FFFF00"/>
                 </a:solidFill>
@@ -8269,7 +8318,7 @@
               <a:t> </a:t>
             </a:r>
             <a:r>
-              <a:rPr lang="ja-JP" altLang="en-US" sz="900" b="1">
+              <a:rPr lang="ja-JP" altLang="en-US" sz="800" b="1">
                 <a:solidFill>
                   <a:srgbClr val="FFFF00"/>
                 </a:solidFill>
@@ -8277,7 +8326,7 @@
               <a:t>③</a:t>
             </a:r>
             <a:r>
-              <a:rPr lang="en-US" altLang="ja-JP" sz="900" b="1" dirty="0">
+              <a:rPr lang="en-US" altLang="ja-JP" sz="800" b="1" dirty="0">
                 <a:solidFill>
                   <a:srgbClr val="FFFF00"/>
                 </a:solidFill>
@@ -8285,15 +8334,15 @@
               <a:t> </a:t>
             </a:r>
             <a:r>
-              <a:rPr lang="en-US" altLang="ja-JP" sz="900" b="1" dirty="0"/>
+              <a:rPr lang="en-US" altLang="ja-JP" sz="800" b="1" dirty="0"/>
               <a:t>+ NN</a:t>
             </a:r>
             <a:r>
-              <a:rPr lang="ja-JP" altLang="en-US" sz="900" b="1"/>
+              <a:rPr lang="ja-JP" altLang="en-US" sz="800" b="1"/>
               <a:t>（</a:t>
             </a:r>
             <a:r>
-              <a:rPr lang="en-US" altLang="ja-JP" sz="900" b="1" dirty="0">
+              <a:rPr lang="en-US" altLang="ja-JP" sz="800" b="1" dirty="0">
                 <a:solidFill>
                   <a:srgbClr val="FFFF00"/>
                 </a:solidFill>
@@ -8301,10 +8350,10 @@
               <a:t>wmlogloss</a:t>
             </a:r>
             <a:r>
-              <a:rPr lang="en-US" altLang="ja-JP" sz="900" b="1" dirty="0"/>
+              <a:rPr lang="en-US" altLang="ja-JP" sz="800" b="1" dirty="0"/>
               <a:t>)</a:t>
             </a:r>
-            <a:endParaRPr kumimoji="1" lang="ja-JP" altLang="en-US" sz="900" b="1"/>
+            <a:endParaRPr kumimoji="1" lang="ja-JP" altLang="en-US" sz="800" b="1"/>
           </a:p>
         </p:txBody>
       </p:sp>
@@ -8313,7 +8362,7 @@
           <p:cNvPr id="62" name="テキスト ボックス 61">
             <a:extLst>
               <a:ext uri="{FF2B5EF4-FFF2-40B4-BE49-F238E27FC236}">
-                <a16:creationId xmlns:a16="http://schemas.microsoft.com/office/drawing/2014/main" id="{9F489973-A950-5742-AC2B-A8EF24AF4695}"/>
+                <a16:creationId xmlns:a16="http://schemas.microsoft.com/office/drawing/2014/main" xmlns="" id="{9F489973-A950-5742-AC2B-A8EF24AF4695}"/>
               </a:ext>
             </a:extLst>
           </p:cNvPr>
@@ -8322,8 +8371,8 @@
         </p:nvSpPr>
         <p:spPr>
           <a:xfrm>
-            <a:off x="3195989" y="4190610"/>
-            <a:ext cx="1513242" cy="230832"/>
+            <a:off x="2538522" y="4776027"/>
+            <a:ext cx="1346075" cy="215444"/>
           </a:xfrm>
           <a:prstGeom prst="rect">
             <a:avLst/>
@@ -8331,7 +8380,10 @@
           <a:noFill/>
           <a:ln>
             <a:solidFill>
-              <a:schemeClr val="tx1"/>
+              <a:schemeClr val="accent1">
+                <a:lumMod val="20000"/>
+                <a:lumOff val="80000"/>
+              </a:schemeClr>
             </a:solidFill>
           </a:ln>
         </p:spPr>
@@ -8342,7 +8394,7 @@
           <a:lstStyle/>
           <a:p>
             <a:r>
-              <a:rPr lang="ja-JP" altLang="en-US" sz="900" b="1">
+              <a:rPr lang="ja-JP" altLang="en-US" sz="800" b="1">
                 <a:solidFill>
                   <a:srgbClr val="FFFF00"/>
                 </a:solidFill>
@@ -8350,7 +8402,7 @@
               <a:t>①</a:t>
             </a:r>
             <a:r>
-              <a:rPr lang="en-US" altLang="ja-JP" sz="900" b="1" dirty="0">
+              <a:rPr lang="en-US" altLang="ja-JP" sz="800" b="1" dirty="0">
                 <a:solidFill>
                   <a:srgbClr val="FFFF00"/>
                 </a:solidFill>
@@ -8358,7 +8410,7 @@
               <a:t> </a:t>
             </a:r>
             <a:r>
-              <a:rPr lang="ja-JP" altLang="en-US" sz="900" b="1">
+              <a:rPr lang="ja-JP" altLang="en-US" sz="800" b="1">
                 <a:solidFill>
                   <a:srgbClr val="FFFF00"/>
                 </a:solidFill>
@@ -8366,7 +8418,7 @@
               <a:t>③</a:t>
             </a:r>
             <a:r>
-              <a:rPr lang="en-US" altLang="ja-JP" sz="900" b="1" dirty="0">
+              <a:rPr lang="en-US" altLang="ja-JP" sz="800" b="1" dirty="0">
                 <a:solidFill>
                   <a:srgbClr val="FFFF00"/>
                 </a:solidFill>
@@ -8374,15 +8426,15 @@
               <a:t> </a:t>
             </a:r>
             <a:r>
-              <a:rPr lang="en-US" altLang="ja-JP" sz="900" b="1" dirty="0"/>
+              <a:rPr lang="en-US" altLang="ja-JP" sz="800" b="1" dirty="0"/>
               <a:t>+ NN</a:t>
             </a:r>
             <a:r>
-              <a:rPr lang="ja-JP" altLang="en-US" sz="900" b="1"/>
+              <a:rPr lang="ja-JP" altLang="en-US" sz="800" b="1"/>
               <a:t>（</a:t>
             </a:r>
             <a:r>
-              <a:rPr lang="en-US" altLang="ja-JP" sz="900" b="1" dirty="0">
+              <a:rPr lang="en-US" altLang="ja-JP" sz="800" b="1" dirty="0">
                 <a:solidFill>
                   <a:srgbClr val="00B0F0"/>
                 </a:solidFill>
@@ -8390,10 +8442,10 @@
               <a:t>mlogloss</a:t>
             </a:r>
             <a:r>
-              <a:rPr lang="en-US" altLang="ja-JP" sz="900" b="1" dirty="0"/>
+              <a:rPr lang="en-US" altLang="ja-JP" sz="800" b="1" dirty="0"/>
               <a:t>)</a:t>
             </a:r>
-            <a:endParaRPr kumimoji="1" lang="ja-JP" altLang="en-US" sz="900" b="1"/>
+            <a:endParaRPr kumimoji="1" lang="ja-JP" altLang="en-US" sz="800" b="1"/>
           </a:p>
         </p:txBody>
       </p:sp>
@@ -8402,7 +8454,7 @@
           <p:cNvPr id="64" name="図 63">
             <a:extLst>
               <a:ext uri="{FF2B5EF4-FFF2-40B4-BE49-F238E27FC236}">
-                <a16:creationId xmlns:a16="http://schemas.microsoft.com/office/drawing/2014/main" id="{CCC0EE8F-60A5-2E47-A74F-64210B41D397}"/>
+                <a16:creationId xmlns:a16="http://schemas.microsoft.com/office/drawing/2014/main" xmlns="" id="{CCC0EE8F-60A5-2E47-A74F-64210B41D397}"/>
               </a:ext>
             </a:extLst>
           </p:cNvPr>
@@ -8419,7 +8471,7 @@
         </p:blipFill>
         <p:spPr>
           <a:xfrm>
-            <a:off x="6162401" y="5808834"/>
+            <a:off x="6591690" y="5808834"/>
             <a:ext cx="776694" cy="776694"/>
           </a:xfrm>
           <a:prstGeom prst="rect">
@@ -8432,7 +8484,7 @@
           <p:cNvPr id="78" name="図 77">
             <a:extLst>
               <a:ext uri="{FF2B5EF4-FFF2-40B4-BE49-F238E27FC236}">
-                <a16:creationId xmlns:a16="http://schemas.microsoft.com/office/drawing/2014/main" id="{98DA3A20-B808-5040-B746-1DA6EAD42B3B}"/>
+                <a16:creationId xmlns:a16="http://schemas.microsoft.com/office/drawing/2014/main" xmlns="" id="{98DA3A20-B808-5040-B746-1DA6EAD42B3B}"/>
               </a:ext>
             </a:extLst>
           </p:cNvPr>
@@ -8449,7 +8501,7 @@
         </p:blipFill>
         <p:spPr>
           <a:xfrm>
-            <a:off x="6187555" y="2312422"/>
+            <a:off x="6616844" y="2312422"/>
             <a:ext cx="751540" cy="751540"/>
           </a:xfrm>
           <a:prstGeom prst="rect">
@@ -8462,7 +8514,7 @@
           <p:cNvPr id="154" name="角丸四角形 153">
             <a:extLst>
               <a:ext uri="{FF2B5EF4-FFF2-40B4-BE49-F238E27FC236}">
-                <a16:creationId xmlns:a16="http://schemas.microsoft.com/office/drawing/2014/main" id="{EC3E4D72-2555-1F46-801A-29130F76A783}"/>
+                <a16:creationId xmlns:a16="http://schemas.microsoft.com/office/drawing/2014/main" xmlns="" id="{EC3E4D72-2555-1F46-801A-29130F76A783}"/>
               </a:ext>
             </a:extLst>
           </p:cNvPr>
@@ -8471,7 +8523,7 @@
         </p:nvSpPr>
         <p:spPr>
           <a:xfrm>
-            <a:off x="5563133" y="283502"/>
+            <a:off x="5992422" y="283502"/>
             <a:ext cx="2000385" cy="2895875"/>
           </a:xfrm>
           <a:prstGeom prst="roundRect">
@@ -8512,7 +8564,7 @@
           <p:cNvPr id="155" name="テキスト ボックス 154">
             <a:extLst>
               <a:ext uri="{FF2B5EF4-FFF2-40B4-BE49-F238E27FC236}">
-                <a16:creationId xmlns:a16="http://schemas.microsoft.com/office/drawing/2014/main" id="{26AEDF4C-B7F6-2B45-8364-E77BD0721594}"/>
+                <a16:creationId xmlns:a16="http://schemas.microsoft.com/office/drawing/2014/main" xmlns="" id="{26AEDF4C-B7F6-2B45-8364-E77BD0721594}"/>
               </a:ext>
             </a:extLst>
           </p:cNvPr>
@@ -8521,7 +8573,7 @@
         </p:nvSpPr>
         <p:spPr>
           <a:xfrm>
-            <a:off x="5782502" y="467713"/>
+            <a:off x="6211791" y="467713"/>
             <a:ext cx="1561646" cy="307777"/>
           </a:xfrm>
           <a:prstGeom prst="rect">
@@ -8556,7 +8608,7 @@
           <p:cNvPr id="156" name="角丸四角形 155">
             <a:extLst>
               <a:ext uri="{FF2B5EF4-FFF2-40B4-BE49-F238E27FC236}">
-                <a16:creationId xmlns:a16="http://schemas.microsoft.com/office/drawing/2014/main" id="{D5CDBB9D-33C2-9D45-A3DD-4C0FAB9E7719}"/>
+                <a16:creationId xmlns:a16="http://schemas.microsoft.com/office/drawing/2014/main" xmlns="" id="{D5CDBB9D-33C2-9D45-A3DD-4C0FAB9E7719}"/>
               </a:ext>
             </a:extLst>
           </p:cNvPr>
@@ -8565,7 +8617,7 @@
         </p:nvSpPr>
         <p:spPr>
           <a:xfrm>
-            <a:off x="5563134" y="3865528"/>
+            <a:off x="5992423" y="3865528"/>
             <a:ext cx="2000384" cy="2798634"/>
           </a:xfrm>
           <a:prstGeom prst="roundRect">
@@ -8606,7 +8658,7 @@
           <p:cNvPr id="157" name="テキスト ボックス 156">
             <a:extLst>
               <a:ext uri="{FF2B5EF4-FFF2-40B4-BE49-F238E27FC236}">
-                <a16:creationId xmlns:a16="http://schemas.microsoft.com/office/drawing/2014/main" id="{248529FA-8E44-8145-873C-F17BFB7E1E0D}"/>
+                <a16:creationId xmlns:a16="http://schemas.microsoft.com/office/drawing/2014/main" xmlns="" id="{248529FA-8E44-8145-873C-F17BFB7E1E0D}"/>
               </a:ext>
             </a:extLst>
           </p:cNvPr>
@@ -8615,7 +8667,7 @@
         </p:nvSpPr>
         <p:spPr>
           <a:xfrm>
-            <a:off x="5846622" y="3980944"/>
+            <a:off x="6275911" y="3980944"/>
             <a:ext cx="1433406" cy="307777"/>
           </a:xfrm>
           <a:prstGeom prst="rect">
@@ -8653,7 +8705,7 @@
           <p:cNvPr id="158" name="テキスト ボックス 157">
             <a:extLst>
               <a:ext uri="{FF2B5EF4-FFF2-40B4-BE49-F238E27FC236}">
-                <a16:creationId xmlns:a16="http://schemas.microsoft.com/office/drawing/2014/main" id="{765651CA-B38A-A64F-8B7C-9F14350FE589}"/>
+                <a16:creationId xmlns:a16="http://schemas.microsoft.com/office/drawing/2014/main" xmlns="" id="{765651CA-B38A-A64F-8B7C-9F14350FE589}"/>
               </a:ext>
             </a:extLst>
           </p:cNvPr>
@@ -8662,7 +8714,7 @@
         </p:nvSpPr>
         <p:spPr>
           <a:xfrm>
-            <a:off x="5679121" y="992775"/>
+            <a:off x="6108410" y="992775"/>
             <a:ext cx="758477" cy="738664"/>
           </a:xfrm>
           <a:prstGeom prst="rect">
@@ -8704,7 +8756,7 @@
               </a:rPr>
               <a:t>Private:</a:t>
             </a:r>
-            <a:endParaRPr kumimoji="1" lang="ja-JP" altLang="en-US" sz="1400" b="1">
+            <a:endParaRPr kumimoji="1" lang="ja-JP" altLang="en-US" sz="1400" b="1" dirty="0">
               <a:solidFill>
                 <a:srgbClr val="FFFF00"/>
               </a:solidFill>
@@ -8717,7 +8769,7 @@
           <p:cNvPr id="159" name="テキスト ボックス 158">
             <a:extLst>
               <a:ext uri="{FF2B5EF4-FFF2-40B4-BE49-F238E27FC236}">
-                <a16:creationId xmlns:a16="http://schemas.microsoft.com/office/drawing/2014/main" id="{E0E01411-3AC4-AF43-86CA-CF3C9CB9F7C1}"/>
+                <a16:creationId xmlns:a16="http://schemas.microsoft.com/office/drawing/2014/main" xmlns="" id="{E0E01411-3AC4-AF43-86CA-CF3C9CB9F7C1}"/>
               </a:ext>
             </a:extLst>
           </p:cNvPr>
@@ -8726,7 +8778,7 @@
         </p:nvSpPr>
         <p:spPr>
           <a:xfrm>
-            <a:off x="5717699" y="4415514"/>
+            <a:off x="6146988" y="4415514"/>
             <a:ext cx="758477" cy="738664"/>
           </a:xfrm>
           <a:prstGeom prst="rect">
@@ -8768,7 +8820,7 @@
               </a:rPr>
               <a:t>Private:</a:t>
             </a:r>
-            <a:endParaRPr kumimoji="1" lang="ja-JP" altLang="en-US" sz="1400" b="1">
+            <a:endParaRPr kumimoji="1" lang="ja-JP" altLang="en-US" sz="1400" b="1" dirty="0">
               <a:solidFill>
                 <a:srgbClr val="00B0F0"/>
               </a:solidFill>
@@ -8781,24 +8833,25 @@
           <p:cNvPr id="161" name="カギ線コネクタ 160">
             <a:extLst>
               <a:ext uri="{FF2B5EF4-FFF2-40B4-BE49-F238E27FC236}">
-                <a16:creationId xmlns:a16="http://schemas.microsoft.com/office/drawing/2014/main" id="{F0DA3548-6508-0D4D-80BE-03E0FC4120F1}"/>
+                <a16:creationId xmlns:a16="http://schemas.microsoft.com/office/drawing/2014/main" xmlns="" id="{F0DA3548-6508-0D4D-80BE-03E0FC4120F1}"/>
               </a:ext>
             </a:extLst>
           </p:cNvPr>
           <p:cNvCxnSpPr>
             <a:cxnSpLocks/>
             <a:stCxn id="154" idx="3"/>
+            <a:endCxn id="177" idx="1"/>
           </p:cNvCxnSpPr>
           <p:nvPr/>
         </p:nvCxnSpPr>
         <p:spPr>
           <a:xfrm>
-            <a:off x="7563518" y="1731440"/>
-            <a:ext cx="1951418" cy="1704703"/>
+            <a:off x="7992807" y="1731440"/>
+            <a:ext cx="1570029" cy="1670829"/>
           </a:xfrm>
           <a:prstGeom prst="bentConnector3">
             <a:avLst>
-              <a:gd name="adj1" fmla="val 43811"/>
+              <a:gd name="adj1" fmla="val 50000"/>
             </a:avLst>
           </a:prstGeom>
           <a:ln w="34925">
@@ -8828,24 +8881,25 @@
           <p:cNvPr id="166" name="カギ線コネクタ 165">
             <a:extLst>
               <a:ext uri="{FF2B5EF4-FFF2-40B4-BE49-F238E27FC236}">
-                <a16:creationId xmlns:a16="http://schemas.microsoft.com/office/drawing/2014/main" id="{6E6DE9AB-38F8-FA4A-B6FE-E3B7B287F901}"/>
+                <a16:creationId xmlns:a16="http://schemas.microsoft.com/office/drawing/2014/main" xmlns="" id="{6E6DE9AB-38F8-FA4A-B6FE-E3B7B287F901}"/>
               </a:ext>
             </a:extLst>
           </p:cNvPr>
           <p:cNvCxnSpPr>
             <a:cxnSpLocks/>
             <a:stCxn id="156" idx="3"/>
+            <a:endCxn id="177" idx="1"/>
           </p:cNvCxnSpPr>
           <p:nvPr/>
         </p:nvCxnSpPr>
         <p:spPr>
           <a:xfrm flipV="1">
-            <a:off x="7563518" y="3436143"/>
-            <a:ext cx="1951418" cy="1828702"/>
+            <a:off x="7992807" y="3402269"/>
+            <a:ext cx="1570029" cy="1862576"/>
           </a:xfrm>
           <a:prstGeom prst="bentConnector3">
             <a:avLst>
-              <a:gd name="adj1" fmla="val 43811"/>
+              <a:gd name="adj1" fmla="val 50000"/>
             </a:avLst>
           </a:prstGeom>
           <a:ln w="34925">
@@ -8875,7 +8929,7 @@
           <p:cNvPr id="177" name="角丸四角形 176">
             <a:extLst>
               <a:ext uri="{FF2B5EF4-FFF2-40B4-BE49-F238E27FC236}">
-                <a16:creationId xmlns:a16="http://schemas.microsoft.com/office/drawing/2014/main" id="{E68416A7-A378-C14B-BED8-D595FEFD6F62}"/>
+                <a16:creationId xmlns:a16="http://schemas.microsoft.com/office/drawing/2014/main" xmlns="" id="{E68416A7-A378-C14B-BED8-D595FEFD6F62}"/>
               </a:ext>
             </a:extLst>
           </p:cNvPr>
@@ -8931,7 +8985,7 @@
           <p:cNvPr id="178" name="テキスト ボックス 177">
             <a:extLst>
               <a:ext uri="{FF2B5EF4-FFF2-40B4-BE49-F238E27FC236}">
-                <a16:creationId xmlns:a16="http://schemas.microsoft.com/office/drawing/2014/main" id="{7EBB8916-E182-4F40-8F48-AE4D4585BC2C}"/>
+                <a16:creationId xmlns:a16="http://schemas.microsoft.com/office/drawing/2014/main" xmlns="" id="{7EBB8916-E182-4F40-8F48-AE4D4585BC2C}"/>
               </a:ext>
             </a:extLst>
           </p:cNvPr>
@@ -8995,7 +9049,7 @@
           <p:cNvPr id="3" name="テキスト ボックス 2">
             <a:extLst>
               <a:ext uri="{FF2B5EF4-FFF2-40B4-BE49-F238E27FC236}">
-                <a16:creationId xmlns:a16="http://schemas.microsoft.com/office/drawing/2014/main" id="{27FD0545-D7B7-BB49-A226-53EEF600E939}"/>
+                <a16:creationId xmlns:a16="http://schemas.microsoft.com/office/drawing/2014/main" xmlns="" id="{27FD0545-D7B7-BB49-A226-53EEF600E939}"/>
               </a:ext>
             </a:extLst>
           </p:cNvPr>
@@ -9036,6 +9090,76 @@
               <a:t>Model Pipeline</a:t>
             </a:r>
             <a:endParaRPr kumimoji="1" lang="ja-JP" altLang="en-US" sz="2800" b="1"/>
+          </a:p>
+        </p:txBody>
+      </p:sp>
+      <p:sp>
+        <p:nvSpPr>
+          <p:cNvPr id="58" name="テキスト ボックス 57">
+            <a:extLst>
+              <a:ext uri="{FF2B5EF4-FFF2-40B4-BE49-F238E27FC236}">
+                <a16:creationId xmlns:a16="http://schemas.microsoft.com/office/drawing/2014/main" xmlns="" id="{765651CA-B38A-A64F-8B7C-9F14350FE589}"/>
+              </a:ext>
+            </a:extLst>
+          </p:cNvPr>
+          <p:cNvSpPr txBox="1"/>
+          <p:nvPr/>
+        </p:nvSpPr>
+        <p:spPr>
+          <a:xfrm>
+            <a:off x="3945717" y="2033428"/>
+            <a:ext cx="1086601" cy="600164"/>
+          </a:xfrm>
+          <a:prstGeom prst="rect">
+            <a:avLst/>
+          </a:prstGeom>
+          <a:noFill/>
+        </p:spPr>
+        <p:txBody>
+          <a:bodyPr wrap="square" rtlCol="0">
+            <a:spAutoFit/>
+          </a:bodyPr>
+          <a:lstStyle/>
+          <a:p>
+            <a:r>
+              <a:rPr kumimoji="1" lang="en-US" altLang="ja-JP" sz="1100" b="1" dirty="0"/>
+              <a:t>CV</a:t>
+            </a:r>
+            <a:r>
+              <a:rPr kumimoji="1" lang="en-US" altLang="ja-JP" sz="1100" b="1" dirty="0" smtClean="0"/>
+              <a:t>:</a:t>
+            </a:r>
+            <a:r>
+              <a:rPr kumimoji="1" lang="ja-JP" altLang="en-US" sz="1100" b="1" dirty="0" smtClean="0"/>
+              <a:t>　</a:t>
+            </a:r>
+            <a:r>
+              <a:rPr kumimoji="1" lang="en-US" altLang="ja-JP" sz="1100" b="1" dirty="0" smtClean="0"/>
+              <a:t>???</a:t>
+            </a:r>
+            <a:endParaRPr kumimoji="1" lang="en-US" altLang="ja-JP" sz="1100" b="1" dirty="0"/>
+          </a:p>
+          <a:p>
+            <a:r>
+              <a:rPr lang="en-US" altLang="ja-JP" sz="1100" b="1" dirty="0"/>
+              <a:t>Public</a:t>
+            </a:r>
+            <a:r>
+              <a:rPr lang="en-US" altLang="ja-JP" sz="1100" b="1" dirty="0" smtClean="0"/>
+              <a:t>:</a:t>
+            </a:r>
+            <a:r>
+              <a:rPr lang="en-US" altLang="ja-JP" sz="1100" b="1" dirty="0" smtClean="0"/>
+              <a:t> 0.888</a:t>
+            </a:r>
+            <a:endParaRPr lang="en-US" altLang="ja-JP" sz="1100" b="1" dirty="0"/>
+          </a:p>
+          <a:p>
+            <a:r>
+              <a:rPr kumimoji="1" lang="en-US" altLang="ja-JP" sz="1100" b="1" dirty="0"/>
+              <a:t>Private:</a:t>
+            </a:r>
+            <a:endParaRPr kumimoji="1" lang="ja-JP" altLang="en-US" sz="1100" b="1" dirty="0"/>
           </a:p>
         </p:txBody>
       </p:sp>
@@ -9095,7 +9219,7 @@
     </a:clrScheme>
     <a:fontScheme name="天空">
       <a:majorFont>
-        <a:latin typeface="Calibri Light" panose="020F0302020204030204"/>
+        <a:latin typeface="Calibri Light"/>
         <a:ea typeface=""/>
         <a:cs typeface=""/>
         <a:font script="Jpan" typeface="ＭＳ Ｐゴシック"/>
@@ -9130,7 +9254,7 @@
         <a:font script="Geor" typeface="Sylfaen"/>
       </a:majorFont>
       <a:minorFont>
-        <a:latin typeface="Calibri" panose="020F0502020204030204"/>
+        <a:latin typeface="Calibri"/>
         <a:ea typeface=""/>
         <a:cs typeface=""/>
         <a:font script="Jpan" typeface="ＭＳ Ｐゴシック"/>
@@ -9295,7 +9419,7 @@
   <a:extraClrSchemeLst/>
   <a:extLst>
     <a:ext uri="{05A4C25C-085E-4340-85A3-A5531E510DB2}">
-      <thm15:themeFamily xmlns:thm15="http://schemas.microsoft.com/office/thememl/2012/main" name="Celestial" id="{C4BB2A3D-0E93-4C5F-B0D2-9D3FCE089CC5}" vid="{42E5908D-19A2-46FD-89FA-638B126129EF}"/>
+      <thm15:themeFamily xmlns:thm15="http://schemas.microsoft.com/office/thememl/2012/main" xmlns="" name="Celestial" id="{C4BB2A3D-0E93-4C5F-B0D2-9D3FCE089CC5}" vid="{42E5908D-19A2-46FD-89FA-638B126129EF}"/>
     </a:ext>
   </a:extLst>
 </a:theme>

--- a/other/model_pipeline.pptx
+++ b/other/model_pipeline.pptx
@@ -106,7 +106,18 @@
   </p:defaultTextStyle>
   <p:extLst>
     <p:ext uri="{EFAFB233-063F-42B5-8137-9DF3F51BA10A}">
-      <p15:sldGuideLst xmlns:p15="http://schemas.microsoft.com/office/powerpoint/2012/main" xmlns=""/>
+      <p15:sldGuideLst xmlns:p15="http://schemas.microsoft.com/office/powerpoint/2012/main">
+        <p15:guide id="1" orient="horz" pos="2160">
+          <p15:clr>
+            <a:srgbClr val="A4A3A4"/>
+          </p15:clr>
+        </p15:guide>
+        <p15:guide id="2" pos="3840">
+          <p15:clr>
+            <a:srgbClr val="A4A3A4"/>
+          </p15:clr>
+        </p15:guide>
+      </p15:sldGuideLst>
     </p:ext>
   </p:extLst>
 </p:presentation>
@@ -341,7 +352,7 @@
           <a:p>
             <a:fld id="{9DE54781-CC08-F748-B430-B9DF1903D26D}" type="datetimeFigureOut">
               <a:rPr kumimoji="1" lang="ja-JP" altLang="en-US" smtClean="0"/>
-              <a:t>18/12/15</a:t>
+              <a:t>2018/12/19</a:t>
             </a:fld>
             <a:endParaRPr kumimoji="1" lang="ja-JP" altLang="en-US"/>
           </a:p>
@@ -675,7 +686,7 @@
           <a:p>
             <a:fld id="{9DE54781-CC08-F748-B430-B9DF1903D26D}" type="datetimeFigureOut">
               <a:rPr kumimoji="1" lang="ja-JP" altLang="en-US" smtClean="0"/>
-              <a:t>18/12/15</a:t>
+              <a:t>2018/12/19</a:t>
             </a:fld>
             <a:endParaRPr kumimoji="1" lang="ja-JP" altLang="en-US"/>
           </a:p>
@@ -953,7 +964,7 @@
           <a:p>
             <a:fld id="{9DE54781-CC08-F748-B430-B9DF1903D26D}" type="datetimeFigureOut">
               <a:rPr kumimoji="1" lang="ja-JP" altLang="en-US" smtClean="0"/>
-              <a:t>18/12/15</a:t>
+              <a:t>2018/12/19</a:t>
             </a:fld>
             <a:endParaRPr kumimoji="1" lang="ja-JP" altLang="en-US"/>
           </a:p>
@@ -1521,7 +1532,7 @@
           <a:p>
             <a:fld id="{9DE54781-CC08-F748-B430-B9DF1903D26D}" type="datetimeFigureOut">
               <a:rPr kumimoji="1" lang="ja-JP" altLang="en-US" smtClean="0"/>
-              <a:t>18/12/15</a:t>
+              <a:t>2018/12/19</a:t>
             </a:fld>
             <a:endParaRPr kumimoji="1" lang="ja-JP" altLang="en-US"/>
           </a:p>
@@ -1799,7 +1810,7 @@
           <a:p>
             <a:fld id="{9DE54781-CC08-F748-B430-B9DF1903D26D}" type="datetimeFigureOut">
               <a:rPr kumimoji="1" lang="ja-JP" altLang="en-US" smtClean="0"/>
-              <a:t>18/12/15</a:t>
+              <a:t>2018/12/19</a:t>
             </a:fld>
             <a:endParaRPr kumimoji="1" lang="ja-JP" altLang="en-US"/>
           </a:p>
@@ -2361,7 +2372,7 @@
           <a:p>
             <a:fld id="{9DE54781-CC08-F748-B430-B9DF1903D26D}" type="datetimeFigureOut">
               <a:rPr kumimoji="1" lang="ja-JP" altLang="en-US" smtClean="0"/>
-              <a:t>18/12/15</a:t>
+              <a:t>2018/12/19</a:t>
             </a:fld>
             <a:endParaRPr kumimoji="1" lang="ja-JP" altLang="en-US"/>
           </a:p>
@@ -2688,7 +2699,7 @@
           <a:p>
             <a:fld id="{9DE54781-CC08-F748-B430-B9DF1903D26D}" type="datetimeFigureOut">
               <a:rPr kumimoji="1" lang="ja-JP" altLang="en-US" smtClean="0"/>
-              <a:t>18/12/15</a:t>
+              <a:t>2018/12/19</a:t>
             </a:fld>
             <a:endParaRPr kumimoji="1" lang="ja-JP" altLang="en-US"/>
           </a:p>
@@ -2897,7 +2908,7 @@
           <a:p>
             <a:fld id="{9DE54781-CC08-F748-B430-B9DF1903D26D}" type="datetimeFigureOut">
               <a:rPr kumimoji="1" lang="ja-JP" altLang="en-US" smtClean="0"/>
-              <a:t>18/12/15</a:t>
+              <a:t>2018/12/19</a:t>
             </a:fld>
             <a:endParaRPr kumimoji="1" lang="ja-JP" altLang="en-US"/>
           </a:p>
@@ -3167,7 +3178,7 @@
           <a:p>
             <a:fld id="{9DE54781-CC08-F748-B430-B9DF1903D26D}" type="datetimeFigureOut">
               <a:rPr kumimoji="1" lang="ja-JP" altLang="en-US" smtClean="0"/>
-              <a:t>18/12/15</a:t>
+              <a:t>2018/12/19</a:t>
             </a:fld>
             <a:endParaRPr kumimoji="1" lang="ja-JP" altLang="en-US"/>
           </a:p>
@@ -3399,7 +3410,7 @@
           <a:p>
             <a:fld id="{9DE54781-CC08-F748-B430-B9DF1903D26D}" type="datetimeFigureOut">
               <a:rPr kumimoji="1" lang="ja-JP" altLang="en-US" smtClean="0"/>
-              <a:t>18/12/15</a:t>
+              <a:t>2018/12/19</a:t>
             </a:fld>
             <a:endParaRPr kumimoji="1" lang="ja-JP" altLang="en-US"/>
           </a:p>
@@ -3675,7 +3686,7 @@
           <a:p>
             <a:fld id="{9DE54781-CC08-F748-B430-B9DF1903D26D}" type="datetimeFigureOut">
               <a:rPr kumimoji="1" lang="ja-JP" altLang="en-US" smtClean="0"/>
-              <a:t>18/12/15</a:t>
+              <a:t>2018/12/19</a:t>
             </a:fld>
             <a:endParaRPr kumimoji="1" lang="ja-JP" altLang="en-US"/>
           </a:p>
@@ -4005,7 +4016,7 @@
           <a:p>
             <a:fld id="{9DE54781-CC08-F748-B430-B9DF1903D26D}" type="datetimeFigureOut">
               <a:rPr kumimoji="1" lang="ja-JP" altLang="en-US" smtClean="0"/>
-              <a:t>18/12/15</a:t>
+              <a:t>2018/12/19</a:t>
             </a:fld>
             <a:endParaRPr kumimoji="1" lang="ja-JP" altLang="en-US"/>
           </a:p>
@@ -4443,7 +4454,7 @@
           <a:p>
             <a:fld id="{9DE54781-CC08-F748-B430-B9DF1903D26D}" type="datetimeFigureOut">
               <a:rPr kumimoji="1" lang="ja-JP" altLang="en-US" smtClean="0"/>
-              <a:t>18/12/15</a:t>
+              <a:t>2018/12/19</a:t>
             </a:fld>
             <a:endParaRPr kumimoji="1" lang="ja-JP" altLang="en-US"/>
           </a:p>
@@ -4591,7 +4602,7 @@
           <a:p>
             <a:fld id="{9DE54781-CC08-F748-B430-B9DF1903D26D}" type="datetimeFigureOut">
               <a:rPr kumimoji="1" lang="ja-JP" altLang="en-US" smtClean="0"/>
-              <a:t>18/12/15</a:t>
+              <a:t>2018/12/19</a:t>
             </a:fld>
             <a:endParaRPr kumimoji="1" lang="ja-JP" altLang="en-US"/>
           </a:p>
@@ -4716,7 +4727,7 @@
           <a:p>
             <a:fld id="{9DE54781-CC08-F748-B430-B9DF1903D26D}" type="datetimeFigureOut">
               <a:rPr kumimoji="1" lang="ja-JP" altLang="en-US" smtClean="0"/>
-              <a:t>18/12/15</a:t>
+              <a:t>2018/12/19</a:t>
             </a:fld>
             <a:endParaRPr kumimoji="1" lang="ja-JP" altLang="en-US"/>
           </a:p>
@@ -5033,7 +5044,7 @@
           <a:p>
             <a:fld id="{9DE54781-CC08-F748-B430-B9DF1903D26D}" type="datetimeFigureOut">
               <a:rPr kumimoji="1" lang="ja-JP" altLang="en-US" smtClean="0"/>
-              <a:t>18/12/15</a:t>
+              <a:t>2018/12/19</a:t>
             </a:fld>
             <a:endParaRPr kumimoji="1" lang="ja-JP" altLang="en-US"/>
           </a:p>
@@ -5357,7 +5368,7 @@
           <a:p>
             <a:fld id="{9DE54781-CC08-F748-B430-B9DF1903D26D}" type="datetimeFigureOut">
               <a:rPr kumimoji="1" lang="ja-JP" altLang="en-US" smtClean="0"/>
-              <a:t>18/12/15</a:t>
+              <a:t>2018/12/19</a:t>
             </a:fld>
             <a:endParaRPr kumimoji="1" lang="ja-JP" altLang="en-US"/>
           </a:p>
@@ -5603,7 +5614,7 @@
           <a:p>
             <a:fld id="{9DE54781-CC08-F748-B430-B9DF1903D26D}" type="datetimeFigureOut">
               <a:rPr kumimoji="1" lang="ja-JP" altLang="en-US" smtClean="0"/>
-              <a:t>18/12/15</a:t>
+              <a:t>2018/12/19</a:t>
             </a:fld>
             <a:endParaRPr kumimoji="1" lang="ja-JP" altLang="en-US"/>
           </a:p>
@@ -6121,7 +6132,7 @@
           <p:cNvPr id="10" name="図 9">
             <a:extLst>
               <a:ext uri="{FF2B5EF4-FFF2-40B4-BE49-F238E27FC236}">
-                <a16:creationId xmlns:a16="http://schemas.microsoft.com/office/drawing/2014/main" xmlns="" id="{7D81247E-C1DD-8B41-ABE1-3624F8B93B47}"/>
+                <a16:creationId xmlns:a16="http://schemas.microsoft.com/office/drawing/2014/main" id="{7D81247E-C1DD-8B41-ABE1-3624F8B93B47}"/>
               </a:ext>
             </a:extLst>
           </p:cNvPr>
@@ -6151,7 +6162,7 @@
           <p:cNvPr id="11" name="図 10">
             <a:extLst>
               <a:ext uri="{FF2B5EF4-FFF2-40B4-BE49-F238E27FC236}">
-                <a16:creationId xmlns:a16="http://schemas.microsoft.com/office/drawing/2014/main" xmlns="" id="{84B42A0D-AD13-8247-A73C-B3F8D1140B49}"/>
+                <a16:creationId xmlns:a16="http://schemas.microsoft.com/office/drawing/2014/main" id="{84B42A0D-AD13-8247-A73C-B3F8D1140B49}"/>
               </a:ext>
             </a:extLst>
           </p:cNvPr>
@@ -6181,7 +6192,7 @@
           <p:cNvPr id="13" name="図 12">
             <a:extLst>
               <a:ext uri="{FF2B5EF4-FFF2-40B4-BE49-F238E27FC236}">
-                <a16:creationId xmlns:a16="http://schemas.microsoft.com/office/drawing/2014/main" xmlns="" id="{02BBE071-BEE5-474D-B192-7A545550DC60}"/>
+                <a16:creationId xmlns:a16="http://schemas.microsoft.com/office/drawing/2014/main" id="{02BBE071-BEE5-474D-B192-7A545550DC60}"/>
               </a:ext>
             </a:extLst>
           </p:cNvPr>
@@ -6211,7 +6222,7 @@
           <p:cNvPr id="14" name="図 13">
             <a:extLst>
               <a:ext uri="{FF2B5EF4-FFF2-40B4-BE49-F238E27FC236}">
-                <a16:creationId xmlns:a16="http://schemas.microsoft.com/office/drawing/2014/main" xmlns="" id="{2E225525-DE25-AC4B-B97A-5C603406488E}"/>
+                <a16:creationId xmlns:a16="http://schemas.microsoft.com/office/drawing/2014/main" id="{2E225525-DE25-AC4B-B97A-5C603406488E}"/>
               </a:ext>
             </a:extLst>
           </p:cNvPr>
@@ -6241,7 +6252,7 @@
           <p:cNvPr id="15" name="図 14">
             <a:extLst>
               <a:ext uri="{FF2B5EF4-FFF2-40B4-BE49-F238E27FC236}">
-                <a16:creationId xmlns:a16="http://schemas.microsoft.com/office/drawing/2014/main" xmlns="" id="{029B13F5-2F0B-C142-9086-B499238E9F32}"/>
+                <a16:creationId xmlns:a16="http://schemas.microsoft.com/office/drawing/2014/main" id="{029B13F5-2F0B-C142-9086-B499238E9F32}"/>
               </a:ext>
             </a:extLst>
           </p:cNvPr>
@@ -6271,7 +6282,7 @@
           <p:cNvPr id="16" name="図 15">
             <a:extLst>
               <a:ext uri="{FF2B5EF4-FFF2-40B4-BE49-F238E27FC236}">
-                <a16:creationId xmlns:a16="http://schemas.microsoft.com/office/drawing/2014/main" xmlns="" id="{44122004-DA01-8C4A-9AA9-F6318E733C01}"/>
+                <a16:creationId xmlns:a16="http://schemas.microsoft.com/office/drawing/2014/main" id="{44122004-DA01-8C4A-9AA9-F6318E733C01}"/>
               </a:ext>
             </a:extLst>
           </p:cNvPr>
@@ -6301,7 +6312,7 @@
           <p:cNvPr id="17" name="図 16">
             <a:extLst>
               <a:ext uri="{FF2B5EF4-FFF2-40B4-BE49-F238E27FC236}">
-                <a16:creationId xmlns:a16="http://schemas.microsoft.com/office/drawing/2014/main" xmlns="" id="{98E3DE65-0A54-E545-B8D1-98EB7BE432D2}"/>
+                <a16:creationId xmlns:a16="http://schemas.microsoft.com/office/drawing/2014/main" id="{98E3DE65-0A54-E545-B8D1-98EB7BE432D2}"/>
               </a:ext>
             </a:extLst>
           </p:cNvPr>
@@ -6331,7 +6342,7 @@
           <p:cNvPr id="18" name="図 17">
             <a:extLst>
               <a:ext uri="{FF2B5EF4-FFF2-40B4-BE49-F238E27FC236}">
-                <a16:creationId xmlns:a16="http://schemas.microsoft.com/office/drawing/2014/main" xmlns="" id="{825C80A8-3081-6546-955C-6DF07B69F009}"/>
+                <a16:creationId xmlns:a16="http://schemas.microsoft.com/office/drawing/2014/main" id="{825C80A8-3081-6546-955C-6DF07B69F009}"/>
               </a:ext>
             </a:extLst>
           </p:cNvPr>
@@ -6361,7 +6372,7 @@
           <p:cNvPr id="19" name="図 18">
             <a:extLst>
               <a:ext uri="{FF2B5EF4-FFF2-40B4-BE49-F238E27FC236}">
-                <a16:creationId xmlns:a16="http://schemas.microsoft.com/office/drawing/2014/main" xmlns="" id="{5C80FE2F-1009-B640-861A-583E2074F47A}"/>
+                <a16:creationId xmlns:a16="http://schemas.microsoft.com/office/drawing/2014/main" id="{5C80FE2F-1009-B640-861A-583E2074F47A}"/>
               </a:ext>
             </a:extLst>
           </p:cNvPr>
@@ -6391,7 +6402,7 @@
           <p:cNvPr id="20" name="図 19">
             <a:extLst>
               <a:ext uri="{FF2B5EF4-FFF2-40B4-BE49-F238E27FC236}">
-                <a16:creationId xmlns:a16="http://schemas.microsoft.com/office/drawing/2014/main" xmlns="" id="{9F75777E-6F0F-9647-BC8A-E251BD5A36B9}"/>
+                <a16:creationId xmlns:a16="http://schemas.microsoft.com/office/drawing/2014/main" id="{9F75777E-6F0F-9647-BC8A-E251BD5A36B9}"/>
               </a:ext>
             </a:extLst>
           </p:cNvPr>
@@ -6421,7 +6432,7 @@
           <p:cNvPr id="2" name="テキスト ボックス 1">
             <a:extLst>
               <a:ext uri="{FF2B5EF4-FFF2-40B4-BE49-F238E27FC236}">
-                <a16:creationId xmlns:a16="http://schemas.microsoft.com/office/drawing/2014/main" xmlns="" id="{AD78E44E-FF91-9B41-B2ED-D900B358DD2A}"/>
+                <a16:creationId xmlns:a16="http://schemas.microsoft.com/office/drawing/2014/main" id="{AD78E44E-FF91-9B41-B2ED-D900B358DD2A}"/>
               </a:ext>
             </a:extLst>
           </p:cNvPr>
@@ -6465,7 +6476,7 @@
           <p:cNvPr id="21" name="テキスト ボックス 20">
             <a:extLst>
               <a:ext uri="{FF2B5EF4-FFF2-40B4-BE49-F238E27FC236}">
-                <a16:creationId xmlns:a16="http://schemas.microsoft.com/office/drawing/2014/main" xmlns="" id="{543C9008-5176-E042-A6EE-C2576E9D0951}"/>
+                <a16:creationId xmlns:a16="http://schemas.microsoft.com/office/drawing/2014/main" id="{543C9008-5176-E042-A6EE-C2576E9D0951}"/>
               </a:ext>
             </a:extLst>
           </p:cNvPr>
@@ -6509,7 +6520,7 @@
           <p:cNvPr id="22" name="テキスト ボックス 21">
             <a:extLst>
               <a:ext uri="{FF2B5EF4-FFF2-40B4-BE49-F238E27FC236}">
-                <a16:creationId xmlns:a16="http://schemas.microsoft.com/office/drawing/2014/main" xmlns="" id="{0038F218-D561-4E42-8CD3-C6B483C7DCD7}"/>
+                <a16:creationId xmlns:a16="http://schemas.microsoft.com/office/drawing/2014/main" id="{0038F218-D561-4E42-8CD3-C6B483C7DCD7}"/>
               </a:ext>
             </a:extLst>
           </p:cNvPr>
@@ -6553,7 +6564,7 @@
           <p:cNvPr id="23" name="テキスト ボックス 22">
             <a:extLst>
               <a:ext uri="{FF2B5EF4-FFF2-40B4-BE49-F238E27FC236}">
-                <a16:creationId xmlns:a16="http://schemas.microsoft.com/office/drawing/2014/main" xmlns="" id="{3AB30C13-D4B2-6B4F-A88B-5FFC8F9D4EEB}"/>
+                <a16:creationId xmlns:a16="http://schemas.microsoft.com/office/drawing/2014/main" id="{3AB30C13-D4B2-6B4F-A88B-5FFC8F9D4EEB}"/>
               </a:ext>
             </a:extLst>
           </p:cNvPr>
@@ -6597,7 +6608,7 @@
           <p:cNvPr id="24" name="テキスト ボックス 23">
             <a:extLst>
               <a:ext uri="{FF2B5EF4-FFF2-40B4-BE49-F238E27FC236}">
-                <a16:creationId xmlns:a16="http://schemas.microsoft.com/office/drawing/2014/main" xmlns="" id="{F03CE9BE-C25A-CC43-8A5B-2DF372228509}"/>
+                <a16:creationId xmlns:a16="http://schemas.microsoft.com/office/drawing/2014/main" id="{F03CE9BE-C25A-CC43-8A5B-2DF372228509}"/>
               </a:ext>
             </a:extLst>
           </p:cNvPr>
@@ -6641,7 +6652,7 @@
           <p:cNvPr id="33" name="角丸四角形 32">
             <a:extLst>
               <a:ext uri="{FF2B5EF4-FFF2-40B4-BE49-F238E27FC236}">
-                <a16:creationId xmlns:a16="http://schemas.microsoft.com/office/drawing/2014/main" xmlns="" id="{D0C80A31-0582-0546-9241-E0D6D182C40C}"/>
+                <a16:creationId xmlns:a16="http://schemas.microsoft.com/office/drawing/2014/main" id="{D0C80A31-0582-0546-9241-E0D6D182C40C}"/>
               </a:ext>
             </a:extLst>
           </p:cNvPr>
@@ -6650,8 +6661,8 @@
         </p:nvSpPr>
         <p:spPr>
           <a:xfrm>
-            <a:off x="2335714" y="3174628"/>
-            <a:ext cx="2778100" cy="1949083"/>
+            <a:off x="2335714" y="3978564"/>
+            <a:ext cx="3306106" cy="1451505"/>
           </a:xfrm>
           <a:prstGeom prst="roundRect">
             <a:avLst/>
@@ -6694,7 +6705,7 @@
           <p:cNvPr id="34" name="テキスト ボックス 33">
             <a:extLst>
               <a:ext uri="{FF2B5EF4-FFF2-40B4-BE49-F238E27FC236}">
-                <a16:creationId xmlns:a16="http://schemas.microsoft.com/office/drawing/2014/main" xmlns="" id="{F7E9D662-40A5-AD4D-B9AC-97927B33F33F}"/>
+                <a16:creationId xmlns:a16="http://schemas.microsoft.com/office/drawing/2014/main" id="{F7E9D662-40A5-AD4D-B9AC-97927B33F33F}"/>
               </a:ext>
             </a:extLst>
           </p:cNvPr>
@@ -6703,8 +6714,8 @@
         </p:nvSpPr>
         <p:spPr>
           <a:xfrm>
-            <a:off x="2538522" y="3243268"/>
-            <a:ext cx="1346075" cy="215444"/>
+            <a:off x="2538517" y="4104398"/>
+            <a:ext cx="1346075" cy="230832"/>
           </a:xfrm>
           <a:prstGeom prst="rect">
             <a:avLst/>
@@ -6727,7 +6738,7 @@
           <a:lstStyle/>
           <a:p>
             <a:r>
-              <a:rPr lang="ja-JP" altLang="en-US" sz="800" b="1">
+              <a:rPr lang="ja-JP" altLang="en-US" sz="900" b="1">
                 <a:solidFill>
                   <a:srgbClr val="FFFF00"/>
                 </a:solidFill>
@@ -6735,7 +6746,7 @@
               <a:t>①</a:t>
             </a:r>
             <a:r>
-              <a:rPr lang="en-US" altLang="ja-JP" sz="800" b="1" dirty="0">
+              <a:rPr lang="en-US" altLang="ja-JP" sz="900" b="1" dirty="0">
                 <a:solidFill>
                   <a:srgbClr val="FFFF00"/>
                 </a:solidFill>
@@ -6743,7 +6754,7 @@
               <a:t> </a:t>
             </a:r>
             <a:r>
-              <a:rPr lang="ja-JP" altLang="en-US" sz="800" b="1">
+              <a:rPr lang="ja-JP" altLang="en-US" sz="900" b="1">
                 <a:solidFill>
                   <a:srgbClr val="FFFF00"/>
                 </a:solidFill>
@@ -6751,7 +6762,7 @@
               <a:t>④</a:t>
             </a:r>
             <a:r>
-              <a:rPr lang="en-US" altLang="ja-JP" sz="800" b="1" dirty="0">
+              <a:rPr lang="en-US" altLang="ja-JP" sz="900" b="1" dirty="0">
                 <a:solidFill>
                   <a:srgbClr val="FFFF00"/>
                 </a:solidFill>
@@ -6759,15 +6770,15 @@
               <a:t> </a:t>
             </a:r>
             <a:r>
-              <a:rPr lang="en-US" altLang="ja-JP" sz="800" b="1" dirty="0"/>
+              <a:rPr lang="en-US" altLang="ja-JP" sz="900" b="1" dirty="0"/>
               <a:t>+ LGB</a:t>
             </a:r>
             <a:r>
-              <a:rPr lang="ja-JP" altLang="en-US" sz="800" b="1"/>
+              <a:rPr lang="ja-JP" altLang="en-US" sz="900" b="1"/>
               <a:t>（</a:t>
             </a:r>
             <a:r>
-              <a:rPr lang="en-US" altLang="ja-JP" sz="800" b="1" dirty="0">
+              <a:rPr lang="en-US" altLang="ja-JP" sz="900" b="1" dirty="0">
                 <a:solidFill>
                   <a:srgbClr val="FFFF00"/>
                 </a:solidFill>
@@ -6775,102 +6786,10 @@
               <a:t>wmlogloss</a:t>
             </a:r>
             <a:r>
-              <a:rPr lang="en-US" altLang="ja-JP" sz="800" b="1" dirty="0"/>
+              <a:rPr lang="en-US" altLang="ja-JP" sz="900" b="1" dirty="0"/>
               <a:t>)</a:t>
             </a:r>
-            <a:endParaRPr kumimoji="1" lang="ja-JP" altLang="en-US" sz="800" b="1"/>
-          </a:p>
-        </p:txBody>
-      </p:sp>
-      <p:sp>
-        <p:nvSpPr>
-          <p:cNvPr id="35" name="テキスト ボックス 34">
-            <a:extLst>
-              <a:ext uri="{FF2B5EF4-FFF2-40B4-BE49-F238E27FC236}">
-                <a16:creationId xmlns:a16="http://schemas.microsoft.com/office/drawing/2014/main" xmlns="" id="{6E14D618-7A23-ED42-A25D-42A716DAE6D6}"/>
-              </a:ext>
-            </a:extLst>
-          </p:cNvPr>
-          <p:cNvSpPr txBox="1"/>
-          <p:nvPr/>
-        </p:nvSpPr>
-        <p:spPr>
-          <a:xfrm>
-            <a:off x="2538522" y="3557769"/>
-            <a:ext cx="1346075" cy="215444"/>
-          </a:xfrm>
-          <a:prstGeom prst="rect">
-            <a:avLst/>
-          </a:prstGeom>
-          <a:noFill/>
-          <a:ln>
-            <a:solidFill>
-              <a:schemeClr val="accent1">
-                <a:lumMod val="20000"/>
-                <a:lumOff val="80000"/>
-              </a:schemeClr>
-            </a:solidFill>
-          </a:ln>
-        </p:spPr>
-        <p:txBody>
-          <a:bodyPr wrap="square" rtlCol="0">
-            <a:spAutoFit/>
-          </a:bodyPr>
-          <a:lstStyle/>
-          <a:p>
-            <a:r>
-              <a:rPr lang="ja-JP" altLang="en-US" sz="800" b="1">
-                <a:solidFill>
-                  <a:srgbClr val="FFFF00"/>
-                </a:solidFill>
-              </a:rPr>
-              <a:t>①</a:t>
-            </a:r>
-            <a:r>
-              <a:rPr lang="en-US" altLang="ja-JP" sz="800" b="1" dirty="0">
-                <a:solidFill>
-                  <a:srgbClr val="FFFF00"/>
-                </a:solidFill>
-              </a:rPr>
-              <a:t> </a:t>
-            </a:r>
-            <a:r>
-              <a:rPr lang="ja-JP" altLang="en-US" sz="800" b="1">
-                <a:solidFill>
-                  <a:srgbClr val="FFFF00"/>
-                </a:solidFill>
-              </a:rPr>
-              <a:t>④</a:t>
-            </a:r>
-            <a:r>
-              <a:rPr lang="en-US" altLang="ja-JP" sz="800" b="1" dirty="0">
-                <a:solidFill>
-                  <a:srgbClr val="FFFF00"/>
-                </a:solidFill>
-              </a:rPr>
-              <a:t> </a:t>
-            </a:r>
-            <a:r>
-              <a:rPr lang="en-US" altLang="ja-JP" sz="800" b="1" dirty="0"/>
-              <a:t>+ LGB</a:t>
-            </a:r>
-            <a:r>
-              <a:rPr lang="ja-JP" altLang="en-US" sz="800" b="1"/>
-              <a:t>（</a:t>
-            </a:r>
-            <a:r>
-              <a:rPr lang="en-US" altLang="ja-JP" sz="800" b="1" dirty="0">
-                <a:solidFill>
-                  <a:srgbClr val="00B0F0"/>
-                </a:solidFill>
-              </a:rPr>
-              <a:t>mlogloss</a:t>
-            </a:r>
-            <a:r>
-              <a:rPr lang="en-US" altLang="ja-JP" sz="800" b="1" dirty="0"/>
-              <a:t>)</a:t>
-            </a:r>
-            <a:endParaRPr kumimoji="1" lang="ja-JP" altLang="en-US" sz="800" b="1"/>
+            <a:endParaRPr kumimoji="1" lang="ja-JP" altLang="en-US" sz="900" b="1"/>
           </a:p>
         </p:txBody>
       </p:sp>
@@ -6879,7 +6798,7 @@
           <p:cNvPr id="36" name="図 35">
             <a:extLst>
               <a:ext uri="{FF2B5EF4-FFF2-40B4-BE49-F238E27FC236}">
-                <a16:creationId xmlns:a16="http://schemas.microsoft.com/office/drawing/2014/main" xmlns="" id="{4570DEA6-378F-0244-859C-A003B0776D8F}"/>
+                <a16:creationId xmlns:a16="http://schemas.microsoft.com/office/drawing/2014/main" id="{4570DEA6-378F-0244-859C-A003B0776D8F}"/>
               </a:ext>
             </a:extLst>
           </p:cNvPr>
@@ -6896,7 +6815,7 @@
         </p:blipFill>
         <p:spPr>
           <a:xfrm>
-            <a:off x="2172926" y="3011167"/>
+            <a:off x="2212968" y="3844408"/>
             <a:ext cx="300496" cy="300496"/>
           </a:xfrm>
           <a:prstGeom prst="rect">
@@ -6909,7 +6828,7 @@
           <p:cNvPr id="40" name="図 39">
             <a:extLst>
               <a:ext uri="{FF2B5EF4-FFF2-40B4-BE49-F238E27FC236}">
-                <a16:creationId xmlns:a16="http://schemas.microsoft.com/office/drawing/2014/main" xmlns="" id="{A18508B5-CC83-3F46-8399-65EF4E21DDA3}"/>
+                <a16:creationId xmlns:a16="http://schemas.microsoft.com/office/drawing/2014/main" id="{A18508B5-CC83-3F46-8399-65EF4E21DDA3}"/>
               </a:ext>
             </a:extLst>
           </p:cNvPr>
@@ -6926,7 +6845,7 @@
         </p:blipFill>
         <p:spPr>
           <a:xfrm>
-            <a:off x="2185466" y="5226706"/>
+            <a:off x="2248494" y="5599887"/>
             <a:ext cx="300496" cy="300496"/>
           </a:xfrm>
           <a:prstGeom prst="rect">
@@ -6939,7 +6858,7 @@
           <p:cNvPr id="41" name="テキスト ボックス 40">
             <a:extLst>
               <a:ext uri="{FF2B5EF4-FFF2-40B4-BE49-F238E27FC236}">
-                <a16:creationId xmlns:a16="http://schemas.microsoft.com/office/drawing/2014/main" xmlns="" id="{5EF20A95-A8CD-F649-A7D0-CD63E988F28A}"/>
+                <a16:creationId xmlns:a16="http://schemas.microsoft.com/office/drawing/2014/main" id="{5EF20A95-A8CD-F649-A7D0-CD63E988F28A}"/>
               </a:ext>
             </a:extLst>
           </p:cNvPr>
@@ -6948,8 +6867,8 @@
         </p:nvSpPr>
         <p:spPr>
           <a:xfrm>
-            <a:off x="2538522" y="3872270"/>
-            <a:ext cx="1346075" cy="215444"/>
+            <a:off x="2538517" y="4598592"/>
+            <a:ext cx="1346075" cy="230832"/>
           </a:xfrm>
           <a:prstGeom prst="rect">
             <a:avLst/>
@@ -6971,7 +6890,7 @@
           <a:lstStyle/>
           <a:p>
             <a:r>
-              <a:rPr lang="ja-JP" altLang="en-US" sz="800" b="1">
+              <a:rPr lang="ja-JP" altLang="en-US" sz="900" b="1">
                 <a:solidFill>
                   <a:srgbClr val="FFFF00"/>
                 </a:solidFill>
@@ -6979,7 +6898,7 @@
               <a:t>①</a:t>
             </a:r>
             <a:r>
-              <a:rPr lang="en-US" altLang="ja-JP" sz="800" b="1" dirty="0">
+              <a:rPr lang="en-US" altLang="ja-JP" sz="900" b="1" dirty="0">
                 <a:solidFill>
                   <a:srgbClr val="FFFF00"/>
                 </a:solidFill>
@@ -6987,7 +6906,7 @@
               <a:t> </a:t>
             </a:r>
             <a:r>
-              <a:rPr lang="ja-JP" altLang="en-US" sz="800" b="1">
+              <a:rPr lang="ja-JP" altLang="en-US" sz="900" b="1">
                 <a:solidFill>
                   <a:srgbClr val="FFFF00"/>
                 </a:solidFill>
@@ -6995,7 +6914,7 @@
               <a:t>④</a:t>
             </a:r>
             <a:r>
-              <a:rPr lang="en-US" altLang="ja-JP" sz="800" b="1" dirty="0">
+              <a:rPr lang="en-US" altLang="ja-JP" sz="900" b="1" dirty="0">
                 <a:solidFill>
                   <a:srgbClr val="FFFF00"/>
                 </a:solidFill>
@@ -7003,15 +6922,15 @@
               <a:t> </a:t>
             </a:r>
             <a:r>
-              <a:rPr lang="en-US" altLang="ja-JP" sz="800" b="1" dirty="0"/>
+              <a:rPr lang="en-US" altLang="ja-JP" sz="900" b="1" dirty="0"/>
               <a:t>+ NN</a:t>
             </a:r>
             <a:r>
-              <a:rPr lang="ja-JP" altLang="en-US" sz="800" b="1"/>
+              <a:rPr lang="ja-JP" altLang="en-US" sz="900" b="1"/>
               <a:t>（</a:t>
             </a:r>
             <a:r>
-              <a:rPr lang="en-US" altLang="ja-JP" sz="800" b="1" dirty="0">
+              <a:rPr lang="en-US" altLang="ja-JP" sz="900" b="1" dirty="0">
                 <a:solidFill>
                   <a:srgbClr val="FFFF00"/>
                 </a:solidFill>
@@ -7019,102 +6938,10 @@
               <a:t>wmlogloss</a:t>
             </a:r>
             <a:r>
-              <a:rPr lang="en-US" altLang="ja-JP" sz="800" b="1" dirty="0"/>
+              <a:rPr lang="en-US" altLang="ja-JP" sz="900" b="1" dirty="0"/>
               <a:t>)</a:t>
             </a:r>
-            <a:endParaRPr kumimoji="1" lang="ja-JP" altLang="en-US" sz="800" b="1"/>
-          </a:p>
-        </p:txBody>
-      </p:sp>
-      <p:sp>
-        <p:nvSpPr>
-          <p:cNvPr id="42" name="テキスト ボックス 41">
-            <a:extLst>
-              <a:ext uri="{FF2B5EF4-FFF2-40B4-BE49-F238E27FC236}">
-                <a16:creationId xmlns:a16="http://schemas.microsoft.com/office/drawing/2014/main" xmlns="" id="{0A00B817-56E5-4248-86CA-EF2BCFF1DAC7}"/>
-              </a:ext>
-            </a:extLst>
-          </p:cNvPr>
-          <p:cNvSpPr txBox="1"/>
-          <p:nvPr/>
-        </p:nvSpPr>
-        <p:spPr>
-          <a:xfrm>
-            <a:off x="2538522" y="4198514"/>
-            <a:ext cx="1346075" cy="215444"/>
-          </a:xfrm>
-          <a:prstGeom prst="rect">
-            <a:avLst/>
-          </a:prstGeom>
-          <a:noFill/>
-          <a:ln>
-            <a:solidFill>
-              <a:schemeClr val="accent1">
-                <a:lumMod val="20000"/>
-                <a:lumOff val="80000"/>
-              </a:schemeClr>
-            </a:solidFill>
-          </a:ln>
-        </p:spPr>
-        <p:txBody>
-          <a:bodyPr wrap="square" rtlCol="0">
-            <a:spAutoFit/>
-          </a:bodyPr>
-          <a:lstStyle/>
-          <a:p>
-            <a:r>
-              <a:rPr lang="ja-JP" altLang="en-US" sz="800" b="1">
-                <a:solidFill>
-                  <a:srgbClr val="FFFF00"/>
-                </a:solidFill>
-              </a:rPr>
-              <a:t>①</a:t>
-            </a:r>
-            <a:r>
-              <a:rPr lang="en-US" altLang="ja-JP" sz="800" b="1" dirty="0">
-                <a:solidFill>
-                  <a:srgbClr val="FFFF00"/>
-                </a:solidFill>
-              </a:rPr>
-              <a:t> </a:t>
-            </a:r>
-            <a:r>
-              <a:rPr lang="ja-JP" altLang="en-US" sz="800" b="1">
-                <a:solidFill>
-                  <a:srgbClr val="FFFF00"/>
-                </a:solidFill>
-              </a:rPr>
-              <a:t>④</a:t>
-            </a:r>
-            <a:r>
-              <a:rPr lang="en-US" altLang="ja-JP" sz="800" b="1" dirty="0">
-                <a:solidFill>
-                  <a:srgbClr val="FFFF00"/>
-                </a:solidFill>
-              </a:rPr>
-              <a:t> </a:t>
-            </a:r>
-            <a:r>
-              <a:rPr lang="en-US" altLang="ja-JP" sz="800" b="1" dirty="0"/>
-              <a:t>+ NN</a:t>
-            </a:r>
-            <a:r>
-              <a:rPr lang="ja-JP" altLang="en-US" sz="800" b="1"/>
-              <a:t>（</a:t>
-            </a:r>
-            <a:r>
-              <a:rPr lang="en-US" altLang="ja-JP" sz="800" b="1" dirty="0">
-                <a:solidFill>
-                  <a:srgbClr val="00B0F0"/>
-                </a:solidFill>
-              </a:rPr>
-              <a:t>mlogloss</a:t>
-            </a:r>
-            <a:r>
-              <a:rPr lang="en-US" altLang="ja-JP" sz="800" b="1" dirty="0"/>
-              <a:t>)</a:t>
-            </a:r>
-            <a:endParaRPr kumimoji="1" lang="ja-JP" altLang="en-US" sz="800" b="1"/>
+            <a:endParaRPr kumimoji="1" lang="ja-JP" altLang="en-US" sz="900" b="1"/>
           </a:p>
         </p:txBody>
       </p:sp>
@@ -7123,7 +6950,7 @@
           <p:cNvPr id="43" name="角丸四角形 42">
             <a:extLst>
               <a:ext uri="{FF2B5EF4-FFF2-40B4-BE49-F238E27FC236}">
-                <a16:creationId xmlns:a16="http://schemas.microsoft.com/office/drawing/2014/main" xmlns="" id="{B188D420-F9A2-C648-8ED0-4BB9FFE6189C}"/>
+                <a16:creationId xmlns:a16="http://schemas.microsoft.com/office/drawing/2014/main" id="{B188D420-F9A2-C648-8ED0-4BB9FFE6189C}"/>
               </a:ext>
             </a:extLst>
           </p:cNvPr>
@@ -7132,8 +6959,8 @@
         </p:nvSpPr>
         <p:spPr>
           <a:xfrm>
-            <a:off x="2335714" y="5359417"/>
-            <a:ext cx="2778100" cy="1371238"/>
+            <a:off x="2376462" y="5762356"/>
+            <a:ext cx="3306106" cy="985836"/>
           </a:xfrm>
           <a:prstGeom prst="roundRect">
             <a:avLst/>
@@ -7176,7 +7003,7 @@
           <p:cNvPr id="44" name="テキスト ボックス 43">
             <a:extLst>
               <a:ext uri="{FF2B5EF4-FFF2-40B4-BE49-F238E27FC236}">
-                <a16:creationId xmlns:a16="http://schemas.microsoft.com/office/drawing/2014/main" xmlns="" id="{929D722B-02D5-E348-B3CF-54B1D6F9401B}"/>
+                <a16:creationId xmlns:a16="http://schemas.microsoft.com/office/drawing/2014/main" id="{929D722B-02D5-E348-B3CF-54B1D6F9401B}"/>
               </a:ext>
             </a:extLst>
           </p:cNvPr>
@@ -7185,8 +7012,8 @@
         </p:nvSpPr>
         <p:spPr>
           <a:xfrm>
-            <a:off x="2538522" y="5484826"/>
-            <a:ext cx="1346075" cy="215444"/>
+            <a:off x="2538520" y="5995461"/>
+            <a:ext cx="1346075" cy="230832"/>
           </a:xfrm>
           <a:prstGeom prst="rect">
             <a:avLst/>
@@ -7209,7 +7036,7 @@
           <a:lstStyle/>
           <a:p>
             <a:r>
-              <a:rPr lang="ja-JP" altLang="en-US" sz="800" b="1">
+              <a:rPr lang="ja-JP" altLang="en-US" sz="900" b="1">
                 <a:solidFill>
                   <a:srgbClr val="FFFF00"/>
                 </a:solidFill>
@@ -7217,7 +7044,7 @@
               <a:t>①</a:t>
             </a:r>
             <a:r>
-              <a:rPr lang="en-US" altLang="ja-JP" sz="800" b="1" dirty="0">
+              <a:rPr lang="en-US" altLang="ja-JP" sz="900" b="1" dirty="0">
                 <a:solidFill>
                   <a:srgbClr val="FFFF00"/>
                 </a:solidFill>
@@ -7225,7 +7052,7 @@
               <a:t> </a:t>
             </a:r>
             <a:r>
-              <a:rPr lang="ja-JP" altLang="en-US" sz="800" b="1">
+              <a:rPr lang="ja-JP" altLang="en-US" sz="900" b="1">
                 <a:solidFill>
                   <a:srgbClr val="FFFF00"/>
                 </a:solidFill>
@@ -7233,7 +7060,7 @@
               <a:t>⑤</a:t>
             </a:r>
             <a:r>
-              <a:rPr lang="en-US" altLang="ja-JP" sz="800" b="1" dirty="0">
+              <a:rPr lang="en-US" altLang="ja-JP" sz="900" b="1" dirty="0">
                 <a:solidFill>
                   <a:srgbClr val="FFFF00"/>
                 </a:solidFill>
@@ -7241,15 +7068,15 @@
               <a:t> </a:t>
             </a:r>
             <a:r>
-              <a:rPr lang="en-US" altLang="ja-JP" sz="800" b="1" dirty="0"/>
+              <a:rPr lang="en-US" altLang="ja-JP" sz="900" b="1" dirty="0"/>
               <a:t>+ LGB</a:t>
             </a:r>
             <a:r>
-              <a:rPr lang="ja-JP" altLang="en-US" sz="800" b="1"/>
+              <a:rPr lang="ja-JP" altLang="en-US" sz="900" b="1"/>
               <a:t>（</a:t>
             </a:r>
             <a:r>
-              <a:rPr lang="en-US" altLang="ja-JP" sz="800" b="1" dirty="0">
+              <a:rPr lang="en-US" altLang="ja-JP" sz="900" b="1" dirty="0">
                 <a:solidFill>
                   <a:srgbClr val="FFFF00"/>
                 </a:solidFill>
@@ -7257,19 +7084,19 @@
               <a:t>wmlogloss</a:t>
             </a:r>
             <a:r>
-              <a:rPr lang="en-US" altLang="ja-JP" sz="800" b="1" dirty="0"/>
+              <a:rPr lang="en-US" altLang="ja-JP" sz="900" b="1" dirty="0"/>
               <a:t>)</a:t>
             </a:r>
-            <a:endParaRPr kumimoji="1" lang="ja-JP" altLang="en-US" sz="800" b="1"/>
-          </a:p>
-        </p:txBody>
-      </p:sp>
-      <p:sp>
-        <p:nvSpPr>
-          <p:cNvPr id="45" name="テキスト ボックス 44">
+            <a:endParaRPr kumimoji="1" lang="ja-JP" altLang="en-US" sz="900" b="1"/>
+          </a:p>
+        </p:txBody>
+      </p:sp>
+      <p:sp>
+        <p:nvSpPr>
+          <p:cNvPr id="46" name="テキスト ボックス 45">
             <a:extLst>
               <a:ext uri="{FF2B5EF4-FFF2-40B4-BE49-F238E27FC236}">
-                <a16:creationId xmlns:a16="http://schemas.microsoft.com/office/drawing/2014/main" xmlns="" id="{76D8B0DC-AA99-A54D-8AB6-9D6AB6E323E4}"/>
+                <a16:creationId xmlns:a16="http://schemas.microsoft.com/office/drawing/2014/main" id="{D7683FFA-7FA9-C048-AA72-9E5DC9018BF3}"/>
               </a:ext>
             </a:extLst>
           </p:cNvPr>
@@ -7278,8 +7105,8 @@
         </p:nvSpPr>
         <p:spPr>
           <a:xfrm>
-            <a:off x="2538522" y="5799327"/>
-            <a:ext cx="1346075" cy="215444"/>
+            <a:off x="2538521" y="6338906"/>
+            <a:ext cx="1346075" cy="230832"/>
           </a:xfrm>
           <a:prstGeom prst="rect">
             <a:avLst/>
@@ -7301,7 +7128,7 @@
           <a:lstStyle/>
           <a:p>
             <a:r>
-              <a:rPr lang="ja-JP" altLang="en-US" sz="800" b="1">
+              <a:rPr lang="ja-JP" altLang="en-US" sz="900" b="1">
                 <a:solidFill>
                   <a:srgbClr val="FFFF00"/>
                 </a:solidFill>
@@ -7309,7 +7136,7 @@
               <a:t>①</a:t>
             </a:r>
             <a:r>
-              <a:rPr lang="en-US" altLang="ja-JP" sz="800" b="1" dirty="0">
+              <a:rPr lang="en-US" altLang="ja-JP" sz="900" b="1" dirty="0">
                 <a:solidFill>
                   <a:srgbClr val="FFFF00"/>
                 </a:solidFill>
@@ -7317,7 +7144,7 @@
               <a:t> </a:t>
             </a:r>
             <a:r>
-              <a:rPr lang="ja-JP" altLang="en-US" sz="800" b="1">
+              <a:rPr lang="ja-JP" altLang="en-US" sz="900" b="1">
                 <a:solidFill>
                   <a:srgbClr val="FFFF00"/>
                 </a:solidFill>
@@ -7325,7 +7152,7 @@
               <a:t>⑤</a:t>
             </a:r>
             <a:r>
-              <a:rPr lang="en-US" altLang="ja-JP" sz="800" b="1" dirty="0">
+              <a:rPr lang="en-US" altLang="ja-JP" sz="900" b="1" dirty="0">
                 <a:solidFill>
                   <a:srgbClr val="FFFF00"/>
                 </a:solidFill>
@@ -7333,107 +7160,15 @@
               <a:t> </a:t>
             </a:r>
             <a:r>
-              <a:rPr lang="en-US" altLang="ja-JP" sz="800" b="1" dirty="0"/>
-              <a:t>+ LGB</a:t>
-            </a:r>
-            <a:r>
-              <a:rPr lang="ja-JP" altLang="en-US" sz="800" b="1"/>
+              <a:rPr lang="en-US" altLang="ja-JP" sz="900" b="1" dirty="0"/>
+              <a:t>+ NN</a:t>
+            </a:r>
+            <a:r>
+              <a:rPr lang="ja-JP" altLang="en-US" sz="900" b="1"/>
               <a:t>（</a:t>
             </a:r>
             <a:r>
-              <a:rPr lang="en-US" altLang="ja-JP" sz="800" b="1" dirty="0">
-                <a:solidFill>
-                  <a:srgbClr val="00B0F0"/>
-                </a:solidFill>
-              </a:rPr>
-              <a:t>mlogloss</a:t>
-            </a:r>
-            <a:r>
-              <a:rPr lang="en-US" altLang="ja-JP" sz="800" b="1" dirty="0"/>
-              <a:t>)</a:t>
-            </a:r>
-            <a:endParaRPr kumimoji="1" lang="ja-JP" altLang="en-US" sz="800" b="1"/>
-          </a:p>
-        </p:txBody>
-      </p:sp>
-      <p:sp>
-        <p:nvSpPr>
-          <p:cNvPr id="46" name="テキスト ボックス 45">
-            <a:extLst>
-              <a:ext uri="{FF2B5EF4-FFF2-40B4-BE49-F238E27FC236}">
-                <a16:creationId xmlns:a16="http://schemas.microsoft.com/office/drawing/2014/main" xmlns="" id="{D7683FFA-7FA9-C048-AA72-9E5DC9018BF3}"/>
-              </a:ext>
-            </a:extLst>
-          </p:cNvPr>
-          <p:cNvSpPr txBox="1"/>
-          <p:nvPr/>
-        </p:nvSpPr>
-        <p:spPr>
-          <a:xfrm>
-            <a:off x="2538522" y="6113828"/>
-            <a:ext cx="1346075" cy="215444"/>
-          </a:xfrm>
-          <a:prstGeom prst="rect">
-            <a:avLst/>
-          </a:prstGeom>
-          <a:noFill/>
-          <a:ln>
-            <a:solidFill>
-              <a:schemeClr val="accent1">
-                <a:lumMod val="20000"/>
-                <a:lumOff val="80000"/>
-              </a:schemeClr>
-            </a:solidFill>
-          </a:ln>
-        </p:spPr>
-        <p:txBody>
-          <a:bodyPr wrap="square" rtlCol="0">
-            <a:spAutoFit/>
-          </a:bodyPr>
-          <a:lstStyle/>
-          <a:p>
-            <a:r>
-              <a:rPr lang="ja-JP" altLang="en-US" sz="800" b="1">
-                <a:solidFill>
-                  <a:srgbClr val="FFFF00"/>
-                </a:solidFill>
-              </a:rPr>
-              <a:t>①</a:t>
-            </a:r>
-            <a:r>
-              <a:rPr lang="en-US" altLang="ja-JP" sz="800" b="1" dirty="0">
-                <a:solidFill>
-                  <a:srgbClr val="FFFF00"/>
-                </a:solidFill>
-              </a:rPr>
-              <a:t> </a:t>
-            </a:r>
-            <a:r>
-              <a:rPr lang="ja-JP" altLang="en-US" sz="800" b="1">
-                <a:solidFill>
-                  <a:srgbClr val="FFFF00"/>
-                </a:solidFill>
-              </a:rPr>
-              <a:t>⑤</a:t>
-            </a:r>
-            <a:r>
-              <a:rPr lang="en-US" altLang="ja-JP" sz="800" b="1" dirty="0">
-                <a:solidFill>
-                  <a:srgbClr val="FFFF00"/>
-                </a:solidFill>
-              </a:rPr>
-              <a:t> </a:t>
-            </a:r>
-            <a:r>
-              <a:rPr lang="en-US" altLang="ja-JP" sz="800" b="1" dirty="0"/>
-              <a:t>+ NN</a:t>
-            </a:r>
-            <a:r>
-              <a:rPr lang="ja-JP" altLang="en-US" sz="800" b="1"/>
-              <a:t>（</a:t>
-            </a:r>
-            <a:r>
-              <a:rPr lang="en-US" altLang="ja-JP" sz="800" b="1" dirty="0">
+              <a:rPr lang="en-US" altLang="ja-JP" sz="900" b="1" dirty="0">
                 <a:solidFill>
                   <a:srgbClr val="FFFF00"/>
                 </a:solidFill>
@@ -7441,102 +7176,10 @@
               <a:t>wmlogloss</a:t>
             </a:r>
             <a:r>
-              <a:rPr lang="en-US" altLang="ja-JP" sz="800" b="1" dirty="0"/>
+              <a:rPr lang="en-US" altLang="ja-JP" sz="900" b="1" dirty="0"/>
               <a:t>)</a:t>
             </a:r>
-            <a:endParaRPr kumimoji="1" lang="ja-JP" altLang="en-US" sz="800" b="1"/>
-          </a:p>
-        </p:txBody>
-      </p:sp>
-      <p:sp>
-        <p:nvSpPr>
-          <p:cNvPr id="47" name="テキスト ボックス 46">
-            <a:extLst>
-              <a:ext uri="{FF2B5EF4-FFF2-40B4-BE49-F238E27FC236}">
-                <a16:creationId xmlns:a16="http://schemas.microsoft.com/office/drawing/2014/main" xmlns="" id="{C0ABC2E1-E022-5449-9354-78C1F4A66126}"/>
-              </a:ext>
-            </a:extLst>
-          </p:cNvPr>
-          <p:cNvSpPr txBox="1"/>
-          <p:nvPr/>
-        </p:nvSpPr>
-        <p:spPr>
-          <a:xfrm>
-            <a:off x="2538522" y="6440072"/>
-            <a:ext cx="1346075" cy="215444"/>
-          </a:xfrm>
-          <a:prstGeom prst="rect">
-            <a:avLst/>
-          </a:prstGeom>
-          <a:noFill/>
-          <a:ln>
-            <a:solidFill>
-              <a:schemeClr val="accent1">
-                <a:lumMod val="20000"/>
-                <a:lumOff val="80000"/>
-              </a:schemeClr>
-            </a:solidFill>
-          </a:ln>
-        </p:spPr>
-        <p:txBody>
-          <a:bodyPr wrap="square" rtlCol="0">
-            <a:spAutoFit/>
-          </a:bodyPr>
-          <a:lstStyle/>
-          <a:p>
-            <a:r>
-              <a:rPr lang="ja-JP" altLang="en-US" sz="800" b="1">
-                <a:solidFill>
-                  <a:srgbClr val="FFFF00"/>
-                </a:solidFill>
-              </a:rPr>
-              <a:t>①</a:t>
-            </a:r>
-            <a:r>
-              <a:rPr lang="en-US" altLang="ja-JP" sz="800" b="1" dirty="0">
-                <a:solidFill>
-                  <a:srgbClr val="FFFF00"/>
-                </a:solidFill>
-              </a:rPr>
-              <a:t> </a:t>
-            </a:r>
-            <a:r>
-              <a:rPr lang="ja-JP" altLang="en-US" sz="800" b="1">
-                <a:solidFill>
-                  <a:srgbClr val="FFFF00"/>
-                </a:solidFill>
-              </a:rPr>
-              <a:t>⑤</a:t>
-            </a:r>
-            <a:r>
-              <a:rPr lang="en-US" altLang="ja-JP" sz="800" b="1" dirty="0">
-                <a:solidFill>
-                  <a:srgbClr val="FFFF00"/>
-                </a:solidFill>
-              </a:rPr>
-              <a:t> </a:t>
-            </a:r>
-            <a:r>
-              <a:rPr lang="en-US" altLang="ja-JP" sz="800" b="1" dirty="0"/>
-              <a:t>+ NN</a:t>
-            </a:r>
-            <a:r>
-              <a:rPr lang="ja-JP" altLang="en-US" sz="800" b="1"/>
-              <a:t>（</a:t>
-            </a:r>
-            <a:r>
-              <a:rPr lang="en-US" altLang="ja-JP" sz="800" b="1" dirty="0">
-                <a:solidFill>
-                  <a:srgbClr val="00B0F0"/>
-                </a:solidFill>
-              </a:rPr>
-              <a:t>mlogloss</a:t>
-            </a:r>
-            <a:r>
-              <a:rPr lang="en-US" altLang="ja-JP" sz="800" b="1" dirty="0"/>
-              <a:t>)</a:t>
-            </a:r>
-            <a:endParaRPr kumimoji="1" lang="ja-JP" altLang="en-US" sz="800" b="1"/>
+            <a:endParaRPr kumimoji="1" lang="ja-JP" altLang="en-US" sz="900" b="1"/>
           </a:p>
         </p:txBody>
       </p:sp>
@@ -7545,7 +7188,7 @@
           <p:cNvPr id="48" name="角丸四角形 47">
             <a:extLst>
               <a:ext uri="{FF2B5EF4-FFF2-40B4-BE49-F238E27FC236}">
-                <a16:creationId xmlns:a16="http://schemas.microsoft.com/office/drawing/2014/main" xmlns="" id="{B9D7EDDC-AB75-574C-B17C-B9491BBC8F00}"/>
+                <a16:creationId xmlns:a16="http://schemas.microsoft.com/office/drawing/2014/main" id="{B9D7EDDC-AB75-574C-B17C-B9491BBC8F00}"/>
               </a:ext>
             </a:extLst>
           </p:cNvPr>
@@ -7554,8 +7197,8 @@
         </p:nvSpPr>
         <p:spPr>
           <a:xfrm>
-            <a:off x="2335714" y="1879550"/>
-            <a:ext cx="2778100" cy="948397"/>
+            <a:off x="2363216" y="2666889"/>
+            <a:ext cx="3306106" cy="948397"/>
           </a:xfrm>
           <a:prstGeom prst="roundRect">
             <a:avLst/>
@@ -7598,7 +7241,7 @@
           <p:cNvPr id="49" name="テキスト ボックス 48">
             <a:extLst>
               <a:ext uri="{FF2B5EF4-FFF2-40B4-BE49-F238E27FC236}">
-                <a16:creationId xmlns:a16="http://schemas.microsoft.com/office/drawing/2014/main" xmlns="" id="{52841485-0D4F-F442-8ACE-31D6627A0540}"/>
+                <a16:creationId xmlns:a16="http://schemas.microsoft.com/office/drawing/2014/main" id="{52841485-0D4F-F442-8ACE-31D6627A0540}"/>
               </a:ext>
             </a:extLst>
           </p:cNvPr>
@@ -7607,8 +7250,8 @@
         </p:nvSpPr>
         <p:spPr>
           <a:xfrm>
-            <a:off x="2538522" y="2088479"/>
-            <a:ext cx="1346075" cy="215444"/>
+            <a:off x="2548990" y="2851858"/>
+            <a:ext cx="1523856" cy="246221"/>
           </a:xfrm>
           <a:prstGeom prst="rect">
             <a:avLst/>
@@ -7631,7 +7274,7 @@
           <a:lstStyle/>
           <a:p>
             <a:r>
-              <a:rPr lang="ja-JP" altLang="en-US" sz="800" b="1" dirty="0">
+              <a:rPr lang="ja-JP" altLang="en-US" sz="1000" b="1" dirty="0">
                 <a:solidFill>
                   <a:srgbClr val="FFFF00"/>
                 </a:solidFill>
@@ -7639,7 +7282,7 @@
               <a:t>①</a:t>
             </a:r>
             <a:r>
-              <a:rPr lang="en-US" altLang="ja-JP" sz="800" b="1" dirty="0">
+              <a:rPr lang="en-US" altLang="ja-JP" sz="1000" b="1" dirty="0">
                 <a:solidFill>
                   <a:srgbClr val="FFFF00"/>
                 </a:solidFill>
@@ -7647,7 +7290,7 @@
               <a:t> </a:t>
             </a:r>
             <a:r>
-              <a:rPr lang="ja-JP" altLang="en-US" sz="800" b="1" dirty="0">
+              <a:rPr lang="ja-JP" altLang="en-US" sz="1000" b="1" dirty="0">
                 <a:solidFill>
                   <a:srgbClr val="FFFF00"/>
                 </a:solidFill>
@@ -7655,7 +7298,7 @@
               <a:t>③</a:t>
             </a:r>
             <a:r>
-              <a:rPr lang="en-US" altLang="ja-JP" sz="800" b="1" dirty="0">
+              <a:rPr lang="en-US" altLang="ja-JP" sz="1000" b="1" dirty="0">
                 <a:solidFill>
                   <a:srgbClr val="FFFF00"/>
                 </a:solidFill>
@@ -7663,15 +7306,15 @@
               <a:t> </a:t>
             </a:r>
             <a:r>
-              <a:rPr lang="en-US" altLang="ja-JP" sz="800" b="1" dirty="0"/>
+              <a:rPr lang="en-US" altLang="ja-JP" sz="1000" b="1" dirty="0"/>
               <a:t>+ LGB</a:t>
             </a:r>
             <a:r>
-              <a:rPr lang="ja-JP" altLang="en-US" sz="800" b="1" dirty="0"/>
+              <a:rPr lang="ja-JP" altLang="en-US" sz="1000" b="1" dirty="0"/>
               <a:t>（</a:t>
             </a:r>
             <a:r>
-              <a:rPr lang="en-US" altLang="ja-JP" sz="800" b="1" dirty="0" err="1">
+              <a:rPr lang="en-US" altLang="ja-JP" sz="1000" b="1" dirty="0" err="1">
                 <a:solidFill>
                   <a:srgbClr val="FFFF00"/>
                 </a:solidFill>
@@ -7679,14 +7322,10 @@
               <a:t>wmlogloss</a:t>
             </a:r>
             <a:r>
-              <a:rPr lang="en-US" altLang="ja-JP" sz="800" b="1" dirty="0" smtClean="0"/>
-              <a:t>)</a:t>
-            </a:r>
-            <a:r>
-              <a:rPr lang="en-US" altLang="ja-JP" sz="800" b="1" dirty="0" smtClean="0"/>
-              <a:t> </a:t>
-            </a:r>
-            <a:endParaRPr kumimoji="1" lang="ja-JP" altLang="en-US" sz="800" b="1" dirty="0"/>
+              <a:rPr lang="en-US" altLang="ja-JP" sz="1000" b="1" dirty="0"/>
+              <a:t>) </a:t>
+            </a:r>
+            <a:endParaRPr kumimoji="1" lang="ja-JP" altLang="en-US" sz="1000" b="1" dirty="0"/>
           </a:p>
         </p:txBody>
       </p:sp>
@@ -7695,7 +7334,7 @@
           <p:cNvPr id="50" name="テキスト ボックス 49">
             <a:extLst>
               <a:ext uri="{FF2B5EF4-FFF2-40B4-BE49-F238E27FC236}">
-                <a16:creationId xmlns:a16="http://schemas.microsoft.com/office/drawing/2014/main" xmlns="" id="{A30937D9-D5A9-944F-A0C2-BD4E19FFAC03}"/>
+                <a16:creationId xmlns:a16="http://schemas.microsoft.com/office/drawing/2014/main" id="{A30937D9-D5A9-944F-A0C2-BD4E19FFAC03}"/>
               </a:ext>
             </a:extLst>
           </p:cNvPr>
@@ -7704,8 +7343,8 @@
         </p:nvSpPr>
         <p:spPr>
           <a:xfrm>
-            <a:off x="2538522" y="2427298"/>
-            <a:ext cx="1346075" cy="215444"/>
+            <a:off x="2538517" y="3232235"/>
+            <a:ext cx="1523856" cy="246221"/>
           </a:xfrm>
           <a:prstGeom prst="rect">
             <a:avLst/>
@@ -7727,7 +7366,7 @@
           <a:lstStyle/>
           <a:p>
             <a:r>
-              <a:rPr lang="ja-JP" altLang="en-US" sz="800" b="1">
+              <a:rPr lang="ja-JP" altLang="en-US" sz="1000" b="1">
                 <a:solidFill>
                   <a:srgbClr val="FFFF00"/>
                 </a:solidFill>
@@ -7735,7 +7374,7 @@
               <a:t>①</a:t>
             </a:r>
             <a:r>
-              <a:rPr lang="en-US" altLang="ja-JP" sz="800" b="1" dirty="0">
+              <a:rPr lang="en-US" altLang="ja-JP" sz="1000" b="1" dirty="0">
                 <a:solidFill>
                   <a:srgbClr val="FFFF00"/>
                 </a:solidFill>
@@ -7743,7 +7382,7 @@
               <a:t> </a:t>
             </a:r>
             <a:r>
-              <a:rPr lang="ja-JP" altLang="en-US" sz="800" b="1">
+              <a:rPr lang="ja-JP" altLang="en-US" sz="1000" b="1">
                 <a:solidFill>
                   <a:srgbClr val="FFFF00"/>
                 </a:solidFill>
@@ -7751,7 +7390,7 @@
               <a:t>③</a:t>
             </a:r>
             <a:r>
-              <a:rPr lang="en-US" altLang="ja-JP" sz="800" b="1" dirty="0">
+              <a:rPr lang="en-US" altLang="ja-JP" sz="1000" b="1" dirty="0">
                 <a:solidFill>
                   <a:srgbClr val="FFFF00"/>
                 </a:solidFill>
@@ -7759,15 +7398,15 @@
               <a:t> </a:t>
             </a:r>
             <a:r>
-              <a:rPr lang="en-US" altLang="ja-JP" sz="800" b="1" dirty="0"/>
+              <a:rPr lang="en-US" altLang="ja-JP" sz="1000" b="1" dirty="0"/>
               <a:t>+ LGB</a:t>
             </a:r>
             <a:r>
-              <a:rPr lang="ja-JP" altLang="en-US" sz="800" b="1"/>
+              <a:rPr lang="ja-JP" altLang="en-US" sz="1000" b="1"/>
               <a:t>（</a:t>
             </a:r>
             <a:r>
-              <a:rPr lang="en-US" altLang="ja-JP" sz="800" b="1" dirty="0">
+              <a:rPr lang="en-US" altLang="ja-JP" sz="1000" b="1" dirty="0">
                 <a:solidFill>
                   <a:srgbClr val="00B0F0"/>
                 </a:solidFill>
@@ -7775,10 +7414,10 @@
               <a:t>mlogloss</a:t>
             </a:r>
             <a:r>
-              <a:rPr lang="en-US" altLang="ja-JP" sz="800" b="1" dirty="0"/>
+              <a:rPr lang="en-US" altLang="ja-JP" sz="1000" b="1" dirty="0"/>
               <a:t>)</a:t>
             </a:r>
-            <a:endParaRPr kumimoji="1" lang="ja-JP" altLang="en-US" sz="800" b="1"/>
+            <a:endParaRPr kumimoji="1" lang="ja-JP" altLang="en-US" sz="1000" b="1"/>
           </a:p>
         </p:txBody>
       </p:sp>
@@ -7787,7 +7426,7 @@
           <p:cNvPr id="53" name="角丸四角形 52">
             <a:extLst>
               <a:ext uri="{FF2B5EF4-FFF2-40B4-BE49-F238E27FC236}">
-                <a16:creationId xmlns:a16="http://schemas.microsoft.com/office/drawing/2014/main" xmlns="" id="{1A0A63B6-AA15-6A45-BB11-0E9A1BD8608A}"/>
+                <a16:creationId xmlns:a16="http://schemas.microsoft.com/office/drawing/2014/main" id="{1A0A63B6-AA15-6A45-BB11-0E9A1BD8608A}"/>
               </a:ext>
             </a:extLst>
           </p:cNvPr>
@@ -7797,7 +7436,7 @@
         <p:spPr>
           <a:xfrm>
             <a:off x="2417210" y="179684"/>
-            <a:ext cx="2778100" cy="1429290"/>
+            <a:ext cx="3224610" cy="1984343"/>
           </a:xfrm>
           <a:prstGeom prst="roundRect">
             <a:avLst/>
@@ -7840,7 +7479,7 @@
           <p:cNvPr id="54" name="テキスト ボックス 53">
             <a:extLst>
               <a:ext uri="{FF2B5EF4-FFF2-40B4-BE49-F238E27FC236}">
-                <a16:creationId xmlns:a16="http://schemas.microsoft.com/office/drawing/2014/main" xmlns="" id="{087C30F6-B626-BB46-899C-2FD749016440}"/>
+                <a16:creationId xmlns:a16="http://schemas.microsoft.com/office/drawing/2014/main" id="{087C30F6-B626-BB46-899C-2FD749016440}"/>
               </a:ext>
             </a:extLst>
           </p:cNvPr>
@@ -7849,8 +7488,8 @@
         </p:nvSpPr>
         <p:spPr>
           <a:xfrm>
-            <a:off x="2620018" y="283897"/>
-            <a:ext cx="1346075" cy="215444"/>
+            <a:off x="2631257" y="323607"/>
+            <a:ext cx="1560118" cy="246221"/>
           </a:xfrm>
           <a:prstGeom prst="rect">
             <a:avLst/>
@@ -7873,7 +7512,7 @@
           <a:lstStyle/>
           <a:p>
             <a:r>
-              <a:rPr lang="ja-JP" altLang="en-US" sz="800" b="1" dirty="0">
+              <a:rPr lang="ja-JP" altLang="en-US" sz="1000" b="1" dirty="0">
                 <a:solidFill>
                   <a:srgbClr val="FFFF00"/>
                 </a:solidFill>
@@ -7881,7 +7520,7 @@
               <a:t>①</a:t>
             </a:r>
             <a:r>
-              <a:rPr lang="en-US" altLang="ja-JP" sz="800" b="1" dirty="0">
+              <a:rPr lang="en-US" altLang="ja-JP" sz="1000" b="1" dirty="0">
                 <a:solidFill>
                   <a:srgbClr val="FFFF00"/>
                 </a:solidFill>
@@ -7889,7 +7528,7 @@
               <a:t> </a:t>
             </a:r>
             <a:r>
-              <a:rPr lang="ja-JP" altLang="en-US" sz="800" b="1" dirty="0">
+              <a:rPr lang="ja-JP" altLang="en-US" sz="1000" b="1" dirty="0">
                 <a:solidFill>
                   <a:srgbClr val="FFFF00"/>
                 </a:solidFill>
@@ -7897,7 +7536,7 @@
               <a:t>②</a:t>
             </a:r>
             <a:r>
-              <a:rPr lang="en-US" altLang="ja-JP" sz="800" b="1" dirty="0">
+              <a:rPr lang="en-US" altLang="ja-JP" sz="1000" b="1" dirty="0">
                 <a:solidFill>
                   <a:srgbClr val="FFFF00"/>
                 </a:solidFill>
@@ -7905,15 +7544,15 @@
               <a:t> </a:t>
             </a:r>
             <a:r>
-              <a:rPr lang="en-US" altLang="ja-JP" sz="800" b="1" dirty="0"/>
+              <a:rPr lang="en-US" altLang="ja-JP" sz="1000" b="1" dirty="0"/>
               <a:t>+ LGB</a:t>
             </a:r>
             <a:r>
-              <a:rPr lang="ja-JP" altLang="en-US" sz="800" b="1" dirty="0"/>
+              <a:rPr lang="ja-JP" altLang="en-US" sz="1000" b="1" dirty="0"/>
               <a:t>（</a:t>
             </a:r>
             <a:r>
-              <a:rPr lang="en-US" altLang="ja-JP" sz="800" b="1" dirty="0">
+              <a:rPr lang="en-US" altLang="ja-JP" sz="1000" b="1" dirty="0">
                 <a:solidFill>
                   <a:srgbClr val="FFFF00"/>
                 </a:solidFill>
@@ -7921,10 +7560,10 @@
               <a:t>wmlogloss</a:t>
             </a:r>
             <a:r>
-              <a:rPr lang="en-US" altLang="ja-JP" sz="800" b="1" dirty="0"/>
+              <a:rPr lang="en-US" altLang="ja-JP" sz="1000" b="1" dirty="0"/>
               <a:t>)</a:t>
             </a:r>
-            <a:endParaRPr kumimoji="1" lang="ja-JP" altLang="en-US" sz="800" b="1" dirty="0"/>
+            <a:endParaRPr kumimoji="1" lang="ja-JP" altLang="en-US" sz="1000" b="1" dirty="0"/>
           </a:p>
         </p:txBody>
       </p:sp>
@@ -7933,7 +7572,7 @@
           <p:cNvPr id="55" name="テキスト ボックス 54">
             <a:extLst>
               <a:ext uri="{FF2B5EF4-FFF2-40B4-BE49-F238E27FC236}">
-                <a16:creationId xmlns:a16="http://schemas.microsoft.com/office/drawing/2014/main" xmlns="" id="{EF4CCF28-5608-E042-B858-A496738A59DF}"/>
+                <a16:creationId xmlns:a16="http://schemas.microsoft.com/office/drawing/2014/main" id="{EF4CCF28-5608-E042-B858-A496738A59DF}"/>
               </a:ext>
             </a:extLst>
           </p:cNvPr>
@@ -7942,8 +7581,8 @@
         </p:nvSpPr>
         <p:spPr>
           <a:xfrm>
-            <a:off x="2620018" y="646476"/>
-            <a:ext cx="1346075" cy="215444"/>
+            <a:off x="2631256" y="581678"/>
+            <a:ext cx="1560118" cy="246221"/>
           </a:xfrm>
           <a:prstGeom prst="rect">
             <a:avLst/>
@@ -7965,7 +7604,7 @@
           <a:lstStyle/>
           <a:p>
             <a:r>
-              <a:rPr lang="ja-JP" altLang="en-US" sz="800" b="1">
+              <a:rPr lang="ja-JP" altLang="en-US" sz="1000" b="1">
                 <a:solidFill>
                   <a:srgbClr val="FFFF00"/>
                 </a:solidFill>
@@ -7973,7 +7612,7 @@
               <a:t>①</a:t>
             </a:r>
             <a:r>
-              <a:rPr lang="en-US" altLang="ja-JP" sz="800" b="1" dirty="0">
+              <a:rPr lang="en-US" altLang="ja-JP" sz="1000" b="1" dirty="0">
                 <a:solidFill>
                   <a:srgbClr val="FFFF00"/>
                 </a:solidFill>
@@ -7981,7 +7620,7 @@
               <a:t> </a:t>
             </a:r>
             <a:r>
-              <a:rPr lang="ja-JP" altLang="en-US" sz="800" b="1">
+              <a:rPr lang="ja-JP" altLang="en-US" sz="1000" b="1">
                 <a:solidFill>
                   <a:srgbClr val="FFFF00"/>
                 </a:solidFill>
@@ -7989,7 +7628,7 @@
               <a:t>②</a:t>
             </a:r>
             <a:r>
-              <a:rPr lang="en-US" altLang="ja-JP" sz="800" b="1" dirty="0">
+              <a:rPr lang="en-US" altLang="ja-JP" sz="1000" b="1" dirty="0">
                 <a:solidFill>
                   <a:srgbClr val="FFFF00"/>
                 </a:solidFill>
@@ -7997,15 +7636,15 @@
               <a:t> </a:t>
             </a:r>
             <a:r>
-              <a:rPr lang="en-US" altLang="ja-JP" sz="800" b="1" dirty="0"/>
+              <a:rPr lang="en-US" altLang="ja-JP" sz="1000" b="1" dirty="0"/>
               <a:t>+ LGB</a:t>
             </a:r>
             <a:r>
-              <a:rPr lang="ja-JP" altLang="en-US" sz="800" b="1"/>
+              <a:rPr lang="ja-JP" altLang="en-US" sz="1000" b="1"/>
               <a:t>（</a:t>
             </a:r>
             <a:r>
-              <a:rPr lang="en-US" altLang="ja-JP" sz="800" b="1" dirty="0">
+              <a:rPr lang="en-US" altLang="ja-JP" sz="1000" b="1" dirty="0">
                 <a:solidFill>
                   <a:srgbClr val="00B0F0"/>
                 </a:solidFill>
@@ -8013,10 +7652,10 @@
               <a:t>mlogloss</a:t>
             </a:r>
             <a:r>
-              <a:rPr lang="en-US" altLang="ja-JP" sz="800" b="1" dirty="0"/>
+              <a:rPr lang="en-US" altLang="ja-JP" sz="1000" b="1" dirty="0"/>
               <a:t>)</a:t>
             </a:r>
-            <a:endParaRPr kumimoji="1" lang="ja-JP" altLang="en-US" sz="800" b="1"/>
+            <a:endParaRPr kumimoji="1" lang="ja-JP" altLang="en-US" sz="1000" b="1"/>
           </a:p>
         </p:txBody>
       </p:sp>
@@ -8025,7 +7664,7 @@
           <p:cNvPr id="56" name="テキスト ボックス 55">
             <a:extLst>
               <a:ext uri="{FF2B5EF4-FFF2-40B4-BE49-F238E27FC236}">
-                <a16:creationId xmlns:a16="http://schemas.microsoft.com/office/drawing/2014/main" xmlns="" id="{E39FF524-597B-1549-BD0F-370BAD779412}"/>
+                <a16:creationId xmlns:a16="http://schemas.microsoft.com/office/drawing/2014/main" id="{E39FF524-597B-1549-BD0F-370BAD779412}"/>
               </a:ext>
             </a:extLst>
           </p:cNvPr>
@@ -8034,8 +7673,8 @@
         </p:nvSpPr>
         <p:spPr>
           <a:xfrm>
-            <a:off x="2620018" y="991855"/>
-            <a:ext cx="1346075" cy="215444"/>
+            <a:off x="2631255" y="1484339"/>
+            <a:ext cx="1560118" cy="246221"/>
           </a:xfrm>
           <a:prstGeom prst="rect">
             <a:avLst/>
@@ -8057,7 +7696,7 @@
           <a:lstStyle/>
           <a:p>
             <a:r>
-              <a:rPr lang="ja-JP" altLang="en-US" sz="800" b="1">
+              <a:rPr lang="ja-JP" altLang="en-US" sz="1000" b="1">
                 <a:solidFill>
                   <a:srgbClr val="FFFF00"/>
                 </a:solidFill>
@@ -8065,7 +7704,7 @@
               <a:t>①</a:t>
             </a:r>
             <a:r>
-              <a:rPr lang="en-US" altLang="ja-JP" sz="800" b="1" dirty="0">
+              <a:rPr lang="en-US" altLang="ja-JP" sz="1000" b="1" dirty="0">
                 <a:solidFill>
                   <a:srgbClr val="FFFF00"/>
                 </a:solidFill>
@@ -8073,7 +7712,7 @@
               <a:t> </a:t>
             </a:r>
             <a:r>
-              <a:rPr lang="ja-JP" altLang="en-US" sz="800" b="1">
+              <a:rPr lang="ja-JP" altLang="en-US" sz="1000" b="1">
                 <a:solidFill>
                   <a:srgbClr val="FFFF00"/>
                 </a:solidFill>
@@ -8081,7 +7720,7 @@
               <a:t>②</a:t>
             </a:r>
             <a:r>
-              <a:rPr lang="en-US" altLang="ja-JP" sz="800" b="1" dirty="0">
+              <a:rPr lang="en-US" altLang="ja-JP" sz="1000" b="1" dirty="0">
                 <a:solidFill>
                   <a:srgbClr val="FFFF00"/>
                 </a:solidFill>
@@ -8089,15 +7728,15 @@
               <a:t> </a:t>
             </a:r>
             <a:r>
-              <a:rPr lang="en-US" altLang="ja-JP" sz="800" b="1" dirty="0"/>
+              <a:rPr lang="en-US" altLang="ja-JP" sz="1000" b="1" dirty="0"/>
               <a:t>+ NN</a:t>
             </a:r>
             <a:r>
-              <a:rPr lang="ja-JP" altLang="en-US" sz="800" b="1"/>
+              <a:rPr lang="ja-JP" altLang="en-US" sz="1000" b="1"/>
               <a:t>（</a:t>
             </a:r>
             <a:r>
-              <a:rPr lang="en-US" altLang="ja-JP" sz="800" b="1" dirty="0">
+              <a:rPr lang="en-US" altLang="ja-JP" sz="1000" b="1" dirty="0">
                 <a:solidFill>
                   <a:srgbClr val="FFFF00"/>
                 </a:solidFill>
@@ -8105,10 +7744,10 @@
               <a:t>wmlogloss</a:t>
             </a:r>
             <a:r>
-              <a:rPr lang="en-US" altLang="ja-JP" sz="800" b="1" dirty="0"/>
+              <a:rPr lang="en-US" altLang="ja-JP" sz="1000" b="1" dirty="0"/>
               <a:t>)</a:t>
             </a:r>
-            <a:endParaRPr kumimoji="1" lang="ja-JP" altLang="en-US" sz="800" b="1"/>
+            <a:endParaRPr kumimoji="1" lang="ja-JP" altLang="en-US" sz="1000" b="1"/>
           </a:p>
         </p:txBody>
       </p:sp>
@@ -8117,7 +7756,7 @@
           <p:cNvPr id="57" name="テキスト ボックス 56">
             <a:extLst>
               <a:ext uri="{FF2B5EF4-FFF2-40B4-BE49-F238E27FC236}">
-                <a16:creationId xmlns:a16="http://schemas.microsoft.com/office/drawing/2014/main" xmlns="" id="{E58B886D-799A-3148-8AA5-C1841638F333}"/>
+                <a16:creationId xmlns:a16="http://schemas.microsoft.com/office/drawing/2014/main" id="{E58B886D-799A-3148-8AA5-C1841638F333}"/>
               </a:ext>
             </a:extLst>
           </p:cNvPr>
@@ -8126,8 +7765,8 @@
         </p:nvSpPr>
         <p:spPr>
           <a:xfrm>
-            <a:off x="2620018" y="1268092"/>
-            <a:ext cx="1346075" cy="215444"/>
+            <a:off x="2631255" y="1763578"/>
+            <a:ext cx="1560118" cy="251025"/>
           </a:xfrm>
           <a:prstGeom prst="rect">
             <a:avLst/>
@@ -8149,7 +7788,7 @@
           <a:lstStyle/>
           <a:p>
             <a:r>
-              <a:rPr lang="ja-JP" altLang="en-US" sz="800" b="1">
+              <a:rPr lang="ja-JP" altLang="en-US" sz="1000" b="1">
                 <a:solidFill>
                   <a:srgbClr val="FFFF00"/>
                 </a:solidFill>
@@ -8157,7 +7796,7 @@
               <a:t>①</a:t>
             </a:r>
             <a:r>
-              <a:rPr lang="en-US" altLang="ja-JP" sz="800" b="1" dirty="0">
+              <a:rPr lang="en-US" altLang="ja-JP" sz="1000" b="1" dirty="0">
                 <a:solidFill>
                   <a:srgbClr val="FFFF00"/>
                 </a:solidFill>
@@ -8165,7 +7804,7 @@
               <a:t> </a:t>
             </a:r>
             <a:r>
-              <a:rPr lang="ja-JP" altLang="en-US" sz="800" b="1">
+              <a:rPr lang="ja-JP" altLang="en-US" sz="1000" b="1">
                 <a:solidFill>
                   <a:srgbClr val="FFFF00"/>
                 </a:solidFill>
@@ -8173,7 +7812,7 @@
               <a:t>②</a:t>
             </a:r>
             <a:r>
-              <a:rPr lang="en-US" altLang="ja-JP" sz="800" b="1" dirty="0">
+              <a:rPr lang="en-US" altLang="ja-JP" sz="1000" b="1" dirty="0">
                 <a:solidFill>
                   <a:srgbClr val="FFFF00"/>
                 </a:solidFill>
@@ -8181,15 +7820,15 @@
               <a:t> </a:t>
             </a:r>
             <a:r>
-              <a:rPr lang="en-US" altLang="ja-JP" sz="800" b="1" dirty="0"/>
+              <a:rPr lang="en-US" altLang="ja-JP" sz="1000" b="1" dirty="0"/>
               <a:t>+ NN</a:t>
             </a:r>
             <a:r>
-              <a:rPr lang="ja-JP" altLang="en-US" sz="800" b="1"/>
+              <a:rPr lang="ja-JP" altLang="en-US" sz="1000" b="1"/>
               <a:t>（</a:t>
             </a:r>
             <a:r>
-              <a:rPr lang="en-US" altLang="ja-JP" sz="800" b="1" dirty="0">
+              <a:rPr lang="en-US" altLang="ja-JP" sz="1000" b="1" dirty="0">
                 <a:solidFill>
                   <a:srgbClr val="00B0F0"/>
                 </a:solidFill>
@@ -8197,10 +7836,10 @@
               <a:t>mlogloss</a:t>
             </a:r>
             <a:r>
-              <a:rPr lang="en-US" altLang="ja-JP" sz="800" b="1" dirty="0"/>
+              <a:rPr lang="en-US" altLang="ja-JP" sz="1000" b="1" dirty="0"/>
               <a:t>)</a:t>
             </a:r>
-            <a:endParaRPr kumimoji="1" lang="ja-JP" altLang="en-US" sz="800" b="1"/>
+            <a:endParaRPr kumimoji="1" lang="ja-JP" altLang="en-US" sz="1000" b="1"/>
           </a:p>
         </p:txBody>
       </p:sp>
@@ -8209,7 +7848,7 @@
           <p:cNvPr id="29" name="図 28">
             <a:extLst>
               <a:ext uri="{FF2B5EF4-FFF2-40B4-BE49-F238E27FC236}">
-                <a16:creationId xmlns:a16="http://schemas.microsoft.com/office/drawing/2014/main" xmlns="" id="{942FE2D3-D41D-0C4A-A942-0E987F45C1EE}"/>
+                <a16:creationId xmlns:a16="http://schemas.microsoft.com/office/drawing/2014/main" id="{942FE2D3-D41D-0C4A-A942-0E987F45C1EE}"/>
               </a:ext>
             </a:extLst>
           </p:cNvPr>
@@ -8226,7 +7865,7 @@
         </p:blipFill>
         <p:spPr>
           <a:xfrm>
-            <a:off x="2172745" y="1741926"/>
+            <a:off x="2200040" y="2496314"/>
             <a:ext cx="299366" cy="299366"/>
           </a:xfrm>
           <a:prstGeom prst="rect">
@@ -8239,7 +7878,7 @@
           <p:cNvPr id="25" name="図 24">
             <a:extLst>
               <a:ext uri="{FF2B5EF4-FFF2-40B4-BE49-F238E27FC236}">
-                <a16:creationId xmlns:a16="http://schemas.microsoft.com/office/drawing/2014/main" xmlns="" id="{A7ADACBD-666E-284A-9EF6-141B02F9DB19}"/>
+                <a16:creationId xmlns:a16="http://schemas.microsoft.com/office/drawing/2014/main" id="{A7ADACBD-666E-284A-9EF6-141B02F9DB19}"/>
               </a:ext>
             </a:extLst>
           </p:cNvPr>
@@ -8269,7 +7908,7 @@
           <p:cNvPr id="61" name="テキスト ボックス 60">
             <a:extLst>
               <a:ext uri="{FF2B5EF4-FFF2-40B4-BE49-F238E27FC236}">
-                <a16:creationId xmlns:a16="http://schemas.microsoft.com/office/drawing/2014/main" xmlns="" id="{00F71D8B-47F7-EA47-916E-F23CDF6F0DDC}"/>
+                <a16:creationId xmlns:a16="http://schemas.microsoft.com/office/drawing/2014/main" id="{00F71D8B-47F7-EA47-916E-F23CDF6F0DDC}"/>
               </a:ext>
             </a:extLst>
           </p:cNvPr>
@@ -8278,8 +7917,8 @@
         </p:nvSpPr>
         <p:spPr>
           <a:xfrm>
-            <a:off x="2538522" y="4474751"/>
-            <a:ext cx="1346075" cy="215444"/>
+            <a:off x="2538519" y="5020737"/>
+            <a:ext cx="1346075" cy="230832"/>
           </a:xfrm>
           <a:prstGeom prst="rect">
             <a:avLst/>
@@ -8302,7 +7941,7 @@
           <a:lstStyle/>
           <a:p>
             <a:r>
-              <a:rPr lang="ja-JP" altLang="en-US" sz="800" b="1">
+              <a:rPr lang="ja-JP" altLang="en-US" sz="900" b="1">
                 <a:solidFill>
                   <a:srgbClr val="FFFF00"/>
                 </a:solidFill>
@@ -8310,7 +7949,7 @@
               <a:t>①</a:t>
             </a:r>
             <a:r>
-              <a:rPr lang="en-US" altLang="ja-JP" sz="800" b="1" dirty="0">
+              <a:rPr lang="en-US" altLang="ja-JP" sz="900" b="1" dirty="0">
                 <a:solidFill>
                   <a:srgbClr val="FFFF00"/>
                 </a:solidFill>
@@ -8318,7 +7957,7 @@
               <a:t> </a:t>
             </a:r>
             <a:r>
-              <a:rPr lang="ja-JP" altLang="en-US" sz="800" b="1">
+              <a:rPr lang="ja-JP" altLang="en-US" sz="900" b="1">
                 <a:solidFill>
                   <a:srgbClr val="FFFF00"/>
                 </a:solidFill>
@@ -8326,7 +7965,7 @@
               <a:t>③</a:t>
             </a:r>
             <a:r>
-              <a:rPr lang="en-US" altLang="ja-JP" sz="800" b="1" dirty="0">
+              <a:rPr lang="en-US" altLang="ja-JP" sz="900" b="1" dirty="0">
                 <a:solidFill>
                   <a:srgbClr val="FFFF00"/>
                 </a:solidFill>
@@ -8334,15 +7973,15 @@
               <a:t> </a:t>
             </a:r>
             <a:r>
-              <a:rPr lang="en-US" altLang="ja-JP" sz="800" b="1" dirty="0"/>
+              <a:rPr lang="en-US" altLang="ja-JP" sz="900" b="1" dirty="0"/>
               <a:t>+ NN</a:t>
             </a:r>
             <a:r>
-              <a:rPr lang="ja-JP" altLang="en-US" sz="800" b="1"/>
+              <a:rPr lang="ja-JP" altLang="en-US" sz="900" b="1"/>
               <a:t>（</a:t>
             </a:r>
             <a:r>
-              <a:rPr lang="en-US" altLang="ja-JP" sz="800" b="1" dirty="0">
+              <a:rPr lang="en-US" altLang="ja-JP" sz="900" b="1" dirty="0">
                 <a:solidFill>
                   <a:srgbClr val="FFFF00"/>
                 </a:solidFill>
@@ -8350,102 +7989,10 @@
               <a:t>wmlogloss</a:t>
             </a:r>
             <a:r>
-              <a:rPr lang="en-US" altLang="ja-JP" sz="800" b="1" dirty="0"/>
+              <a:rPr lang="en-US" altLang="ja-JP" sz="900" b="1" dirty="0"/>
               <a:t>)</a:t>
             </a:r>
-            <a:endParaRPr kumimoji="1" lang="ja-JP" altLang="en-US" sz="800" b="1"/>
-          </a:p>
-        </p:txBody>
-      </p:sp>
-      <p:sp>
-        <p:nvSpPr>
-          <p:cNvPr id="62" name="テキスト ボックス 61">
-            <a:extLst>
-              <a:ext uri="{FF2B5EF4-FFF2-40B4-BE49-F238E27FC236}">
-                <a16:creationId xmlns:a16="http://schemas.microsoft.com/office/drawing/2014/main" xmlns="" id="{9F489973-A950-5742-AC2B-A8EF24AF4695}"/>
-              </a:ext>
-            </a:extLst>
-          </p:cNvPr>
-          <p:cNvSpPr txBox="1"/>
-          <p:nvPr/>
-        </p:nvSpPr>
-        <p:spPr>
-          <a:xfrm>
-            <a:off x="2538522" y="4776027"/>
-            <a:ext cx="1346075" cy="215444"/>
-          </a:xfrm>
-          <a:prstGeom prst="rect">
-            <a:avLst/>
-          </a:prstGeom>
-          <a:noFill/>
-          <a:ln>
-            <a:solidFill>
-              <a:schemeClr val="accent1">
-                <a:lumMod val="20000"/>
-                <a:lumOff val="80000"/>
-              </a:schemeClr>
-            </a:solidFill>
-          </a:ln>
-        </p:spPr>
-        <p:txBody>
-          <a:bodyPr wrap="square" rtlCol="0">
-            <a:spAutoFit/>
-          </a:bodyPr>
-          <a:lstStyle/>
-          <a:p>
-            <a:r>
-              <a:rPr lang="ja-JP" altLang="en-US" sz="800" b="1">
-                <a:solidFill>
-                  <a:srgbClr val="FFFF00"/>
-                </a:solidFill>
-              </a:rPr>
-              <a:t>①</a:t>
-            </a:r>
-            <a:r>
-              <a:rPr lang="en-US" altLang="ja-JP" sz="800" b="1" dirty="0">
-                <a:solidFill>
-                  <a:srgbClr val="FFFF00"/>
-                </a:solidFill>
-              </a:rPr>
-              <a:t> </a:t>
-            </a:r>
-            <a:r>
-              <a:rPr lang="ja-JP" altLang="en-US" sz="800" b="1">
-                <a:solidFill>
-                  <a:srgbClr val="FFFF00"/>
-                </a:solidFill>
-              </a:rPr>
-              <a:t>③</a:t>
-            </a:r>
-            <a:r>
-              <a:rPr lang="en-US" altLang="ja-JP" sz="800" b="1" dirty="0">
-                <a:solidFill>
-                  <a:srgbClr val="FFFF00"/>
-                </a:solidFill>
-              </a:rPr>
-              <a:t> </a:t>
-            </a:r>
-            <a:r>
-              <a:rPr lang="en-US" altLang="ja-JP" sz="800" b="1" dirty="0"/>
-              <a:t>+ NN</a:t>
-            </a:r>
-            <a:r>
-              <a:rPr lang="ja-JP" altLang="en-US" sz="800" b="1"/>
-              <a:t>（</a:t>
-            </a:r>
-            <a:r>
-              <a:rPr lang="en-US" altLang="ja-JP" sz="800" b="1" dirty="0">
-                <a:solidFill>
-                  <a:srgbClr val="00B0F0"/>
-                </a:solidFill>
-              </a:rPr>
-              <a:t>mlogloss</a:t>
-            </a:r>
-            <a:r>
-              <a:rPr lang="en-US" altLang="ja-JP" sz="800" b="1" dirty="0"/>
-              <a:t>)</a:t>
-            </a:r>
-            <a:endParaRPr kumimoji="1" lang="ja-JP" altLang="en-US" sz="800" b="1"/>
+            <a:endParaRPr kumimoji="1" lang="ja-JP" altLang="en-US" sz="900" b="1"/>
           </a:p>
         </p:txBody>
       </p:sp>
@@ -8454,7 +8001,7 @@
           <p:cNvPr id="64" name="図 63">
             <a:extLst>
               <a:ext uri="{FF2B5EF4-FFF2-40B4-BE49-F238E27FC236}">
-                <a16:creationId xmlns:a16="http://schemas.microsoft.com/office/drawing/2014/main" xmlns="" id="{CCC0EE8F-60A5-2E47-A74F-64210B41D397}"/>
+                <a16:creationId xmlns:a16="http://schemas.microsoft.com/office/drawing/2014/main" id="{CCC0EE8F-60A5-2E47-A74F-64210B41D397}"/>
               </a:ext>
             </a:extLst>
           </p:cNvPr>
@@ -8471,7 +8018,7 @@
         </p:blipFill>
         <p:spPr>
           <a:xfrm>
-            <a:off x="6591690" y="5808834"/>
+            <a:off x="6416389" y="5817764"/>
             <a:ext cx="776694" cy="776694"/>
           </a:xfrm>
           <a:prstGeom prst="rect">
@@ -8484,7 +8031,7 @@
           <p:cNvPr id="78" name="図 77">
             <a:extLst>
               <a:ext uri="{FF2B5EF4-FFF2-40B4-BE49-F238E27FC236}">
-                <a16:creationId xmlns:a16="http://schemas.microsoft.com/office/drawing/2014/main" xmlns="" id="{98DA3A20-B808-5040-B746-1DA6EAD42B3B}"/>
+                <a16:creationId xmlns:a16="http://schemas.microsoft.com/office/drawing/2014/main" id="{98DA3A20-B808-5040-B746-1DA6EAD42B3B}"/>
               </a:ext>
             </a:extLst>
           </p:cNvPr>
@@ -8501,7 +8048,7 @@
         </p:blipFill>
         <p:spPr>
           <a:xfrm>
-            <a:off x="6616844" y="2312422"/>
+            <a:off x="6441543" y="2321352"/>
             <a:ext cx="751540" cy="751540"/>
           </a:xfrm>
           <a:prstGeom prst="rect">
@@ -8514,7 +8061,7 @@
           <p:cNvPr id="154" name="角丸四角形 153">
             <a:extLst>
               <a:ext uri="{FF2B5EF4-FFF2-40B4-BE49-F238E27FC236}">
-                <a16:creationId xmlns:a16="http://schemas.microsoft.com/office/drawing/2014/main" xmlns="" id="{EC3E4D72-2555-1F46-801A-29130F76A783}"/>
+                <a16:creationId xmlns:a16="http://schemas.microsoft.com/office/drawing/2014/main" id="{EC3E4D72-2555-1F46-801A-29130F76A783}"/>
               </a:ext>
             </a:extLst>
           </p:cNvPr>
@@ -8523,8 +8070,8 @@
         </p:nvSpPr>
         <p:spPr>
           <a:xfrm>
-            <a:off x="5992422" y="283502"/>
-            <a:ext cx="2000385" cy="2895875"/>
+            <a:off x="5992423" y="283502"/>
+            <a:ext cx="1541594" cy="2895875"/>
           </a:xfrm>
           <a:prstGeom prst="roundRect">
             <a:avLst/>
@@ -8564,7 +8111,7 @@
           <p:cNvPr id="155" name="テキスト ボックス 154">
             <a:extLst>
               <a:ext uri="{FF2B5EF4-FFF2-40B4-BE49-F238E27FC236}">
-                <a16:creationId xmlns:a16="http://schemas.microsoft.com/office/drawing/2014/main" xmlns="" id="{26AEDF4C-B7F6-2B45-8364-E77BD0721594}"/>
+                <a16:creationId xmlns:a16="http://schemas.microsoft.com/office/drawing/2014/main" id="{26AEDF4C-B7F6-2B45-8364-E77BD0721594}"/>
               </a:ext>
             </a:extLst>
           </p:cNvPr>
@@ -8573,7 +8120,7 @@
         </p:nvSpPr>
         <p:spPr>
           <a:xfrm>
-            <a:off x="6211791" y="467713"/>
+            <a:off x="6036490" y="476643"/>
             <a:ext cx="1561646" cy="307777"/>
           </a:xfrm>
           <a:prstGeom prst="rect">
@@ -8608,7 +8155,7 @@
           <p:cNvPr id="156" name="角丸四角形 155">
             <a:extLst>
               <a:ext uri="{FF2B5EF4-FFF2-40B4-BE49-F238E27FC236}">
-                <a16:creationId xmlns:a16="http://schemas.microsoft.com/office/drawing/2014/main" xmlns="" id="{D5CDBB9D-33C2-9D45-A3DD-4C0FAB9E7719}"/>
+                <a16:creationId xmlns:a16="http://schemas.microsoft.com/office/drawing/2014/main" id="{D5CDBB9D-33C2-9D45-A3DD-4C0FAB9E7719}"/>
               </a:ext>
             </a:extLst>
           </p:cNvPr>
@@ -8618,7 +8165,7 @@
         <p:spPr>
           <a:xfrm>
             <a:off x="5992423" y="3865528"/>
-            <a:ext cx="2000384" cy="2798634"/>
+            <a:ext cx="1605713" cy="2798634"/>
           </a:xfrm>
           <a:prstGeom prst="roundRect">
             <a:avLst/>
@@ -8658,7 +8205,7 @@
           <p:cNvPr id="157" name="テキスト ボックス 156">
             <a:extLst>
               <a:ext uri="{FF2B5EF4-FFF2-40B4-BE49-F238E27FC236}">
-                <a16:creationId xmlns:a16="http://schemas.microsoft.com/office/drawing/2014/main" xmlns="" id="{248529FA-8E44-8145-873C-F17BFB7E1E0D}"/>
+                <a16:creationId xmlns:a16="http://schemas.microsoft.com/office/drawing/2014/main" id="{248529FA-8E44-8145-873C-F17BFB7E1E0D}"/>
               </a:ext>
             </a:extLst>
           </p:cNvPr>
@@ -8667,7 +8214,7 @@
         </p:nvSpPr>
         <p:spPr>
           <a:xfrm>
-            <a:off x="6275911" y="3980944"/>
+            <a:off x="6100610" y="3989874"/>
             <a:ext cx="1433406" cy="307777"/>
           </a:xfrm>
           <a:prstGeom prst="rect">
@@ -8705,7 +8252,7 @@
           <p:cNvPr id="158" name="テキスト ボックス 157">
             <a:extLst>
               <a:ext uri="{FF2B5EF4-FFF2-40B4-BE49-F238E27FC236}">
-                <a16:creationId xmlns:a16="http://schemas.microsoft.com/office/drawing/2014/main" xmlns="" id="{765651CA-B38A-A64F-8B7C-9F14350FE589}"/>
+                <a16:creationId xmlns:a16="http://schemas.microsoft.com/office/drawing/2014/main" id="{765651CA-B38A-A64F-8B7C-9F14350FE589}"/>
               </a:ext>
             </a:extLst>
           </p:cNvPr>
@@ -8714,8 +8261,8 @@
         </p:nvSpPr>
         <p:spPr>
           <a:xfrm>
-            <a:off x="6108410" y="992775"/>
-            <a:ext cx="758477" cy="738664"/>
+            <a:off x="6142567" y="1160989"/>
+            <a:ext cx="1324337" cy="646331"/>
           </a:xfrm>
           <a:prstGeom prst="rect">
             <a:avLst/>
@@ -8729,32 +8276,35 @@
           <a:lstStyle/>
           <a:p>
             <a:r>
+              <a:rPr lang="en-US" altLang="ja-JP" sz="1400" b="1" dirty="0">
+                <a:solidFill>
+                  <a:srgbClr val="FFFF00"/>
+                </a:solidFill>
+              </a:rPr>
+              <a:t>Public: </a:t>
+            </a:r>
+            <a:r>
+              <a:rPr lang="en-US" altLang="ja-JP" b="1" dirty="0"/>
+              <a:t>0.844</a:t>
+            </a:r>
+            <a:endParaRPr lang="en-US" altLang="ja-JP" sz="1400" b="1" dirty="0">
+              <a:solidFill>
+                <a:srgbClr val="FFFF00"/>
+              </a:solidFill>
+            </a:endParaRPr>
+          </a:p>
+          <a:p>
+            <a:r>
               <a:rPr kumimoji="1" lang="en-US" altLang="ja-JP" sz="1400" b="1" dirty="0">
                 <a:solidFill>
                   <a:srgbClr val="FFFF00"/>
                 </a:solidFill>
               </a:rPr>
-              <a:t>CV:</a:t>
-            </a:r>
-          </a:p>
-          <a:p>
-            <a:r>
-              <a:rPr lang="en-US" altLang="ja-JP" sz="1400" b="1" dirty="0">
-                <a:solidFill>
-                  <a:srgbClr val="FFFF00"/>
-                </a:solidFill>
-              </a:rPr>
-              <a:t>Public:</a:t>
-            </a:r>
-          </a:p>
-          <a:p>
-            <a:r>
-              <a:rPr kumimoji="1" lang="en-US" altLang="ja-JP" sz="1400" b="1" dirty="0">
-                <a:solidFill>
-                  <a:srgbClr val="FFFF00"/>
-                </a:solidFill>
-              </a:rPr>
-              <a:t>Private:</a:t>
+              <a:t>Private: </a:t>
+            </a:r>
+            <a:r>
+              <a:rPr lang="en-US" altLang="ja-JP" b="1" dirty="0"/>
+              <a:t>0.856</a:t>
             </a:r>
             <a:endParaRPr kumimoji="1" lang="ja-JP" altLang="en-US" sz="1400" b="1" dirty="0">
               <a:solidFill>
@@ -8769,7 +8319,7 @@
           <p:cNvPr id="159" name="テキスト ボックス 158">
             <a:extLst>
               <a:ext uri="{FF2B5EF4-FFF2-40B4-BE49-F238E27FC236}">
-                <a16:creationId xmlns:a16="http://schemas.microsoft.com/office/drawing/2014/main" xmlns="" id="{E0E01411-3AC4-AF43-86CA-CF3C9CB9F7C1}"/>
+                <a16:creationId xmlns:a16="http://schemas.microsoft.com/office/drawing/2014/main" id="{E0E01411-3AC4-AF43-86CA-CF3C9CB9F7C1}"/>
               </a:ext>
             </a:extLst>
           </p:cNvPr>
@@ -8778,8 +8328,8 @@
         </p:nvSpPr>
         <p:spPr>
           <a:xfrm>
-            <a:off x="6146988" y="4415514"/>
-            <a:ext cx="758477" cy="738664"/>
+            <a:off x="6142567" y="4627444"/>
+            <a:ext cx="1324337" cy="646331"/>
           </a:xfrm>
           <a:prstGeom prst="rect">
             <a:avLst/>
@@ -8793,32 +8343,35 @@
           <a:lstStyle/>
           <a:p>
             <a:r>
+              <a:rPr lang="en-US" altLang="ja-JP" sz="1400" b="1" dirty="0">
+                <a:solidFill>
+                  <a:srgbClr val="00B0F0"/>
+                </a:solidFill>
+              </a:rPr>
+              <a:t>Public: </a:t>
+            </a:r>
+            <a:r>
+              <a:rPr lang="en-US" altLang="ja-JP" b="1" dirty="0"/>
+              <a:t>0.861</a:t>
+            </a:r>
+            <a:endParaRPr lang="en-US" altLang="ja-JP" sz="1400" b="1" dirty="0">
+              <a:solidFill>
+                <a:srgbClr val="00B0F0"/>
+              </a:solidFill>
+            </a:endParaRPr>
+          </a:p>
+          <a:p>
+            <a:r>
               <a:rPr kumimoji="1" lang="en-US" altLang="ja-JP" sz="1400" b="1" dirty="0">
                 <a:solidFill>
                   <a:srgbClr val="00B0F0"/>
                 </a:solidFill>
               </a:rPr>
-              <a:t>CV:</a:t>
-            </a:r>
-          </a:p>
-          <a:p>
-            <a:r>
-              <a:rPr lang="en-US" altLang="ja-JP" sz="1400" b="1" dirty="0">
-                <a:solidFill>
-                  <a:srgbClr val="00B0F0"/>
-                </a:solidFill>
-              </a:rPr>
-              <a:t>Public:</a:t>
-            </a:r>
-          </a:p>
-          <a:p>
-            <a:r>
-              <a:rPr kumimoji="1" lang="en-US" altLang="ja-JP" sz="1400" b="1" dirty="0">
-                <a:solidFill>
-                  <a:srgbClr val="00B0F0"/>
-                </a:solidFill>
-              </a:rPr>
-              <a:t>Private:</a:t>
+              <a:t>Private: </a:t>
+            </a:r>
+            <a:r>
+              <a:rPr lang="en-US" altLang="ja-JP" b="1" dirty="0"/>
+              <a:t>0.870</a:t>
             </a:r>
             <a:endParaRPr kumimoji="1" lang="ja-JP" altLang="en-US" sz="1400" b="1" dirty="0">
               <a:solidFill>
@@ -8833,7 +8386,7 @@
           <p:cNvPr id="161" name="カギ線コネクタ 160">
             <a:extLst>
               <a:ext uri="{FF2B5EF4-FFF2-40B4-BE49-F238E27FC236}">
-                <a16:creationId xmlns:a16="http://schemas.microsoft.com/office/drawing/2014/main" xmlns="" id="{F0DA3548-6508-0D4D-80BE-03E0FC4120F1}"/>
+                <a16:creationId xmlns:a16="http://schemas.microsoft.com/office/drawing/2014/main" id="{F0DA3548-6508-0D4D-80BE-03E0FC4120F1}"/>
               </a:ext>
             </a:extLst>
           </p:cNvPr>
@@ -8846,8 +8399,8 @@
         </p:nvCxnSpPr>
         <p:spPr>
           <a:xfrm>
-            <a:off x="7992807" y="1731440"/>
-            <a:ext cx="1570029" cy="1670829"/>
+            <a:off x="7534017" y="1731440"/>
+            <a:ext cx="1810616" cy="1893181"/>
           </a:xfrm>
           <a:prstGeom prst="bentConnector3">
             <a:avLst>
@@ -8881,7 +8434,7 @@
           <p:cNvPr id="166" name="カギ線コネクタ 165">
             <a:extLst>
               <a:ext uri="{FF2B5EF4-FFF2-40B4-BE49-F238E27FC236}">
-                <a16:creationId xmlns:a16="http://schemas.microsoft.com/office/drawing/2014/main" xmlns="" id="{6E6DE9AB-38F8-FA4A-B6FE-E3B7B287F901}"/>
+                <a16:creationId xmlns:a16="http://schemas.microsoft.com/office/drawing/2014/main" id="{6E6DE9AB-38F8-FA4A-B6FE-E3B7B287F901}"/>
               </a:ext>
             </a:extLst>
           </p:cNvPr>
@@ -8894,12 +8447,12 @@
         </p:nvCxnSpPr>
         <p:spPr>
           <a:xfrm flipV="1">
-            <a:off x="7992807" y="3402269"/>
-            <a:ext cx="1570029" cy="1862576"/>
+            <a:off x="7598136" y="3624621"/>
+            <a:ext cx="1746497" cy="1640224"/>
           </a:xfrm>
           <a:prstGeom prst="bentConnector3">
             <a:avLst>
-              <a:gd name="adj1" fmla="val 50000"/>
+              <a:gd name="adj1" fmla="val 48675"/>
             </a:avLst>
           </a:prstGeom>
           <a:ln w="34925">
@@ -8929,7 +8482,7 @@
           <p:cNvPr id="177" name="角丸四角形 176">
             <a:extLst>
               <a:ext uri="{FF2B5EF4-FFF2-40B4-BE49-F238E27FC236}">
-                <a16:creationId xmlns:a16="http://schemas.microsoft.com/office/drawing/2014/main" xmlns="" id="{E68416A7-A378-C14B-BED8-D595FEFD6F62}"/>
+                <a16:creationId xmlns:a16="http://schemas.microsoft.com/office/drawing/2014/main" id="{E68416A7-A378-C14B-BED8-D595FEFD6F62}"/>
               </a:ext>
             </a:extLst>
           </p:cNvPr>
@@ -8938,8 +8491,8 @@
         </p:nvSpPr>
         <p:spPr>
           <a:xfrm>
-            <a:off x="9562836" y="2462048"/>
-            <a:ext cx="2012748" cy="1880442"/>
+            <a:off x="9344633" y="2684400"/>
+            <a:ext cx="1801059" cy="1880442"/>
           </a:xfrm>
           <a:prstGeom prst="roundRect">
             <a:avLst/>
@@ -8985,7 +8538,7 @@
           <p:cNvPr id="178" name="テキスト ボックス 177">
             <a:extLst>
               <a:ext uri="{FF2B5EF4-FFF2-40B4-BE49-F238E27FC236}">
-                <a16:creationId xmlns:a16="http://schemas.microsoft.com/office/drawing/2014/main" xmlns="" id="{7EBB8916-E182-4F40-8F48-AE4D4585BC2C}"/>
+                <a16:creationId xmlns:a16="http://schemas.microsoft.com/office/drawing/2014/main" id="{7EBB8916-E182-4F40-8F48-AE4D4585BC2C}"/>
               </a:ext>
             </a:extLst>
           </p:cNvPr>
@@ -8994,8 +8547,8 @@
         </p:nvSpPr>
         <p:spPr>
           <a:xfrm>
-            <a:off x="9768007" y="3069136"/>
-            <a:ext cx="758477" cy="738664"/>
+            <a:off x="9393041" y="3281988"/>
+            <a:ext cx="1648528" cy="707886"/>
           </a:xfrm>
           <a:prstGeom prst="rect">
             <a:avLst/>
@@ -9009,39 +8562,42 @@
           <a:lstStyle/>
           <a:p>
             <a:r>
-              <a:rPr kumimoji="1" lang="en-US" altLang="ja-JP" sz="1400" b="1" dirty="0">
+              <a:rPr lang="en-US" altLang="ja-JP" sz="2000" b="1" dirty="0">
                 <a:solidFill>
                   <a:srgbClr val="92D050"/>
                 </a:solidFill>
               </a:rPr>
-              <a:t>CV:</a:t>
-            </a:r>
-          </a:p>
-          <a:p>
-            <a:r>
-              <a:rPr lang="en-US" altLang="ja-JP" sz="1400" b="1" dirty="0">
-                <a:solidFill>
-                  <a:srgbClr val="92D050"/>
-                </a:solidFill>
-              </a:rPr>
-              <a:t>Public:</a:t>
-            </a:r>
-          </a:p>
-          <a:p>
-            <a:r>
-              <a:rPr kumimoji="1" lang="en-US" altLang="ja-JP" sz="1400" b="1" dirty="0">
-                <a:solidFill>
-                  <a:srgbClr val="92D050"/>
-                </a:solidFill>
-              </a:rPr>
-              <a:t>Private:</a:t>
-            </a:r>
-            <a:endParaRPr kumimoji="1" lang="ja-JP" altLang="en-US" sz="1400" b="1">
+              <a:t>Public: </a:t>
+            </a:r>
+            <a:r>
+              <a:rPr lang="en-US" altLang="ja-JP" sz="2000" b="1" dirty="0"/>
+              <a:t>0.838</a:t>
+            </a:r>
+            <a:endParaRPr lang="en-US" altLang="ja-JP" sz="2000" b="1" dirty="0">
               <a:solidFill>
                 <a:srgbClr val="92D050"/>
               </a:solidFill>
             </a:endParaRPr>
           </a:p>
+          <a:p>
+            <a:r>
+              <a:rPr kumimoji="1" lang="en-US" altLang="ja-JP" sz="2000" b="1" dirty="0">
+                <a:solidFill>
+                  <a:srgbClr val="92D050"/>
+                </a:solidFill>
+              </a:rPr>
+              <a:t>Private: </a:t>
+            </a:r>
+            <a:r>
+              <a:rPr lang="en-US" altLang="ja-JP" sz="2000" b="1" dirty="0"/>
+              <a:t>0.851</a:t>
+            </a:r>
+            <a:endParaRPr kumimoji="1" lang="ja-JP" altLang="en-US" sz="2000" b="1">
+              <a:solidFill>
+                <a:srgbClr val="92D050"/>
+              </a:solidFill>
+            </a:endParaRPr>
+          </a:p>
         </p:txBody>
       </p:sp>
       <p:sp>
@@ -9049,7 +8605,7 @@
           <p:cNvPr id="3" name="テキスト ボックス 2">
             <a:extLst>
               <a:ext uri="{FF2B5EF4-FFF2-40B4-BE49-F238E27FC236}">
-                <a16:creationId xmlns:a16="http://schemas.microsoft.com/office/drawing/2014/main" xmlns="" id="{27FD0545-D7B7-BB49-A226-53EEF600E939}"/>
+                <a16:creationId xmlns:a16="http://schemas.microsoft.com/office/drawing/2014/main" id="{27FD0545-D7B7-BB49-A226-53EEF600E939}"/>
               </a:ext>
             </a:extLst>
           </p:cNvPr>
@@ -9058,7 +8614,7 @@
         </p:nvSpPr>
         <p:spPr>
           <a:xfrm>
-            <a:off x="7992807" y="127471"/>
+            <a:off x="8072321" y="263714"/>
             <a:ext cx="3582777" cy="954107"/>
           </a:xfrm>
           <a:prstGeom prst="rect">
@@ -9098,7 +8654,7 @@
           <p:cNvPr id="58" name="テキスト ボックス 57">
             <a:extLst>
               <a:ext uri="{FF2B5EF4-FFF2-40B4-BE49-F238E27FC236}">
-                <a16:creationId xmlns:a16="http://schemas.microsoft.com/office/drawing/2014/main" xmlns="" id="{765651CA-B38A-A64F-8B7C-9F14350FE589}"/>
+                <a16:creationId xmlns:a16="http://schemas.microsoft.com/office/drawing/2014/main" id="{765651CA-B38A-A64F-8B7C-9F14350FE589}"/>
               </a:ext>
             </a:extLst>
           </p:cNvPr>
@@ -9107,8 +8663,8 @@
         </p:nvSpPr>
         <p:spPr>
           <a:xfrm>
-            <a:off x="3945717" y="2033428"/>
-            <a:ext cx="1086601" cy="600164"/>
+            <a:off x="4108221" y="2899280"/>
+            <a:ext cx="1533599" cy="584775"/>
           </a:xfrm>
           <a:prstGeom prst="rect">
             <a:avLst/>
@@ -9122,44 +8678,250 @@
           <a:lstStyle/>
           <a:p>
             <a:r>
-              <a:rPr kumimoji="1" lang="en-US" altLang="ja-JP" sz="1100" b="1" dirty="0"/>
-              <a:t>CV</a:t>
-            </a:r>
-            <a:r>
-              <a:rPr kumimoji="1" lang="en-US" altLang="ja-JP" sz="1100" b="1" dirty="0" smtClean="0"/>
-              <a:t>:</a:t>
-            </a:r>
-            <a:r>
-              <a:rPr kumimoji="1" lang="ja-JP" altLang="en-US" sz="1100" b="1" dirty="0" smtClean="0"/>
-              <a:t>　</a:t>
-            </a:r>
-            <a:r>
-              <a:rPr kumimoji="1" lang="en-US" altLang="ja-JP" sz="1100" b="1" dirty="0" smtClean="0"/>
-              <a:t>???</a:t>
-            </a:r>
-            <a:endParaRPr kumimoji="1" lang="en-US" altLang="ja-JP" sz="1100" b="1" dirty="0"/>
-          </a:p>
-          <a:p>
-            <a:r>
-              <a:rPr lang="en-US" altLang="ja-JP" sz="1100" b="1" dirty="0"/>
-              <a:t>Public</a:t>
-            </a:r>
-            <a:r>
-              <a:rPr lang="en-US" altLang="ja-JP" sz="1100" b="1" dirty="0" smtClean="0"/>
-              <a:t>:</a:t>
-            </a:r>
-            <a:r>
-              <a:rPr lang="en-US" altLang="ja-JP" sz="1100" b="1" dirty="0" smtClean="0"/>
-              <a:t> 0.888</a:t>
-            </a:r>
-            <a:endParaRPr lang="en-US" altLang="ja-JP" sz="1100" b="1" dirty="0"/>
-          </a:p>
-          <a:p>
-            <a:r>
-              <a:rPr kumimoji="1" lang="en-US" altLang="ja-JP" sz="1100" b="1" dirty="0"/>
-              <a:t>Private:</a:t>
-            </a:r>
-            <a:endParaRPr kumimoji="1" lang="ja-JP" altLang="en-US" sz="1100" b="1" dirty="0"/>
+              <a:rPr lang="en-US" altLang="ja-JP" sz="1600" dirty="0"/>
+              <a:t>Public: 0.884</a:t>
+            </a:r>
+          </a:p>
+          <a:p>
+            <a:r>
+              <a:rPr kumimoji="1" lang="en-US" altLang="ja-JP" sz="1600" dirty="0"/>
+              <a:t>Private: </a:t>
+            </a:r>
+            <a:r>
+              <a:rPr lang="en-US" altLang="ja-JP" sz="1600" dirty="0"/>
+              <a:t>0.899</a:t>
+            </a:r>
+            <a:endParaRPr kumimoji="1" lang="ja-JP" altLang="en-US" sz="1600" dirty="0"/>
+          </a:p>
+        </p:txBody>
+      </p:sp>
+      <p:sp>
+        <p:nvSpPr>
+          <p:cNvPr id="59" name="テキスト ボックス 58">
+            <a:extLst>
+              <a:ext uri="{FF2B5EF4-FFF2-40B4-BE49-F238E27FC236}">
+                <a16:creationId xmlns:a16="http://schemas.microsoft.com/office/drawing/2014/main" id="{EF950359-5C0F-CF4F-A8E9-8D6C181D69A3}"/>
+              </a:ext>
+            </a:extLst>
+          </p:cNvPr>
+          <p:cNvSpPr txBox="1"/>
+          <p:nvPr/>
+        </p:nvSpPr>
+        <p:spPr>
+          <a:xfrm>
+            <a:off x="4191375" y="924252"/>
+            <a:ext cx="1390406" cy="584775"/>
+          </a:xfrm>
+          <a:prstGeom prst="rect">
+            <a:avLst/>
+          </a:prstGeom>
+          <a:noFill/>
+        </p:spPr>
+        <p:txBody>
+          <a:bodyPr wrap="square" rtlCol="0">
+            <a:spAutoFit/>
+          </a:bodyPr>
+          <a:lstStyle/>
+          <a:p>
+            <a:r>
+              <a:rPr lang="en-US" altLang="ja-JP" sz="1600" dirty="0"/>
+              <a:t>Public: 0.885</a:t>
+            </a:r>
+          </a:p>
+          <a:p>
+            <a:r>
+              <a:rPr kumimoji="1" lang="en-US" altLang="ja-JP" sz="1600" dirty="0"/>
+              <a:t>Private: </a:t>
+            </a:r>
+            <a:r>
+              <a:rPr lang="en-US" altLang="ja-JP" sz="1600" dirty="0"/>
+              <a:t>0.900</a:t>
+            </a:r>
+            <a:endParaRPr kumimoji="1" lang="ja-JP" altLang="en-US" sz="1600" dirty="0"/>
+          </a:p>
+        </p:txBody>
+      </p:sp>
+      <p:sp>
+        <p:nvSpPr>
+          <p:cNvPr id="60" name="テキスト ボックス 59">
+            <a:extLst>
+              <a:ext uri="{FF2B5EF4-FFF2-40B4-BE49-F238E27FC236}">
+                <a16:creationId xmlns:a16="http://schemas.microsoft.com/office/drawing/2014/main" id="{79A69384-04DA-9E49-ABF6-6519B0C08498}"/>
+              </a:ext>
+            </a:extLst>
+          </p:cNvPr>
+          <p:cNvSpPr txBox="1"/>
+          <p:nvPr/>
+        </p:nvSpPr>
+        <p:spPr>
+          <a:xfrm>
+            <a:off x="2631256" y="978002"/>
+            <a:ext cx="1560118" cy="246221"/>
+          </a:xfrm>
+          <a:prstGeom prst="rect">
+            <a:avLst/>
+          </a:prstGeom>
+          <a:noFill/>
+          <a:ln>
+            <a:solidFill>
+              <a:schemeClr val="accent1">
+                <a:lumMod val="20000"/>
+                <a:lumOff val="80000"/>
+              </a:schemeClr>
+            </a:solidFill>
+          </a:ln>
+        </p:spPr>
+        <p:txBody>
+          <a:bodyPr wrap="square" rtlCol="0">
+            <a:spAutoFit/>
+          </a:bodyPr>
+          <a:lstStyle/>
+          <a:p>
+            <a:r>
+              <a:rPr lang="ja-JP" altLang="en-US" sz="1000" b="1">
+                <a:solidFill>
+                  <a:srgbClr val="FFFF00"/>
+                </a:solidFill>
+              </a:rPr>
+              <a:t>①</a:t>
+            </a:r>
+            <a:r>
+              <a:rPr lang="en-US" altLang="ja-JP" sz="1000" b="1" dirty="0">
+                <a:solidFill>
+                  <a:srgbClr val="FFFF00"/>
+                </a:solidFill>
+              </a:rPr>
+              <a:t> </a:t>
+            </a:r>
+            <a:r>
+              <a:rPr lang="ja-JP" altLang="en-US" sz="1000" b="1">
+                <a:solidFill>
+                  <a:srgbClr val="FFFF00"/>
+                </a:solidFill>
+              </a:rPr>
+              <a:t>②</a:t>
+            </a:r>
+            <a:r>
+              <a:rPr lang="en-US" altLang="ja-JP" sz="1000" b="1" dirty="0">
+                <a:solidFill>
+                  <a:srgbClr val="FFFF00"/>
+                </a:solidFill>
+              </a:rPr>
+              <a:t> </a:t>
+            </a:r>
+            <a:r>
+              <a:rPr lang="en-US" altLang="ja-JP" sz="1000" b="1" dirty="0"/>
+              <a:t>+ XGB</a:t>
+            </a:r>
+            <a:r>
+              <a:rPr lang="ja-JP" altLang="en-US" sz="1000" b="1"/>
+              <a:t>（</a:t>
+            </a:r>
+            <a:r>
+              <a:rPr lang="en-US" altLang="ja-JP" sz="1000" b="1" dirty="0">
+                <a:solidFill>
+                  <a:srgbClr val="00B0F0"/>
+                </a:solidFill>
+              </a:rPr>
+              <a:t>mlogloss</a:t>
+            </a:r>
+            <a:r>
+              <a:rPr lang="en-US" altLang="ja-JP" sz="1000" b="1" dirty="0"/>
+              <a:t>)</a:t>
+            </a:r>
+            <a:endParaRPr kumimoji="1" lang="ja-JP" altLang="en-US" sz="1000" b="1"/>
+          </a:p>
+        </p:txBody>
+      </p:sp>
+      <p:sp>
+        <p:nvSpPr>
+          <p:cNvPr id="63" name="テキスト ボックス 62">
+            <a:extLst>
+              <a:ext uri="{FF2B5EF4-FFF2-40B4-BE49-F238E27FC236}">
+                <a16:creationId xmlns:a16="http://schemas.microsoft.com/office/drawing/2014/main" id="{7935479C-6F54-A047-897E-F840BF930E99}"/>
+              </a:ext>
+            </a:extLst>
+          </p:cNvPr>
+          <p:cNvSpPr txBox="1"/>
+          <p:nvPr/>
+        </p:nvSpPr>
+        <p:spPr>
+          <a:xfrm>
+            <a:off x="4062373" y="6016187"/>
+            <a:ext cx="1533599" cy="584775"/>
+          </a:xfrm>
+          <a:prstGeom prst="rect">
+            <a:avLst/>
+          </a:prstGeom>
+          <a:noFill/>
+        </p:spPr>
+        <p:txBody>
+          <a:bodyPr wrap="square" rtlCol="0">
+            <a:spAutoFit/>
+          </a:bodyPr>
+          <a:lstStyle/>
+          <a:p>
+            <a:r>
+              <a:rPr lang="en-US" altLang="ja-JP" sz="1600" dirty="0"/>
+              <a:t>Public: 0.875</a:t>
+            </a:r>
+          </a:p>
+          <a:p>
+            <a:r>
+              <a:rPr kumimoji="1" lang="en-US" altLang="ja-JP" sz="1600" dirty="0"/>
+              <a:t>Private: </a:t>
+            </a:r>
+            <a:r>
+              <a:rPr lang="en-US" altLang="ja-JP" sz="1600" dirty="0"/>
+              <a:t>0.884</a:t>
+            </a:r>
+            <a:endParaRPr kumimoji="1" lang="ja-JP" altLang="en-US" sz="1600" dirty="0"/>
+          </a:p>
+        </p:txBody>
+      </p:sp>
+      <p:sp>
+        <p:nvSpPr>
+          <p:cNvPr id="65" name="テキスト ボックス 64">
+            <a:extLst>
+              <a:ext uri="{FF2B5EF4-FFF2-40B4-BE49-F238E27FC236}">
+                <a16:creationId xmlns:a16="http://schemas.microsoft.com/office/drawing/2014/main" id="{87C11C80-3826-0A46-BECC-408769112F56}"/>
+              </a:ext>
+            </a:extLst>
+          </p:cNvPr>
+          <p:cNvSpPr txBox="1"/>
+          <p:nvPr/>
+        </p:nvSpPr>
+        <p:spPr>
+          <a:xfrm>
+            <a:off x="4087395" y="4394930"/>
+            <a:ext cx="1533599" cy="584775"/>
+          </a:xfrm>
+          <a:prstGeom prst="rect">
+            <a:avLst/>
+          </a:prstGeom>
+          <a:noFill/>
+        </p:spPr>
+        <p:txBody>
+          <a:bodyPr wrap="square" rtlCol="0">
+            <a:spAutoFit/>
+          </a:bodyPr>
+          <a:lstStyle/>
+          <a:p>
+            <a:r>
+              <a:rPr lang="en-US" altLang="ja-JP" sz="1600" dirty="0"/>
+              <a:t>Public: 0.888</a:t>
+            </a:r>
+          </a:p>
+          <a:p>
+            <a:r>
+              <a:rPr kumimoji="1" lang="en-US" altLang="ja-JP" sz="1600" dirty="0"/>
+              <a:t>Private: </a:t>
+            </a:r>
+            <a:r>
+              <a:rPr lang="en-US" altLang="ja-JP" sz="1600" dirty="0"/>
+              <a:t>0.908</a:t>
+            </a:r>
+            <a:endParaRPr kumimoji="1" lang="ja-JP" altLang="en-US" sz="1600" dirty="0"/>
           </a:p>
         </p:txBody>
       </p:sp>
@@ -9419,7 +9181,7 @@
   <a:extraClrSchemeLst/>
   <a:extLst>
     <a:ext uri="{05A4C25C-085E-4340-85A3-A5531E510DB2}">
-      <thm15:themeFamily xmlns:thm15="http://schemas.microsoft.com/office/thememl/2012/main" xmlns="" name="Celestial" id="{C4BB2A3D-0E93-4C5F-B0D2-9D3FCE089CC5}" vid="{42E5908D-19A2-46FD-89FA-638B126129EF}"/>
+      <thm15:themeFamily xmlns:thm15="http://schemas.microsoft.com/office/thememl/2012/main" name="Celestial" id="{C4BB2A3D-0E93-4C5F-B0D2-9D3FCE089CC5}" vid="{42E5908D-19A2-46FD-89FA-638B126129EF}"/>
     </a:ext>
   </a:extLst>
 </a:theme>
